--- a/Semantic-UI.pptx
+++ b/Semantic-UI.pptx
@@ -5,20 +5,19 @@
     <p:sldMasterId id="2147483840" r:id="rId2"/>
   </p:sldMasterIdLst>
   <p:notesMasterIdLst>
-    <p:notesMasterId r:id="rId11"/>
+    <p:notesMasterId r:id="rId10"/>
   </p:notesMasterIdLst>
   <p:handoutMasterIdLst>
-    <p:handoutMasterId r:id="rId12"/>
+    <p:handoutMasterId r:id="rId11"/>
   </p:handoutMasterIdLst>
   <p:sldIdLst>
     <p:sldId id="258" r:id="rId3"/>
     <p:sldId id="259" r:id="rId4"/>
     <p:sldId id="260" r:id="rId5"/>
-    <p:sldId id="265" r:id="rId6"/>
-    <p:sldId id="261" r:id="rId7"/>
-    <p:sldId id="262" r:id="rId8"/>
-    <p:sldId id="263" r:id="rId9"/>
-    <p:sldId id="264" r:id="rId10"/>
+    <p:sldId id="261" r:id="rId6"/>
+    <p:sldId id="262" r:id="rId7"/>
+    <p:sldId id="263" r:id="rId8"/>
+    <p:sldId id="264" r:id="rId9"/>
   </p:sldIdLst>
   <p:sldSz cx="12192000" cy="6858000"/>
   <p:notesSz cx="6858000" cy="9144000"/>
@@ -221,7 +220,7 @@
           <a:p>
             <a:fld id="{C179C0EB-FA56-45BE-B568-AD7C968FDA80}" type="datetimeFigureOut">
               <a:rPr lang="en-US"/>
-              <a:t>6/2/2014</a:t>
+              <a:t>6/13/2014</a:t>
             </a:fld>
             <a:endParaRPr/>
           </a:p>
@@ -386,7 +385,7 @@
           <a:p>
             <a:fld id="{CF57FFBE-F5AD-4294-8A70-5299E73A51A7}" type="datetimeFigureOut">
               <a:rPr lang="en-US"/>
-              <a:t>6/2/2014</a:t>
+              <a:t>6/13/2014</a:t>
             </a:fld>
             <a:endParaRPr/>
           </a:p>
@@ -795,7 +794,7 @@
           <a:p>
             <a:fld id="{A8224893-DBDA-4BFA-9CE1-4BFE7CD0F8CF}" type="datetime1">
               <a:rPr lang="en-US"/>
-              <a:t>6/2/2014</a:t>
+              <a:t>6/13/2014</a:t>
             </a:fld>
             <a:endParaRPr/>
           </a:p>
@@ -965,7 +964,7 @@
           <a:p>
             <a:fld id="{5F4E5243-F52A-4D37-9694-EB26C6C31910}" type="datetime1">
               <a:rPr lang="en-US"/>
-              <a:t>6/2/2014</a:t>
+              <a:t>6/13/2014</a:t>
             </a:fld>
             <a:endParaRPr/>
           </a:p>
@@ -1145,7 +1144,7 @@
           <a:p>
             <a:fld id="{3A77B6E1-634A-48DC-9E8B-D894023267EF}" type="datetime1">
               <a:rPr lang="en-US"/>
-              <a:t>6/2/2014</a:t>
+              <a:t>6/13/2014</a:t>
             </a:fld>
             <a:endParaRPr/>
           </a:p>
@@ -1315,7 +1314,7 @@
           <a:p>
             <a:fld id="{7B2D3E9E-A95C-48F2-B4BF-A71542E0BE9A}" type="datetime1">
               <a:rPr lang="en-US"/>
-              <a:t>6/2/2014</a:t>
+              <a:t>6/13/2014</a:t>
             </a:fld>
             <a:endParaRPr/>
           </a:p>
@@ -1566,7 +1565,7 @@
           <a:p>
             <a:fld id="{A50F84E2-2D7A-43CF-AC90-352A289A783A}" type="datetime1">
               <a:rPr lang="en-US"/>
-              <a:t>6/2/2014</a:t>
+              <a:t>6/13/2014</a:t>
             </a:fld>
             <a:endParaRPr/>
           </a:p>
@@ -1854,7 +1853,7 @@
           <a:p>
             <a:fld id="{F12952B5-7A2F-4CC8-B7CE-9234E21C2837}" type="datetime1">
               <a:rPr lang="en-US"/>
-              <a:t>6/2/2014</a:t>
+              <a:t>6/13/2014</a:t>
             </a:fld>
             <a:endParaRPr/>
           </a:p>
@@ -2251,7 +2250,7 @@
           <a:p>
             <a:fld id="{CE1DA07A-9201-4B4B-BAF2-015AFA30F520}" type="datetime1">
               <a:rPr lang="en-US"/>
-              <a:t>6/2/2014</a:t>
+              <a:t>6/13/2014</a:t>
             </a:fld>
             <a:endParaRPr/>
           </a:p>
@@ -2369,7 +2368,7 @@
           <a:p>
             <a:fld id="{73D7E00A-486F-4252-8B1D-E32645521F49}" type="datetime1">
               <a:rPr lang="en-US"/>
-              <a:t>6/2/2014</a:t>
+              <a:t>6/13/2014</a:t>
             </a:fld>
             <a:endParaRPr/>
           </a:p>
@@ -2494,7 +2493,7 @@
           <a:p>
             <a:fld id="{8DDF5F92-E675-4B36-9A60-69A962A68675}" type="datetime1">
               <a:rPr lang="en-US"/>
-              <a:t>6/2/2014</a:t>
+              <a:t>6/13/2014</a:t>
             </a:fld>
             <a:endParaRPr/>
           </a:p>
@@ -2778,7 +2777,7 @@
           <a:p>
             <a:fld id="{AF6E2C9B-5FA2-460D-9BE7-B0812FC2A6FF}" type="datetime1">
               <a:rPr lang="en-US"/>
-              <a:t>6/2/2014</a:t>
+              <a:t>6/13/2014</a:t>
             </a:fld>
             <a:endParaRPr/>
           </a:p>
@@ -3042,7 +3041,7 @@
           <a:p>
             <a:fld id="{1D374940-A916-4C8B-9648-02A2D3898F9E}" type="datetime1">
               <a:rPr lang="en-US"/>
-              <a:t>6/2/2014</a:t>
+              <a:t>6/13/2014</a:t>
             </a:fld>
             <a:endParaRPr/>
           </a:p>
@@ -3256,7 +3255,7 @@
           <a:p>
             <a:fld id="{5586B75A-687E-405C-8A0B-8D00578BA2C3}" type="datetime1">
               <a:rPr lang="en-US"/>
-              <a:t>6/2/2014</a:t>
+              <a:t>6/13/2014</a:t>
             </a:fld>
             <a:endParaRPr/>
           </a:p>
@@ -3806,11 +3805,7 @@
           <a:p>
             <a:r>
               <a:rPr lang="en-US" dirty="0" smtClean="0"/>
-              <a:t>Created </a:t>
-            </a:r>
-            <a:r>
-              <a:rPr lang="en-US" dirty="0" smtClean="0"/>
-              <a:t>by Jack </a:t>
+              <a:t>Created by Jack </a:t>
             </a:r>
             <a:r>
               <a:rPr lang="en-US" dirty="0" err="1" smtClean="0"/>
@@ -3841,11 +3836,7 @@
           <a:p>
             <a:r>
               <a:rPr lang="en-US" dirty="0" smtClean="0"/>
-              <a:t>Semantics </a:t>
-            </a:r>
-            <a:r>
-              <a:rPr lang="en-US" dirty="0" smtClean="0"/>
-              <a:t>– Study of meaning with focus on words and phrases</a:t>
+              <a:t>Semantics – Study of meaning with focus on words and phrases</a:t>
             </a:r>
           </a:p>
           <a:p>
@@ -3878,9 +3869,355 @@
   <p:timing>
     <p:tnLst>
       <p:par>
-        <p:cTn id="1" dur="indefinite" restart="never" nodeType="tmRoot"/>
+        <p:cTn id="1" dur="indefinite" restart="never" nodeType="tmRoot">
+          <p:childTnLst>
+            <p:seq concurrent="1" nextAc="seek">
+              <p:cTn id="2" dur="indefinite" nodeType="mainSeq">
+                <p:childTnLst>
+                  <p:par>
+                    <p:cTn id="3" fill="hold">
+                      <p:stCondLst>
+                        <p:cond delay="indefinite"/>
+                      </p:stCondLst>
+                      <p:childTnLst>
+                        <p:par>
+                          <p:cTn id="4" fill="hold">
+                            <p:stCondLst>
+                              <p:cond delay="0"/>
+                            </p:stCondLst>
+                            <p:childTnLst>
+                              <p:par>
+                                <p:cTn id="5" presetID="1" presetClass="entr" presetSubtype="0" fill="hold" grpId="0" nodeType="clickEffect">
+                                  <p:stCondLst>
+                                    <p:cond delay="0"/>
+                                  </p:stCondLst>
+                                  <p:childTnLst>
+                                    <p:set>
+                                      <p:cBhvr>
+                                        <p:cTn id="6" dur="1" fill="hold">
+                                          <p:stCondLst>
+                                            <p:cond delay="0"/>
+                                          </p:stCondLst>
+                                        </p:cTn>
+                                        <p:tgtEl>
+                                          <p:spTgt spid="3">
+                                            <p:txEl>
+                                              <p:pRg st="0" end="0"/>
+                                            </p:txEl>
+                                          </p:spTgt>
+                                        </p:tgtEl>
+                                        <p:attrNameLst>
+                                          <p:attrName>style.visibility</p:attrName>
+                                        </p:attrNameLst>
+                                      </p:cBhvr>
+                                      <p:to>
+                                        <p:strVal val="visible"/>
+                                      </p:to>
+                                    </p:set>
+                                  </p:childTnLst>
+                                </p:cTn>
+                              </p:par>
+                            </p:childTnLst>
+                          </p:cTn>
+                        </p:par>
+                      </p:childTnLst>
+                    </p:cTn>
+                  </p:par>
+                  <p:par>
+                    <p:cTn id="7" fill="hold">
+                      <p:stCondLst>
+                        <p:cond delay="indefinite"/>
+                      </p:stCondLst>
+                      <p:childTnLst>
+                        <p:par>
+                          <p:cTn id="8" fill="hold">
+                            <p:stCondLst>
+                              <p:cond delay="0"/>
+                            </p:stCondLst>
+                            <p:childTnLst>
+                              <p:par>
+                                <p:cTn id="9" presetID="1" presetClass="entr" presetSubtype="0" fill="hold" grpId="0" nodeType="clickEffect">
+                                  <p:stCondLst>
+                                    <p:cond delay="0"/>
+                                  </p:stCondLst>
+                                  <p:childTnLst>
+                                    <p:set>
+                                      <p:cBhvr>
+                                        <p:cTn id="10" dur="1" fill="hold">
+                                          <p:stCondLst>
+                                            <p:cond delay="0"/>
+                                          </p:stCondLst>
+                                        </p:cTn>
+                                        <p:tgtEl>
+                                          <p:spTgt spid="3">
+                                            <p:txEl>
+                                              <p:pRg st="1" end="1"/>
+                                            </p:txEl>
+                                          </p:spTgt>
+                                        </p:tgtEl>
+                                        <p:attrNameLst>
+                                          <p:attrName>style.visibility</p:attrName>
+                                        </p:attrNameLst>
+                                      </p:cBhvr>
+                                      <p:to>
+                                        <p:strVal val="visible"/>
+                                      </p:to>
+                                    </p:set>
+                                  </p:childTnLst>
+                                </p:cTn>
+                              </p:par>
+                            </p:childTnLst>
+                          </p:cTn>
+                        </p:par>
+                      </p:childTnLst>
+                    </p:cTn>
+                  </p:par>
+                  <p:par>
+                    <p:cTn id="11" fill="hold">
+                      <p:stCondLst>
+                        <p:cond delay="indefinite"/>
+                      </p:stCondLst>
+                      <p:childTnLst>
+                        <p:par>
+                          <p:cTn id="12" fill="hold">
+                            <p:stCondLst>
+                              <p:cond delay="0"/>
+                            </p:stCondLst>
+                            <p:childTnLst>
+                              <p:par>
+                                <p:cTn id="13" presetID="1" presetClass="entr" presetSubtype="0" fill="hold" grpId="0" nodeType="clickEffect">
+                                  <p:stCondLst>
+                                    <p:cond delay="0"/>
+                                  </p:stCondLst>
+                                  <p:childTnLst>
+                                    <p:set>
+                                      <p:cBhvr>
+                                        <p:cTn id="14" dur="1" fill="hold">
+                                          <p:stCondLst>
+                                            <p:cond delay="0"/>
+                                          </p:stCondLst>
+                                        </p:cTn>
+                                        <p:tgtEl>
+                                          <p:spTgt spid="3">
+                                            <p:txEl>
+                                              <p:pRg st="2" end="2"/>
+                                            </p:txEl>
+                                          </p:spTgt>
+                                        </p:tgtEl>
+                                        <p:attrNameLst>
+                                          <p:attrName>style.visibility</p:attrName>
+                                        </p:attrNameLst>
+                                      </p:cBhvr>
+                                      <p:to>
+                                        <p:strVal val="visible"/>
+                                      </p:to>
+                                    </p:set>
+                                  </p:childTnLst>
+                                </p:cTn>
+                              </p:par>
+                              <p:par>
+                                <p:cTn id="15" presetID="1" presetClass="entr" presetSubtype="0" fill="hold" grpId="0" nodeType="withEffect">
+                                  <p:stCondLst>
+                                    <p:cond delay="0"/>
+                                  </p:stCondLst>
+                                  <p:childTnLst>
+                                    <p:set>
+                                      <p:cBhvr>
+                                        <p:cTn id="16" dur="1" fill="hold">
+                                          <p:stCondLst>
+                                            <p:cond delay="0"/>
+                                          </p:stCondLst>
+                                        </p:cTn>
+                                        <p:tgtEl>
+                                          <p:spTgt spid="3">
+                                            <p:txEl>
+                                              <p:pRg st="3" end="3"/>
+                                            </p:txEl>
+                                          </p:spTgt>
+                                        </p:tgtEl>
+                                        <p:attrNameLst>
+                                          <p:attrName>style.visibility</p:attrName>
+                                        </p:attrNameLst>
+                                      </p:cBhvr>
+                                      <p:to>
+                                        <p:strVal val="visible"/>
+                                      </p:to>
+                                    </p:set>
+                                  </p:childTnLst>
+                                </p:cTn>
+                              </p:par>
+                              <p:par>
+                                <p:cTn id="17" presetID="1" presetClass="entr" presetSubtype="0" fill="hold" grpId="0" nodeType="withEffect">
+                                  <p:stCondLst>
+                                    <p:cond delay="0"/>
+                                  </p:stCondLst>
+                                  <p:childTnLst>
+                                    <p:set>
+                                      <p:cBhvr>
+                                        <p:cTn id="18" dur="1" fill="hold">
+                                          <p:stCondLst>
+                                            <p:cond delay="0"/>
+                                          </p:stCondLst>
+                                        </p:cTn>
+                                        <p:tgtEl>
+                                          <p:spTgt spid="3">
+                                            <p:txEl>
+                                              <p:pRg st="4" end="4"/>
+                                            </p:txEl>
+                                          </p:spTgt>
+                                        </p:tgtEl>
+                                        <p:attrNameLst>
+                                          <p:attrName>style.visibility</p:attrName>
+                                        </p:attrNameLst>
+                                      </p:cBhvr>
+                                      <p:to>
+                                        <p:strVal val="visible"/>
+                                      </p:to>
+                                    </p:set>
+                                  </p:childTnLst>
+                                </p:cTn>
+                              </p:par>
+                            </p:childTnLst>
+                          </p:cTn>
+                        </p:par>
+                      </p:childTnLst>
+                    </p:cTn>
+                  </p:par>
+                  <p:par>
+                    <p:cTn id="19" fill="hold">
+                      <p:stCondLst>
+                        <p:cond delay="indefinite"/>
+                      </p:stCondLst>
+                      <p:childTnLst>
+                        <p:par>
+                          <p:cTn id="20" fill="hold">
+                            <p:stCondLst>
+                              <p:cond delay="0"/>
+                            </p:stCondLst>
+                            <p:childTnLst>
+                              <p:par>
+                                <p:cTn id="21" presetID="1" presetClass="entr" presetSubtype="0" fill="hold" grpId="0" nodeType="clickEffect">
+                                  <p:stCondLst>
+                                    <p:cond delay="0"/>
+                                  </p:stCondLst>
+                                  <p:childTnLst>
+                                    <p:set>
+                                      <p:cBhvr>
+                                        <p:cTn id="22" dur="1" fill="hold">
+                                          <p:stCondLst>
+                                            <p:cond delay="0"/>
+                                          </p:stCondLst>
+                                        </p:cTn>
+                                        <p:tgtEl>
+                                          <p:spTgt spid="3">
+                                            <p:txEl>
+                                              <p:pRg st="5" end="5"/>
+                                            </p:txEl>
+                                          </p:spTgt>
+                                        </p:tgtEl>
+                                        <p:attrNameLst>
+                                          <p:attrName>style.visibility</p:attrName>
+                                        </p:attrNameLst>
+                                      </p:cBhvr>
+                                      <p:to>
+                                        <p:strVal val="visible"/>
+                                      </p:to>
+                                    </p:set>
+                                  </p:childTnLst>
+                                </p:cTn>
+                              </p:par>
+                              <p:par>
+                                <p:cTn id="23" presetID="1" presetClass="entr" presetSubtype="0" fill="hold" grpId="0" nodeType="withEffect">
+                                  <p:stCondLst>
+                                    <p:cond delay="0"/>
+                                  </p:stCondLst>
+                                  <p:childTnLst>
+                                    <p:set>
+                                      <p:cBhvr>
+                                        <p:cTn id="24" dur="1" fill="hold">
+                                          <p:stCondLst>
+                                            <p:cond delay="0"/>
+                                          </p:stCondLst>
+                                        </p:cTn>
+                                        <p:tgtEl>
+                                          <p:spTgt spid="3">
+                                            <p:txEl>
+                                              <p:pRg st="6" end="6"/>
+                                            </p:txEl>
+                                          </p:spTgt>
+                                        </p:tgtEl>
+                                        <p:attrNameLst>
+                                          <p:attrName>style.visibility</p:attrName>
+                                        </p:attrNameLst>
+                                      </p:cBhvr>
+                                      <p:to>
+                                        <p:strVal val="visible"/>
+                                      </p:to>
+                                    </p:set>
+                                  </p:childTnLst>
+                                </p:cTn>
+                              </p:par>
+                              <p:par>
+                                <p:cTn id="25" presetID="1" presetClass="entr" presetSubtype="0" fill="hold" grpId="0" nodeType="withEffect">
+                                  <p:stCondLst>
+                                    <p:cond delay="0"/>
+                                  </p:stCondLst>
+                                  <p:childTnLst>
+                                    <p:set>
+                                      <p:cBhvr>
+                                        <p:cTn id="26" dur="1" fill="hold">
+                                          <p:stCondLst>
+                                            <p:cond delay="0"/>
+                                          </p:stCondLst>
+                                        </p:cTn>
+                                        <p:tgtEl>
+                                          <p:spTgt spid="3">
+                                            <p:txEl>
+                                              <p:pRg st="7" end="7"/>
+                                            </p:txEl>
+                                          </p:spTgt>
+                                        </p:tgtEl>
+                                        <p:attrNameLst>
+                                          <p:attrName>style.visibility</p:attrName>
+                                        </p:attrNameLst>
+                                      </p:cBhvr>
+                                      <p:to>
+                                        <p:strVal val="visible"/>
+                                      </p:to>
+                                    </p:set>
+                                  </p:childTnLst>
+                                </p:cTn>
+                              </p:par>
+                            </p:childTnLst>
+                          </p:cTn>
+                        </p:par>
+                      </p:childTnLst>
+                    </p:cTn>
+                  </p:par>
+                </p:childTnLst>
+              </p:cTn>
+              <p:prevCondLst>
+                <p:cond evt="onPrev" delay="0">
+                  <p:tgtEl>
+                    <p:sldTgt/>
+                  </p:tgtEl>
+                </p:cond>
+              </p:prevCondLst>
+              <p:nextCondLst>
+                <p:cond evt="onNext" delay="0">
+                  <p:tgtEl>
+                    <p:sldTgt/>
+                  </p:tgtEl>
+                </p:cond>
+              </p:nextCondLst>
+            </p:seq>
+          </p:childTnLst>
+        </p:cTn>
       </p:par>
     </p:tnLst>
+    <p:bldLst>
+      <p:bldP spid="3" grpId="0" uiExpand="1" build="p"/>
+    </p:bldLst>
   </p:timing>
 </p:sld>
 </file>
@@ -3938,7 +4275,7 @@
         <p:spPr/>
         <p:txBody>
           <a:bodyPr>
-            <a:normAutofit fontScale="55000" lnSpcReduction="20000"/>
+            <a:normAutofit fontScale="77500" lnSpcReduction="20000"/>
           </a:bodyPr>
           <a:lstStyle/>
           <a:p>
@@ -3950,19 +4287,6 @@
           <a:p>
             <a:r>
               <a:rPr lang="en-US" dirty="0" smtClean="0"/>
-              <a:t>Individual Components</a:t>
-            </a:r>
-          </a:p>
-          <a:p>
-            <a:pPr lvl="1"/>
-            <a:r>
-              <a:rPr lang="en-US" dirty="0" smtClean="0"/>
-              <a:t>Use only the parts you need</a:t>
-            </a:r>
-          </a:p>
-          <a:p>
-            <a:r>
-              <a:rPr lang="en-US" dirty="0" smtClean="0"/>
               <a:t>Has basic components</a:t>
             </a:r>
           </a:p>
@@ -4016,25 +4340,14 @@
             <a:pPr lvl="1"/>
             <a:r>
               <a:rPr lang="en-US" dirty="0" smtClean="0"/>
-              <a:t>Form validation</a:t>
+              <a:t>Dimmer</a:t>
             </a:r>
           </a:p>
           <a:p>
             <a:pPr lvl="1"/>
             <a:r>
               <a:rPr lang="en-US" dirty="0" smtClean="0"/>
-              <a:t>Dimmer</a:t>
-            </a:r>
-          </a:p>
-          <a:p>
-            <a:pPr lvl="1"/>
-            <a:r>
-              <a:rPr lang="en-US" dirty="0"/>
-              <a:t>S</a:t>
-            </a:r>
-            <a:r>
-              <a:rPr lang="en-US" dirty="0" smtClean="0"/>
-              <a:t>hapes</a:t>
+              <a:t>Shapes</a:t>
             </a:r>
             <a:endParaRPr lang="en-US" dirty="0"/>
           </a:p>
@@ -4071,6 +4384,54 @@
               <a:rPr lang="en-US" dirty="0" smtClean="0"/>
               <a:t>Blackberry 10</a:t>
             </a:r>
+          </a:p>
+        </p:txBody>
+      </p:sp>
+      <p:sp>
+        <p:nvSpPr>
+          <p:cNvPr id="5" name="Oval 4"/>
+          <p:cNvSpPr/>
+          <p:nvPr/>
+        </p:nvSpPr>
+        <p:spPr>
+          <a:xfrm>
+            <a:off x="11930231" y="6605195"/>
+            <a:ext cx="161364" cy="161364"/>
+          </a:xfrm>
+          <a:prstGeom prst="ellipse">
+            <a:avLst/>
+          </a:prstGeom>
+          <a:ln>
+            <a:solidFill>
+              <a:schemeClr val="bg1">
+                <a:lumMod val="85000"/>
+                <a:lumOff val="15000"/>
+              </a:schemeClr>
+            </a:solidFill>
+          </a:ln>
+        </p:spPr>
+        <p:style>
+          <a:lnRef idx="2">
+            <a:schemeClr val="accent1">
+              <a:shade val="50000"/>
+            </a:schemeClr>
+          </a:lnRef>
+          <a:fillRef idx="1001">
+            <a:schemeClr val="dk2"/>
+          </a:fillRef>
+          <a:effectRef idx="0">
+            <a:schemeClr val="accent1"/>
+          </a:effectRef>
+          <a:fontRef idx="minor">
+            <a:schemeClr val="lt1"/>
+          </a:fontRef>
+        </p:style>
+        <p:txBody>
+          <a:bodyPr rtlCol="0" anchor="ctr"/>
+          <a:lstStyle/>
+          <a:p>
+            <a:pPr algn="ctr"/>
+            <a:endParaRPr lang="en-US"/>
           </a:p>
         </p:txBody>
       </p:sp>
@@ -4087,9 +4448,618 @@
   <p:timing>
     <p:tnLst>
       <p:par>
-        <p:cTn id="1" dur="indefinite" restart="never" nodeType="tmRoot"/>
+        <p:cTn id="1" dur="indefinite" restart="never" nodeType="tmRoot">
+          <p:childTnLst>
+            <p:seq concurrent="1" nextAc="seek">
+              <p:cTn id="2" dur="indefinite" nodeType="mainSeq">
+                <p:childTnLst>
+                  <p:par>
+                    <p:cTn id="3" fill="hold">
+                      <p:stCondLst>
+                        <p:cond delay="indefinite"/>
+                      </p:stCondLst>
+                      <p:childTnLst>
+                        <p:par>
+                          <p:cTn id="4" fill="hold">
+                            <p:stCondLst>
+                              <p:cond delay="0"/>
+                            </p:stCondLst>
+                            <p:childTnLst>
+                              <p:par>
+                                <p:cTn id="5" presetID="1" presetClass="entr" presetSubtype="0" fill="hold" grpId="0" nodeType="clickEffect">
+                                  <p:stCondLst>
+                                    <p:cond delay="0"/>
+                                  </p:stCondLst>
+                                  <p:childTnLst>
+                                    <p:set>
+                                      <p:cBhvr>
+                                        <p:cTn id="6" dur="1" fill="hold">
+                                          <p:stCondLst>
+                                            <p:cond delay="0"/>
+                                          </p:stCondLst>
+                                        </p:cTn>
+                                        <p:tgtEl>
+                                          <p:spTgt spid="3">
+                                            <p:txEl>
+                                              <p:pRg st="0" end="0"/>
+                                            </p:txEl>
+                                          </p:spTgt>
+                                        </p:tgtEl>
+                                        <p:attrNameLst>
+                                          <p:attrName>style.visibility</p:attrName>
+                                        </p:attrNameLst>
+                                      </p:cBhvr>
+                                      <p:to>
+                                        <p:strVal val="visible"/>
+                                      </p:to>
+                                    </p:set>
+                                  </p:childTnLst>
+                                </p:cTn>
+                              </p:par>
+                            </p:childTnLst>
+                          </p:cTn>
+                        </p:par>
+                      </p:childTnLst>
+                    </p:cTn>
+                  </p:par>
+                  <p:par>
+                    <p:cTn id="7" fill="hold">
+                      <p:stCondLst>
+                        <p:cond delay="indefinite"/>
+                      </p:stCondLst>
+                      <p:childTnLst>
+                        <p:par>
+                          <p:cTn id="8" fill="hold">
+                            <p:stCondLst>
+                              <p:cond delay="0"/>
+                            </p:stCondLst>
+                            <p:childTnLst>
+                              <p:par>
+                                <p:cTn id="9" presetID="1" presetClass="entr" presetSubtype="0" fill="hold" grpId="0" nodeType="clickEffect">
+                                  <p:stCondLst>
+                                    <p:cond delay="0"/>
+                                  </p:stCondLst>
+                                  <p:childTnLst>
+                                    <p:set>
+                                      <p:cBhvr>
+                                        <p:cTn id="10" dur="1" fill="hold">
+                                          <p:stCondLst>
+                                            <p:cond delay="0"/>
+                                          </p:stCondLst>
+                                        </p:cTn>
+                                        <p:tgtEl>
+                                          <p:spTgt spid="3">
+                                            <p:txEl>
+                                              <p:pRg st="1" end="1"/>
+                                            </p:txEl>
+                                          </p:spTgt>
+                                        </p:tgtEl>
+                                        <p:attrNameLst>
+                                          <p:attrName>style.visibility</p:attrName>
+                                        </p:attrNameLst>
+                                      </p:cBhvr>
+                                      <p:to>
+                                        <p:strVal val="visible"/>
+                                      </p:to>
+                                    </p:set>
+                                  </p:childTnLst>
+                                </p:cTn>
+                              </p:par>
+                              <p:par>
+                                <p:cTn id="11" presetID="1" presetClass="entr" presetSubtype="0" fill="hold" grpId="0" nodeType="withEffect">
+                                  <p:stCondLst>
+                                    <p:cond delay="0"/>
+                                  </p:stCondLst>
+                                  <p:childTnLst>
+                                    <p:set>
+                                      <p:cBhvr>
+                                        <p:cTn id="12" dur="1" fill="hold">
+                                          <p:stCondLst>
+                                            <p:cond delay="0"/>
+                                          </p:stCondLst>
+                                        </p:cTn>
+                                        <p:tgtEl>
+                                          <p:spTgt spid="3">
+                                            <p:txEl>
+                                              <p:pRg st="2" end="2"/>
+                                            </p:txEl>
+                                          </p:spTgt>
+                                        </p:tgtEl>
+                                        <p:attrNameLst>
+                                          <p:attrName>style.visibility</p:attrName>
+                                        </p:attrNameLst>
+                                      </p:cBhvr>
+                                      <p:to>
+                                        <p:strVal val="visible"/>
+                                      </p:to>
+                                    </p:set>
+                                  </p:childTnLst>
+                                </p:cTn>
+                              </p:par>
+                              <p:par>
+                                <p:cTn id="13" presetID="1" presetClass="entr" presetSubtype="0" fill="hold" grpId="0" nodeType="withEffect">
+                                  <p:stCondLst>
+                                    <p:cond delay="0"/>
+                                  </p:stCondLst>
+                                  <p:childTnLst>
+                                    <p:set>
+                                      <p:cBhvr>
+                                        <p:cTn id="14" dur="1" fill="hold">
+                                          <p:stCondLst>
+                                            <p:cond delay="0"/>
+                                          </p:stCondLst>
+                                        </p:cTn>
+                                        <p:tgtEl>
+                                          <p:spTgt spid="3">
+                                            <p:txEl>
+                                              <p:pRg st="3" end="3"/>
+                                            </p:txEl>
+                                          </p:spTgt>
+                                        </p:tgtEl>
+                                        <p:attrNameLst>
+                                          <p:attrName>style.visibility</p:attrName>
+                                        </p:attrNameLst>
+                                      </p:cBhvr>
+                                      <p:to>
+                                        <p:strVal val="visible"/>
+                                      </p:to>
+                                    </p:set>
+                                  </p:childTnLst>
+                                </p:cTn>
+                              </p:par>
+                              <p:par>
+                                <p:cTn id="15" presetID="1" presetClass="entr" presetSubtype="0" fill="hold" grpId="0" nodeType="withEffect">
+                                  <p:stCondLst>
+                                    <p:cond delay="0"/>
+                                  </p:stCondLst>
+                                  <p:childTnLst>
+                                    <p:set>
+                                      <p:cBhvr>
+                                        <p:cTn id="16" dur="1" fill="hold">
+                                          <p:stCondLst>
+                                            <p:cond delay="0"/>
+                                          </p:stCondLst>
+                                        </p:cTn>
+                                        <p:tgtEl>
+                                          <p:spTgt spid="3">
+                                            <p:txEl>
+                                              <p:pRg st="4" end="4"/>
+                                            </p:txEl>
+                                          </p:spTgt>
+                                        </p:tgtEl>
+                                        <p:attrNameLst>
+                                          <p:attrName>style.visibility</p:attrName>
+                                        </p:attrNameLst>
+                                      </p:cBhvr>
+                                      <p:to>
+                                        <p:strVal val="visible"/>
+                                      </p:to>
+                                    </p:set>
+                                  </p:childTnLst>
+                                </p:cTn>
+                              </p:par>
+                            </p:childTnLst>
+                          </p:cTn>
+                        </p:par>
+                      </p:childTnLst>
+                    </p:cTn>
+                  </p:par>
+                  <p:par>
+                    <p:cTn id="17" fill="hold">
+                      <p:stCondLst>
+                        <p:cond delay="indefinite"/>
+                      </p:stCondLst>
+                      <p:childTnLst>
+                        <p:par>
+                          <p:cTn id="18" fill="hold">
+                            <p:stCondLst>
+                              <p:cond delay="0"/>
+                            </p:stCondLst>
+                            <p:childTnLst>
+                              <p:par>
+                                <p:cTn id="19" presetID="1" presetClass="entr" presetSubtype="0" fill="hold" grpId="0" nodeType="clickEffect">
+                                  <p:stCondLst>
+                                    <p:cond delay="0"/>
+                                  </p:stCondLst>
+                                  <p:childTnLst>
+                                    <p:set>
+                                      <p:cBhvr>
+                                        <p:cTn id="20" dur="1" fill="hold">
+                                          <p:stCondLst>
+                                            <p:cond delay="0"/>
+                                          </p:stCondLst>
+                                        </p:cTn>
+                                        <p:tgtEl>
+                                          <p:spTgt spid="3">
+                                            <p:txEl>
+                                              <p:pRg st="5" end="5"/>
+                                            </p:txEl>
+                                          </p:spTgt>
+                                        </p:tgtEl>
+                                        <p:attrNameLst>
+                                          <p:attrName>style.visibility</p:attrName>
+                                        </p:attrNameLst>
+                                      </p:cBhvr>
+                                      <p:to>
+                                        <p:strVal val="visible"/>
+                                      </p:to>
+                                    </p:set>
+                                  </p:childTnLst>
+                                </p:cTn>
+                              </p:par>
+                              <p:par>
+                                <p:cTn id="21" presetID="1" presetClass="entr" presetSubtype="0" fill="hold" grpId="0" nodeType="withEffect">
+                                  <p:stCondLst>
+                                    <p:cond delay="0"/>
+                                  </p:stCondLst>
+                                  <p:childTnLst>
+                                    <p:set>
+                                      <p:cBhvr>
+                                        <p:cTn id="22" dur="1" fill="hold">
+                                          <p:stCondLst>
+                                            <p:cond delay="0"/>
+                                          </p:stCondLst>
+                                        </p:cTn>
+                                        <p:tgtEl>
+                                          <p:spTgt spid="3">
+                                            <p:txEl>
+                                              <p:pRg st="6" end="6"/>
+                                            </p:txEl>
+                                          </p:spTgt>
+                                        </p:tgtEl>
+                                        <p:attrNameLst>
+                                          <p:attrName>style.visibility</p:attrName>
+                                        </p:attrNameLst>
+                                      </p:cBhvr>
+                                      <p:to>
+                                        <p:strVal val="visible"/>
+                                      </p:to>
+                                    </p:set>
+                                  </p:childTnLst>
+                                </p:cTn>
+                              </p:par>
+                              <p:par>
+                                <p:cTn id="23" presetID="1" presetClass="entr" presetSubtype="0" fill="hold" grpId="0" nodeType="withEffect">
+                                  <p:stCondLst>
+                                    <p:cond delay="0"/>
+                                  </p:stCondLst>
+                                  <p:childTnLst>
+                                    <p:set>
+                                      <p:cBhvr>
+                                        <p:cTn id="24" dur="1" fill="hold">
+                                          <p:stCondLst>
+                                            <p:cond delay="0"/>
+                                          </p:stCondLst>
+                                        </p:cTn>
+                                        <p:tgtEl>
+                                          <p:spTgt spid="3">
+                                            <p:txEl>
+                                              <p:pRg st="7" end="7"/>
+                                            </p:txEl>
+                                          </p:spTgt>
+                                        </p:tgtEl>
+                                        <p:attrNameLst>
+                                          <p:attrName>style.visibility</p:attrName>
+                                        </p:attrNameLst>
+                                      </p:cBhvr>
+                                      <p:to>
+                                        <p:strVal val="visible"/>
+                                      </p:to>
+                                    </p:set>
+                                  </p:childTnLst>
+                                </p:cTn>
+                              </p:par>
+                              <p:par>
+                                <p:cTn id="25" presetID="1" presetClass="entr" presetSubtype="0" fill="hold" grpId="0" nodeType="withEffect">
+                                  <p:stCondLst>
+                                    <p:cond delay="0"/>
+                                  </p:stCondLst>
+                                  <p:childTnLst>
+                                    <p:set>
+                                      <p:cBhvr>
+                                        <p:cTn id="26" dur="1" fill="hold">
+                                          <p:stCondLst>
+                                            <p:cond delay="0"/>
+                                          </p:stCondLst>
+                                        </p:cTn>
+                                        <p:tgtEl>
+                                          <p:spTgt spid="3">
+                                            <p:txEl>
+                                              <p:pRg st="8" end="8"/>
+                                            </p:txEl>
+                                          </p:spTgt>
+                                        </p:tgtEl>
+                                        <p:attrNameLst>
+                                          <p:attrName>style.visibility</p:attrName>
+                                        </p:attrNameLst>
+                                      </p:cBhvr>
+                                      <p:to>
+                                        <p:strVal val="visible"/>
+                                      </p:to>
+                                    </p:set>
+                                  </p:childTnLst>
+                                </p:cTn>
+                              </p:par>
+                              <p:par>
+                                <p:cTn id="27" presetID="1" presetClass="entr" presetSubtype="0" fill="hold" grpId="0" nodeType="withEffect">
+                                  <p:stCondLst>
+                                    <p:cond delay="0"/>
+                                  </p:stCondLst>
+                                  <p:childTnLst>
+                                    <p:set>
+                                      <p:cBhvr>
+                                        <p:cTn id="28" dur="1" fill="hold">
+                                          <p:stCondLst>
+                                            <p:cond delay="0"/>
+                                          </p:stCondLst>
+                                        </p:cTn>
+                                        <p:tgtEl>
+                                          <p:spTgt spid="3">
+                                            <p:txEl>
+                                              <p:pRg st="9" end="9"/>
+                                            </p:txEl>
+                                          </p:spTgt>
+                                        </p:tgtEl>
+                                        <p:attrNameLst>
+                                          <p:attrName>style.visibility</p:attrName>
+                                        </p:attrNameLst>
+                                      </p:cBhvr>
+                                      <p:to>
+                                        <p:strVal val="visible"/>
+                                      </p:to>
+                                    </p:set>
+                                  </p:childTnLst>
+                                </p:cTn>
+                              </p:par>
+                            </p:childTnLst>
+                          </p:cTn>
+                        </p:par>
+                      </p:childTnLst>
+                    </p:cTn>
+                  </p:par>
+                  <p:par>
+                    <p:cTn id="29" fill="hold">
+                      <p:stCondLst>
+                        <p:cond delay="indefinite"/>
+                      </p:stCondLst>
+                      <p:childTnLst>
+                        <p:par>
+                          <p:cTn id="30" fill="hold">
+                            <p:stCondLst>
+                              <p:cond delay="0"/>
+                            </p:stCondLst>
+                            <p:childTnLst>
+                              <p:par>
+                                <p:cTn id="31" presetID="1" presetClass="entr" presetSubtype="0" fill="hold" grpId="0" nodeType="clickEffect">
+                                  <p:stCondLst>
+                                    <p:cond delay="0"/>
+                                  </p:stCondLst>
+                                  <p:childTnLst>
+                                    <p:set>
+                                      <p:cBhvr>
+                                        <p:cTn id="32" dur="1" fill="hold">
+                                          <p:stCondLst>
+                                            <p:cond delay="0"/>
+                                          </p:stCondLst>
+                                        </p:cTn>
+                                        <p:tgtEl>
+                                          <p:spTgt spid="3">
+                                            <p:txEl>
+                                              <p:pRg st="10" end="10"/>
+                                            </p:txEl>
+                                          </p:spTgt>
+                                        </p:tgtEl>
+                                        <p:attrNameLst>
+                                          <p:attrName>style.visibility</p:attrName>
+                                        </p:attrNameLst>
+                                      </p:cBhvr>
+                                      <p:to>
+                                        <p:strVal val="visible"/>
+                                      </p:to>
+                                    </p:set>
+                                  </p:childTnLst>
+                                </p:cTn>
+                              </p:par>
+                              <p:par>
+                                <p:cTn id="33" presetID="1" presetClass="entr" presetSubtype="0" fill="hold" grpId="0" nodeType="withEffect">
+                                  <p:stCondLst>
+                                    <p:cond delay="0"/>
+                                  </p:stCondLst>
+                                  <p:childTnLst>
+                                    <p:set>
+                                      <p:cBhvr>
+                                        <p:cTn id="34" dur="1" fill="hold">
+                                          <p:stCondLst>
+                                            <p:cond delay="0"/>
+                                          </p:stCondLst>
+                                        </p:cTn>
+                                        <p:tgtEl>
+                                          <p:spTgt spid="3">
+                                            <p:txEl>
+                                              <p:pRg st="11" end="11"/>
+                                            </p:txEl>
+                                          </p:spTgt>
+                                        </p:tgtEl>
+                                        <p:attrNameLst>
+                                          <p:attrName>style.visibility</p:attrName>
+                                        </p:attrNameLst>
+                                      </p:cBhvr>
+                                      <p:to>
+                                        <p:strVal val="visible"/>
+                                      </p:to>
+                                    </p:set>
+                                  </p:childTnLst>
+                                </p:cTn>
+                              </p:par>
+                              <p:par>
+                                <p:cTn id="35" presetID="1" presetClass="entr" presetSubtype="0" fill="hold" grpId="0" nodeType="withEffect">
+                                  <p:stCondLst>
+                                    <p:cond delay="0"/>
+                                  </p:stCondLst>
+                                  <p:childTnLst>
+                                    <p:set>
+                                      <p:cBhvr>
+                                        <p:cTn id="36" dur="1" fill="hold">
+                                          <p:stCondLst>
+                                            <p:cond delay="0"/>
+                                          </p:stCondLst>
+                                        </p:cTn>
+                                        <p:tgtEl>
+                                          <p:spTgt spid="3">
+                                            <p:txEl>
+                                              <p:pRg st="12" end="12"/>
+                                            </p:txEl>
+                                          </p:spTgt>
+                                        </p:tgtEl>
+                                        <p:attrNameLst>
+                                          <p:attrName>style.visibility</p:attrName>
+                                        </p:attrNameLst>
+                                      </p:cBhvr>
+                                      <p:to>
+                                        <p:strVal val="visible"/>
+                                      </p:to>
+                                    </p:set>
+                                  </p:childTnLst>
+                                </p:cTn>
+                              </p:par>
+                              <p:par>
+                                <p:cTn id="37" presetID="1" presetClass="entr" presetSubtype="0" fill="hold" grpId="0" nodeType="withEffect">
+                                  <p:stCondLst>
+                                    <p:cond delay="0"/>
+                                  </p:stCondLst>
+                                  <p:childTnLst>
+                                    <p:set>
+                                      <p:cBhvr>
+                                        <p:cTn id="38" dur="1" fill="hold">
+                                          <p:stCondLst>
+                                            <p:cond delay="0"/>
+                                          </p:stCondLst>
+                                        </p:cTn>
+                                        <p:tgtEl>
+                                          <p:spTgt spid="3">
+                                            <p:txEl>
+                                              <p:pRg st="13" end="13"/>
+                                            </p:txEl>
+                                          </p:spTgt>
+                                        </p:tgtEl>
+                                        <p:attrNameLst>
+                                          <p:attrName>style.visibility</p:attrName>
+                                        </p:attrNameLst>
+                                      </p:cBhvr>
+                                      <p:to>
+                                        <p:strVal val="visible"/>
+                                      </p:to>
+                                    </p:set>
+                                  </p:childTnLst>
+                                </p:cTn>
+                              </p:par>
+                              <p:par>
+                                <p:cTn id="39" presetID="1" presetClass="entr" presetSubtype="0" fill="hold" grpId="0" nodeType="withEffect">
+                                  <p:stCondLst>
+                                    <p:cond delay="0"/>
+                                  </p:stCondLst>
+                                  <p:childTnLst>
+                                    <p:set>
+                                      <p:cBhvr>
+                                        <p:cTn id="40" dur="1" fill="hold">
+                                          <p:stCondLst>
+                                            <p:cond delay="0"/>
+                                          </p:stCondLst>
+                                        </p:cTn>
+                                        <p:tgtEl>
+                                          <p:spTgt spid="3">
+                                            <p:txEl>
+                                              <p:pRg st="14" end="14"/>
+                                            </p:txEl>
+                                          </p:spTgt>
+                                        </p:tgtEl>
+                                        <p:attrNameLst>
+                                          <p:attrName>style.visibility</p:attrName>
+                                        </p:attrNameLst>
+                                      </p:cBhvr>
+                                      <p:to>
+                                        <p:strVal val="visible"/>
+                                      </p:to>
+                                    </p:set>
+                                  </p:childTnLst>
+                                </p:cTn>
+                              </p:par>
+                            </p:childTnLst>
+                          </p:cTn>
+                        </p:par>
+                      </p:childTnLst>
+                    </p:cTn>
+                  </p:par>
+                  <p:par>
+                    <p:cTn id="41" fill="hold">
+                      <p:stCondLst>
+                        <p:cond delay="indefinite"/>
+                      </p:stCondLst>
+                      <p:childTnLst>
+                        <p:par>
+                          <p:cTn id="42" fill="hold">
+                            <p:stCondLst>
+                              <p:cond delay="0"/>
+                            </p:stCondLst>
+                            <p:childTnLst>
+                              <p:par>
+                                <p:cTn id="43" presetID="1" presetClass="entr" presetSubtype="0" fill="hold" grpId="0" nodeType="clickEffect">
+                                  <p:stCondLst>
+                                    <p:cond delay="0"/>
+                                  </p:stCondLst>
+                                  <p:childTnLst>
+                                    <p:set>
+                                      <p:cBhvr>
+                                        <p:cTn id="44" dur="1" fill="hold">
+                                          <p:stCondLst>
+                                            <p:cond delay="0"/>
+                                          </p:stCondLst>
+                                        </p:cTn>
+                                        <p:tgtEl>
+                                          <p:spTgt spid="5"/>
+                                        </p:tgtEl>
+                                        <p:attrNameLst>
+                                          <p:attrName>style.visibility</p:attrName>
+                                        </p:attrNameLst>
+                                      </p:cBhvr>
+                                      <p:to>
+                                        <p:strVal val="visible"/>
+                                      </p:to>
+                                    </p:set>
+                                  </p:childTnLst>
+                                </p:cTn>
+                              </p:par>
+                            </p:childTnLst>
+                          </p:cTn>
+                        </p:par>
+                      </p:childTnLst>
+                    </p:cTn>
+                  </p:par>
+                </p:childTnLst>
+              </p:cTn>
+              <p:prevCondLst>
+                <p:cond evt="onPrev" delay="0">
+                  <p:tgtEl>
+                    <p:sldTgt/>
+                  </p:tgtEl>
+                </p:cond>
+              </p:prevCondLst>
+              <p:nextCondLst>
+                <p:cond evt="onNext" delay="0">
+                  <p:tgtEl>
+                    <p:sldTgt/>
+                  </p:tgtEl>
+                </p:cond>
+              </p:nextCondLst>
+            </p:seq>
+          </p:childTnLst>
+        </p:cTn>
       </p:par>
     </p:tnLst>
+    <p:bldLst>
+      <p:bldP spid="3" grpId="0" build="p"/>
+      <p:bldP spid="5" grpId="0" animBg="1"/>
+    </p:bldLst>
   </p:timing>
 </p:sld>
 </file>
@@ -4126,10 +5096,9 @@
           <a:bodyPr/>
           <a:lstStyle/>
           <a:p>
-            <a:pPr algn="ctr"/>
             <a:r>
               <a:rPr lang="en-US" dirty="0" smtClean="0"/>
-              <a:t>Compared to Bootstrap</a:t>
+              <a:t>Pros</a:t>
             </a:r>
             <a:endParaRPr lang="en-US" dirty="0"/>
           </a:p>
@@ -4137,3557 +5106,61 @@
       </p:sp>
       <p:sp>
         <p:nvSpPr>
-          <p:cNvPr id="37" name="TextBox 36"/>
-          <p:cNvSpPr txBox="1"/>
-          <p:nvPr/>
-        </p:nvSpPr>
-        <p:spPr>
-          <a:xfrm>
-            <a:off x="190110" y="1801713"/>
-            <a:ext cx="11809905" cy="5078313"/>
-          </a:xfrm>
-          <a:prstGeom prst="rect">
-            <a:avLst/>
-          </a:prstGeom>
-          <a:noFill/>
-        </p:spPr>
-        <p:txBody>
-          <a:bodyPr wrap="square" numCol="2" rtlCol="0">
-            <a:spAutoFit/>
-          </a:bodyPr>
+          <p:cNvPr id="3" name="Content Placeholder 2"/>
+          <p:cNvSpPr>
+            <a:spLocks noGrp="1"/>
+          </p:cNvSpPr>
+          <p:nvPr>
+            <p:ph idx="1"/>
+          </p:nvPr>
+        </p:nvSpPr>
+        <p:spPr/>
+        <p:txBody>
+          <a:bodyPr/>
           <a:lstStyle/>
           <a:p>
             <a:r>
               <a:rPr lang="en-US" dirty="0" smtClean="0"/>
-              <a:t>	Semantic-UI</a:t>
-            </a:r>
-          </a:p>
-          <a:p>
-            <a:endParaRPr lang="en-US" dirty="0" smtClean="0"/>
-          </a:p>
-          <a:p>
-            <a:pPr>
-              <a:lnSpc>
-                <a:spcPct val="125000"/>
-              </a:lnSpc>
-              <a:tabLst>
-                <a:tab pos="581660" algn="l"/>
-                <a:tab pos="1163320" algn="l"/>
-                <a:tab pos="1744980" algn="l"/>
-                <a:tab pos="2326640" algn="l"/>
-                <a:tab pos="2908300" algn="l"/>
-                <a:tab pos="3489960" algn="l"/>
-                <a:tab pos="4071620" algn="l"/>
-                <a:tab pos="4653280" algn="l"/>
-                <a:tab pos="5234940" algn="l"/>
-                <a:tab pos="5816600" algn="l"/>
-                <a:tab pos="6398260" algn="l"/>
-                <a:tab pos="6979920" algn="l"/>
-                <a:tab pos="7561580" algn="l"/>
-                <a:tab pos="8143240" algn="l"/>
-                <a:tab pos="8724900" algn="l"/>
-                <a:tab pos="9306560" algn="l"/>
-              </a:tabLst>
-            </a:pPr>
-            <a:r>
-              <a:rPr lang="en-US" sz="1200" dirty="0">
-                <a:solidFill>
-                  <a:srgbClr val="F92672"/>
-                </a:solidFill>
-                <a:ea typeface="Times New Roman" panose="02020603050405020304" pitchFamily="18" charset="0"/>
-                <a:cs typeface="Times New Roman" panose="02020603050405020304" pitchFamily="18" charset="0"/>
-              </a:rPr>
-              <a:t>&lt;main</a:t>
-            </a:r>
-            <a:r>
-              <a:rPr lang="en-US" sz="1200" dirty="0">
-                <a:solidFill>
-                  <a:srgbClr val="F8F8F2"/>
-                </a:solidFill>
-                <a:ea typeface="Times New Roman" panose="02020603050405020304" pitchFamily="18" charset="0"/>
-                <a:cs typeface="Times New Roman" panose="02020603050405020304" pitchFamily="18" charset="0"/>
-              </a:rPr>
-              <a:t> </a:t>
-            </a:r>
-            <a:r>
-              <a:rPr lang="en-US" sz="1200" dirty="0">
-                <a:solidFill>
-                  <a:srgbClr val="A6E22E"/>
-                </a:solidFill>
-                <a:ea typeface="Times New Roman" panose="02020603050405020304" pitchFamily="18" charset="0"/>
-                <a:cs typeface="Times New Roman" panose="02020603050405020304" pitchFamily="18" charset="0"/>
-              </a:rPr>
-              <a:t>class=</a:t>
-            </a:r>
-            <a:r>
-              <a:rPr lang="en-US" sz="1200" dirty="0">
-                <a:solidFill>
-                  <a:srgbClr val="E6DB74"/>
-                </a:solidFill>
-                <a:ea typeface="Times New Roman" panose="02020603050405020304" pitchFamily="18" charset="0"/>
-                <a:cs typeface="Times New Roman" panose="02020603050405020304" pitchFamily="18" charset="0"/>
-              </a:rPr>
-              <a:t>"</a:t>
-            </a:r>
-            <a:r>
-              <a:rPr lang="en-US" sz="1200" dirty="0" err="1">
-                <a:solidFill>
-                  <a:srgbClr val="E6DB74"/>
-                </a:solidFill>
-                <a:ea typeface="Times New Roman" panose="02020603050405020304" pitchFamily="18" charset="0"/>
-                <a:cs typeface="Times New Roman" panose="02020603050405020304" pitchFamily="18" charset="0"/>
-              </a:rPr>
-              <a:t>ui</a:t>
-            </a:r>
-            <a:r>
-              <a:rPr lang="en-US" sz="1200" dirty="0">
-                <a:solidFill>
-                  <a:srgbClr val="E6DB74"/>
-                </a:solidFill>
-                <a:ea typeface="Times New Roman" panose="02020603050405020304" pitchFamily="18" charset="0"/>
-                <a:cs typeface="Times New Roman" panose="02020603050405020304" pitchFamily="18" charset="0"/>
-              </a:rPr>
-              <a:t> three column grid"</a:t>
-            </a:r>
-            <a:r>
-              <a:rPr lang="en-US" sz="1200" dirty="0">
-                <a:solidFill>
-                  <a:srgbClr val="F92672"/>
-                </a:solidFill>
-                <a:ea typeface="Times New Roman" panose="02020603050405020304" pitchFamily="18" charset="0"/>
-                <a:cs typeface="Times New Roman" panose="02020603050405020304" pitchFamily="18" charset="0"/>
-              </a:rPr>
-              <a:t>&gt;</a:t>
-            </a:r>
-            <a:endParaRPr lang="en-US" sz="1200" dirty="0">
-              <a:ea typeface="Calibri" panose="020F0502020204030204" pitchFamily="34" charset="0"/>
-              <a:cs typeface="Times New Roman" panose="02020603050405020304" pitchFamily="18" charset="0"/>
-            </a:endParaRPr>
-          </a:p>
-          <a:p>
-            <a:pPr>
-              <a:lnSpc>
-                <a:spcPct val="125000"/>
-              </a:lnSpc>
-              <a:tabLst>
-                <a:tab pos="581660" algn="l"/>
-                <a:tab pos="1163320" algn="l"/>
-                <a:tab pos="1744980" algn="l"/>
-                <a:tab pos="2326640" algn="l"/>
-                <a:tab pos="2908300" algn="l"/>
-                <a:tab pos="3489960" algn="l"/>
-                <a:tab pos="4071620" algn="l"/>
-                <a:tab pos="4653280" algn="l"/>
-                <a:tab pos="5234940" algn="l"/>
-                <a:tab pos="5816600" algn="l"/>
-                <a:tab pos="6398260" algn="l"/>
-                <a:tab pos="6979920" algn="l"/>
-                <a:tab pos="7561580" algn="l"/>
-                <a:tab pos="8143240" algn="l"/>
-                <a:tab pos="8724900" algn="l"/>
-                <a:tab pos="9306560" algn="l"/>
-              </a:tabLst>
-            </a:pPr>
-            <a:r>
-              <a:rPr lang="en-US" sz="1200" dirty="0">
-                <a:solidFill>
-                  <a:srgbClr val="F8F8F2"/>
-                </a:solidFill>
-                <a:ea typeface="Times New Roman" panose="02020603050405020304" pitchFamily="18" charset="0"/>
-                <a:cs typeface="Times New Roman" panose="02020603050405020304" pitchFamily="18" charset="0"/>
-              </a:rPr>
-              <a:t>    </a:t>
-            </a:r>
-            <a:r>
-              <a:rPr lang="en-US" sz="1200" dirty="0">
-                <a:solidFill>
-                  <a:srgbClr val="F92672"/>
-                </a:solidFill>
-                <a:ea typeface="Times New Roman" panose="02020603050405020304" pitchFamily="18" charset="0"/>
-                <a:cs typeface="Times New Roman" panose="02020603050405020304" pitchFamily="18" charset="0"/>
-              </a:rPr>
-              <a:t>&lt;aside</a:t>
-            </a:r>
-            <a:r>
-              <a:rPr lang="en-US" sz="1200" dirty="0">
-                <a:solidFill>
-                  <a:srgbClr val="F8F8F2"/>
-                </a:solidFill>
-                <a:ea typeface="Times New Roman" panose="02020603050405020304" pitchFamily="18" charset="0"/>
-                <a:cs typeface="Times New Roman" panose="02020603050405020304" pitchFamily="18" charset="0"/>
-              </a:rPr>
-              <a:t> </a:t>
-            </a:r>
-            <a:r>
-              <a:rPr lang="en-US" sz="1200" dirty="0">
-                <a:solidFill>
-                  <a:srgbClr val="A6E22E"/>
-                </a:solidFill>
-                <a:ea typeface="Times New Roman" panose="02020603050405020304" pitchFamily="18" charset="0"/>
-                <a:cs typeface="Times New Roman" panose="02020603050405020304" pitchFamily="18" charset="0"/>
-              </a:rPr>
-              <a:t>class=</a:t>
-            </a:r>
-            <a:r>
-              <a:rPr lang="en-US" sz="1200" dirty="0">
-                <a:solidFill>
-                  <a:srgbClr val="E6DB74"/>
-                </a:solidFill>
-                <a:ea typeface="Times New Roman" panose="02020603050405020304" pitchFamily="18" charset="0"/>
-                <a:cs typeface="Times New Roman" panose="02020603050405020304" pitchFamily="18" charset="0"/>
-              </a:rPr>
-              <a:t>"column"</a:t>
-            </a:r>
-            <a:r>
-              <a:rPr lang="en-US" sz="1200" dirty="0">
-                <a:solidFill>
-                  <a:srgbClr val="F92672"/>
-                </a:solidFill>
-                <a:ea typeface="Times New Roman" panose="02020603050405020304" pitchFamily="18" charset="0"/>
-                <a:cs typeface="Times New Roman" panose="02020603050405020304" pitchFamily="18" charset="0"/>
-              </a:rPr>
-              <a:t>&gt;</a:t>
-            </a:r>
-            <a:r>
-              <a:rPr lang="en-US" sz="1200" dirty="0">
-                <a:solidFill>
-                  <a:srgbClr val="F8F8F2"/>
-                </a:solidFill>
-                <a:ea typeface="Times New Roman" panose="02020603050405020304" pitchFamily="18" charset="0"/>
-                <a:cs typeface="Times New Roman" panose="02020603050405020304" pitchFamily="18" charset="0"/>
-              </a:rPr>
-              <a:t>1</a:t>
-            </a:r>
-            <a:r>
-              <a:rPr lang="en-US" sz="1200" dirty="0">
-                <a:solidFill>
-                  <a:srgbClr val="F92672"/>
-                </a:solidFill>
-                <a:ea typeface="Times New Roman" panose="02020603050405020304" pitchFamily="18" charset="0"/>
-                <a:cs typeface="Times New Roman" panose="02020603050405020304" pitchFamily="18" charset="0"/>
-              </a:rPr>
-              <a:t>&lt;/aside&gt;</a:t>
-            </a:r>
-            <a:endParaRPr lang="en-US" sz="1200" dirty="0">
-              <a:ea typeface="Calibri" panose="020F0502020204030204" pitchFamily="34" charset="0"/>
-              <a:cs typeface="Times New Roman" panose="02020603050405020304" pitchFamily="18" charset="0"/>
-            </a:endParaRPr>
-          </a:p>
-          <a:p>
-            <a:pPr>
-              <a:lnSpc>
-                <a:spcPct val="125000"/>
-              </a:lnSpc>
-              <a:tabLst>
-                <a:tab pos="581660" algn="l"/>
-                <a:tab pos="1163320" algn="l"/>
-                <a:tab pos="1744980" algn="l"/>
-                <a:tab pos="2326640" algn="l"/>
-                <a:tab pos="2908300" algn="l"/>
-                <a:tab pos="3489960" algn="l"/>
-                <a:tab pos="4071620" algn="l"/>
-                <a:tab pos="4653280" algn="l"/>
-                <a:tab pos="5234940" algn="l"/>
-                <a:tab pos="5816600" algn="l"/>
-                <a:tab pos="6398260" algn="l"/>
-                <a:tab pos="6979920" algn="l"/>
-                <a:tab pos="7561580" algn="l"/>
-                <a:tab pos="8143240" algn="l"/>
-                <a:tab pos="8724900" algn="l"/>
-                <a:tab pos="9306560" algn="l"/>
-              </a:tabLst>
-            </a:pPr>
-            <a:r>
-              <a:rPr lang="en-US" sz="1200" dirty="0">
-                <a:solidFill>
-                  <a:srgbClr val="F8F8F2"/>
-                </a:solidFill>
-                <a:ea typeface="Times New Roman" panose="02020603050405020304" pitchFamily="18" charset="0"/>
-                <a:cs typeface="Times New Roman" panose="02020603050405020304" pitchFamily="18" charset="0"/>
-              </a:rPr>
-              <a:t>    </a:t>
-            </a:r>
-            <a:r>
-              <a:rPr lang="en-US" sz="1200" dirty="0">
-                <a:solidFill>
-                  <a:srgbClr val="F92672"/>
-                </a:solidFill>
-                <a:ea typeface="Times New Roman" panose="02020603050405020304" pitchFamily="18" charset="0"/>
-                <a:cs typeface="Times New Roman" panose="02020603050405020304" pitchFamily="18" charset="0"/>
-              </a:rPr>
-              <a:t>&lt;section</a:t>
-            </a:r>
-            <a:r>
-              <a:rPr lang="en-US" sz="1200" dirty="0">
-                <a:solidFill>
-                  <a:srgbClr val="F8F8F2"/>
-                </a:solidFill>
-                <a:ea typeface="Times New Roman" panose="02020603050405020304" pitchFamily="18" charset="0"/>
-                <a:cs typeface="Times New Roman" panose="02020603050405020304" pitchFamily="18" charset="0"/>
-              </a:rPr>
-              <a:t> </a:t>
-            </a:r>
-            <a:r>
-              <a:rPr lang="en-US" sz="1200" dirty="0">
-                <a:solidFill>
-                  <a:srgbClr val="A6E22E"/>
-                </a:solidFill>
-                <a:ea typeface="Times New Roman" panose="02020603050405020304" pitchFamily="18" charset="0"/>
-                <a:cs typeface="Times New Roman" panose="02020603050405020304" pitchFamily="18" charset="0"/>
-              </a:rPr>
-              <a:t>class=</a:t>
-            </a:r>
-            <a:r>
-              <a:rPr lang="en-US" sz="1200" dirty="0">
-                <a:solidFill>
-                  <a:srgbClr val="E6DB74"/>
-                </a:solidFill>
-                <a:ea typeface="Times New Roman" panose="02020603050405020304" pitchFamily="18" charset="0"/>
-                <a:cs typeface="Times New Roman" panose="02020603050405020304" pitchFamily="18" charset="0"/>
-              </a:rPr>
-              <a:t>"column"</a:t>
-            </a:r>
-            <a:r>
-              <a:rPr lang="en-US" sz="1200" dirty="0">
-                <a:solidFill>
-                  <a:srgbClr val="F92672"/>
-                </a:solidFill>
-                <a:ea typeface="Times New Roman" panose="02020603050405020304" pitchFamily="18" charset="0"/>
-                <a:cs typeface="Times New Roman" panose="02020603050405020304" pitchFamily="18" charset="0"/>
-              </a:rPr>
-              <a:t>&gt;</a:t>
-            </a:r>
-            <a:r>
-              <a:rPr lang="en-US" sz="1200" dirty="0">
-                <a:solidFill>
-                  <a:srgbClr val="F8F8F2"/>
-                </a:solidFill>
-                <a:ea typeface="Times New Roman" panose="02020603050405020304" pitchFamily="18" charset="0"/>
-                <a:cs typeface="Times New Roman" panose="02020603050405020304" pitchFamily="18" charset="0"/>
-              </a:rPr>
-              <a:t>2</a:t>
-            </a:r>
-            <a:r>
-              <a:rPr lang="en-US" sz="1200" dirty="0">
-                <a:solidFill>
-                  <a:srgbClr val="F92672"/>
-                </a:solidFill>
-                <a:ea typeface="Times New Roman" panose="02020603050405020304" pitchFamily="18" charset="0"/>
-                <a:cs typeface="Times New Roman" panose="02020603050405020304" pitchFamily="18" charset="0"/>
-              </a:rPr>
-              <a:t>&lt;/section&gt;</a:t>
-            </a:r>
-            <a:endParaRPr lang="en-US" sz="1200" dirty="0">
-              <a:ea typeface="Calibri" panose="020F0502020204030204" pitchFamily="34" charset="0"/>
-              <a:cs typeface="Times New Roman" panose="02020603050405020304" pitchFamily="18" charset="0"/>
-            </a:endParaRPr>
-          </a:p>
-          <a:p>
-            <a:pPr>
-              <a:lnSpc>
-                <a:spcPct val="125000"/>
-              </a:lnSpc>
-              <a:tabLst>
-                <a:tab pos="581660" algn="l"/>
-                <a:tab pos="1163320" algn="l"/>
-                <a:tab pos="1744980" algn="l"/>
-                <a:tab pos="2326640" algn="l"/>
-                <a:tab pos="2908300" algn="l"/>
-                <a:tab pos="3489960" algn="l"/>
-                <a:tab pos="4071620" algn="l"/>
-                <a:tab pos="4653280" algn="l"/>
-                <a:tab pos="5234940" algn="l"/>
-                <a:tab pos="5816600" algn="l"/>
-                <a:tab pos="6398260" algn="l"/>
-                <a:tab pos="6979920" algn="l"/>
-                <a:tab pos="7561580" algn="l"/>
-                <a:tab pos="8143240" algn="l"/>
-                <a:tab pos="8724900" algn="l"/>
-                <a:tab pos="9306560" algn="l"/>
-              </a:tabLst>
-            </a:pPr>
-            <a:r>
-              <a:rPr lang="en-US" sz="1200" dirty="0">
-                <a:solidFill>
-                  <a:srgbClr val="F8F8F2"/>
-                </a:solidFill>
-                <a:ea typeface="Times New Roman" panose="02020603050405020304" pitchFamily="18" charset="0"/>
-                <a:cs typeface="Times New Roman" panose="02020603050405020304" pitchFamily="18" charset="0"/>
-              </a:rPr>
-              <a:t>    </a:t>
-            </a:r>
-            <a:r>
-              <a:rPr lang="en-US" sz="1200" dirty="0">
-                <a:solidFill>
-                  <a:srgbClr val="F92672"/>
-                </a:solidFill>
-                <a:ea typeface="Times New Roman" panose="02020603050405020304" pitchFamily="18" charset="0"/>
-                <a:cs typeface="Times New Roman" panose="02020603050405020304" pitchFamily="18" charset="0"/>
-              </a:rPr>
-              <a:t>&lt;section</a:t>
-            </a:r>
-            <a:r>
-              <a:rPr lang="en-US" sz="1200" dirty="0">
-                <a:solidFill>
-                  <a:srgbClr val="F8F8F2"/>
-                </a:solidFill>
-                <a:ea typeface="Times New Roman" panose="02020603050405020304" pitchFamily="18" charset="0"/>
-                <a:cs typeface="Times New Roman" panose="02020603050405020304" pitchFamily="18" charset="0"/>
-              </a:rPr>
-              <a:t> </a:t>
-            </a:r>
-            <a:r>
-              <a:rPr lang="en-US" sz="1200" dirty="0">
-                <a:solidFill>
-                  <a:srgbClr val="A6E22E"/>
-                </a:solidFill>
-                <a:ea typeface="Times New Roman" panose="02020603050405020304" pitchFamily="18" charset="0"/>
-                <a:cs typeface="Times New Roman" panose="02020603050405020304" pitchFamily="18" charset="0"/>
-              </a:rPr>
-              <a:t>class=</a:t>
-            </a:r>
-            <a:r>
-              <a:rPr lang="en-US" sz="1200" dirty="0">
-                <a:solidFill>
-                  <a:srgbClr val="E6DB74"/>
-                </a:solidFill>
-                <a:ea typeface="Times New Roman" panose="02020603050405020304" pitchFamily="18" charset="0"/>
-                <a:cs typeface="Times New Roman" panose="02020603050405020304" pitchFamily="18" charset="0"/>
-              </a:rPr>
-              <a:t>"column"</a:t>
-            </a:r>
-            <a:r>
-              <a:rPr lang="en-US" sz="1200" dirty="0">
-                <a:solidFill>
-                  <a:srgbClr val="F92672"/>
-                </a:solidFill>
-                <a:ea typeface="Times New Roman" panose="02020603050405020304" pitchFamily="18" charset="0"/>
-                <a:cs typeface="Times New Roman" panose="02020603050405020304" pitchFamily="18" charset="0"/>
-              </a:rPr>
-              <a:t>&gt;</a:t>
-            </a:r>
-            <a:r>
-              <a:rPr lang="en-US" sz="1200" dirty="0">
-                <a:solidFill>
-                  <a:srgbClr val="F8F8F2"/>
-                </a:solidFill>
-                <a:ea typeface="Times New Roman" panose="02020603050405020304" pitchFamily="18" charset="0"/>
-                <a:cs typeface="Times New Roman" panose="02020603050405020304" pitchFamily="18" charset="0"/>
-              </a:rPr>
-              <a:t>3</a:t>
-            </a:r>
-            <a:r>
-              <a:rPr lang="en-US" sz="1200" dirty="0">
-                <a:solidFill>
-                  <a:srgbClr val="F92672"/>
-                </a:solidFill>
-                <a:ea typeface="Times New Roman" panose="02020603050405020304" pitchFamily="18" charset="0"/>
-                <a:cs typeface="Times New Roman" panose="02020603050405020304" pitchFamily="18" charset="0"/>
-              </a:rPr>
-              <a:t>&lt;/section&gt;</a:t>
-            </a:r>
-            <a:endParaRPr lang="en-US" sz="1200" dirty="0">
-              <a:ea typeface="Calibri" panose="020F0502020204030204" pitchFamily="34" charset="0"/>
-              <a:cs typeface="Times New Roman" panose="02020603050405020304" pitchFamily="18" charset="0"/>
-            </a:endParaRPr>
-          </a:p>
-          <a:p>
-            <a:r>
-              <a:rPr lang="en-US" sz="1200" dirty="0">
-                <a:solidFill>
-                  <a:srgbClr val="F92672"/>
-                </a:solidFill>
-                <a:ea typeface="Times New Roman" panose="02020603050405020304" pitchFamily="18" charset="0"/>
-              </a:rPr>
-              <a:t>&lt;/main</a:t>
-            </a:r>
-            <a:r>
-              <a:rPr lang="en-US" sz="1200" dirty="0" smtClean="0">
-                <a:solidFill>
-                  <a:srgbClr val="F92672"/>
-                </a:solidFill>
-                <a:ea typeface="Times New Roman" panose="02020603050405020304" pitchFamily="18" charset="0"/>
-              </a:rPr>
-              <a:t>&gt;</a:t>
-            </a:r>
-          </a:p>
-          <a:p>
-            <a:endParaRPr lang="en-US" sz="1200" dirty="0"/>
-          </a:p>
-          <a:p>
-            <a:pPr>
-              <a:tabLst>
-                <a:tab pos="581660" algn="l"/>
-                <a:tab pos="1163320" algn="l"/>
-                <a:tab pos="1744980" algn="l"/>
-                <a:tab pos="2326640" algn="l"/>
-                <a:tab pos="2908300" algn="l"/>
-                <a:tab pos="3489960" algn="l"/>
-                <a:tab pos="4071620" algn="l"/>
-                <a:tab pos="4653280" algn="l"/>
-                <a:tab pos="5234940" algn="l"/>
-                <a:tab pos="5816600" algn="l"/>
-                <a:tab pos="6398260" algn="l"/>
-                <a:tab pos="6979920" algn="l"/>
-                <a:tab pos="7561580" algn="l"/>
-                <a:tab pos="8143240" algn="l"/>
-                <a:tab pos="8724900" algn="l"/>
-                <a:tab pos="9306560" algn="l"/>
-              </a:tabLst>
-            </a:pPr>
-            <a:r>
-              <a:rPr lang="en-US" sz="1200" dirty="0">
-                <a:solidFill>
-                  <a:srgbClr val="F92672"/>
-                </a:solidFill>
-                <a:ea typeface="Times New Roman" panose="02020603050405020304" pitchFamily="18" charset="0"/>
-                <a:cs typeface="Times New Roman" panose="02020603050405020304" pitchFamily="18" charset="0"/>
-              </a:rPr>
-              <a:t>&lt;</a:t>
-            </a:r>
-            <a:r>
-              <a:rPr lang="en-US" sz="1200" dirty="0" err="1">
-                <a:solidFill>
-                  <a:srgbClr val="F92672"/>
-                </a:solidFill>
-                <a:ea typeface="Times New Roman" panose="02020603050405020304" pitchFamily="18" charset="0"/>
-                <a:cs typeface="Times New Roman" panose="02020603050405020304" pitchFamily="18" charset="0"/>
-              </a:rPr>
-              <a:t>nav</a:t>
-            </a:r>
-            <a:r>
-              <a:rPr lang="en-US" sz="1200" dirty="0">
-                <a:solidFill>
-                  <a:srgbClr val="F8F8F2"/>
-                </a:solidFill>
-                <a:ea typeface="Times New Roman" panose="02020603050405020304" pitchFamily="18" charset="0"/>
-                <a:cs typeface="Times New Roman" panose="02020603050405020304" pitchFamily="18" charset="0"/>
-              </a:rPr>
-              <a:t> </a:t>
-            </a:r>
-            <a:r>
-              <a:rPr lang="en-US" sz="1200" dirty="0">
-                <a:solidFill>
-                  <a:srgbClr val="A6E22E"/>
-                </a:solidFill>
-                <a:ea typeface="Times New Roman" panose="02020603050405020304" pitchFamily="18" charset="0"/>
-                <a:cs typeface="Times New Roman" panose="02020603050405020304" pitchFamily="18" charset="0"/>
-              </a:rPr>
-              <a:t>class=</a:t>
-            </a:r>
-            <a:r>
-              <a:rPr lang="en-US" sz="1200" dirty="0">
-                <a:solidFill>
-                  <a:srgbClr val="E6DB74"/>
-                </a:solidFill>
-                <a:ea typeface="Times New Roman" panose="02020603050405020304" pitchFamily="18" charset="0"/>
-                <a:cs typeface="Times New Roman" panose="02020603050405020304" pitchFamily="18" charset="0"/>
-              </a:rPr>
-              <a:t>"</a:t>
-            </a:r>
-            <a:r>
-              <a:rPr lang="en-US" sz="1200" dirty="0" err="1">
-                <a:solidFill>
-                  <a:srgbClr val="E6DB74"/>
-                </a:solidFill>
-                <a:ea typeface="Times New Roman" panose="02020603050405020304" pitchFamily="18" charset="0"/>
-                <a:cs typeface="Times New Roman" panose="02020603050405020304" pitchFamily="18" charset="0"/>
-              </a:rPr>
-              <a:t>ui</a:t>
-            </a:r>
-            <a:r>
-              <a:rPr lang="en-US" sz="1200" dirty="0">
-                <a:solidFill>
-                  <a:srgbClr val="E6DB74"/>
-                </a:solidFill>
-                <a:ea typeface="Times New Roman" panose="02020603050405020304" pitchFamily="18" charset="0"/>
-                <a:cs typeface="Times New Roman" panose="02020603050405020304" pitchFamily="18" charset="0"/>
-              </a:rPr>
-              <a:t> menu</a:t>
-            </a:r>
-            <a:r>
-              <a:rPr lang="en-US" sz="1200" dirty="0" smtClean="0">
-                <a:solidFill>
-                  <a:srgbClr val="E6DB74"/>
-                </a:solidFill>
-                <a:ea typeface="Times New Roman" panose="02020603050405020304" pitchFamily="18" charset="0"/>
-                <a:cs typeface="Times New Roman" panose="02020603050405020304" pitchFamily="18" charset="0"/>
-              </a:rPr>
-              <a:t>"</a:t>
-            </a:r>
-            <a:r>
-              <a:rPr lang="en-US" sz="1200" dirty="0" smtClean="0">
-                <a:solidFill>
-                  <a:srgbClr val="F92672"/>
-                </a:solidFill>
-                <a:ea typeface="Times New Roman" panose="02020603050405020304" pitchFamily="18" charset="0"/>
-                <a:cs typeface="Times New Roman" panose="02020603050405020304" pitchFamily="18" charset="0"/>
-              </a:rPr>
-              <a:t>&gt;</a:t>
-            </a:r>
-            <a:endParaRPr lang="en-US" sz="1200" dirty="0">
-              <a:ea typeface="Times New Roman" panose="02020603050405020304" pitchFamily="18" charset="0"/>
-              <a:cs typeface="Times New Roman" panose="02020603050405020304" pitchFamily="18" charset="0"/>
-            </a:endParaRPr>
-          </a:p>
-          <a:p>
-            <a:pPr>
-              <a:tabLst>
-                <a:tab pos="581660" algn="l"/>
-                <a:tab pos="1163320" algn="l"/>
-                <a:tab pos="1744980" algn="l"/>
-                <a:tab pos="2326640" algn="l"/>
-                <a:tab pos="2908300" algn="l"/>
-                <a:tab pos="3489960" algn="l"/>
-                <a:tab pos="4071620" algn="l"/>
-                <a:tab pos="4653280" algn="l"/>
-                <a:tab pos="5234940" algn="l"/>
-                <a:tab pos="5816600" algn="l"/>
-                <a:tab pos="6398260" algn="l"/>
-                <a:tab pos="6979920" algn="l"/>
-                <a:tab pos="7561580" algn="l"/>
-                <a:tab pos="8143240" algn="l"/>
-                <a:tab pos="8724900" algn="l"/>
-                <a:tab pos="9306560" algn="l"/>
-              </a:tabLst>
-            </a:pPr>
-            <a:r>
-              <a:rPr lang="en-US" sz="1200" dirty="0" smtClean="0">
-                <a:solidFill>
-                  <a:srgbClr val="F8F8F2"/>
-                </a:solidFill>
-                <a:ea typeface="Times New Roman" panose="02020603050405020304" pitchFamily="18" charset="0"/>
-                <a:cs typeface="Times New Roman" panose="02020603050405020304" pitchFamily="18" charset="0"/>
-              </a:rPr>
-              <a:t>    </a:t>
-            </a:r>
-            <a:r>
-              <a:rPr lang="en-US" sz="1200" dirty="0">
-                <a:solidFill>
-                  <a:srgbClr val="F92672"/>
-                </a:solidFill>
-                <a:ea typeface="Times New Roman" panose="02020603050405020304" pitchFamily="18" charset="0"/>
-                <a:cs typeface="Times New Roman" panose="02020603050405020304" pitchFamily="18" charset="0"/>
-              </a:rPr>
-              <a:t>&lt;h3</a:t>
-            </a:r>
-            <a:r>
-              <a:rPr lang="en-US" sz="1200" dirty="0">
-                <a:solidFill>
-                  <a:srgbClr val="F8F8F2"/>
-                </a:solidFill>
-                <a:ea typeface="Times New Roman" panose="02020603050405020304" pitchFamily="18" charset="0"/>
-                <a:cs typeface="Times New Roman" panose="02020603050405020304" pitchFamily="18" charset="0"/>
-              </a:rPr>
-              <a:t> </a:t>
-            </a:r>
-            <a:r>
-              <a:rPr lang="en-US" sz="1200" dirty="0">
-                <a:solidFill>
-                  <a:srgbClr val="A6E22E"/>
-                </a:solidFill>
-                <a:ea typeface="Times New Roman" panose="02020603050405020304" pitchFamily="18" charset="0"/>
-                <a:cs typeface="Times New Roman" panose="02020603050405020304" pitchFamily="18" charset="0"/>
-              </a:rPr>
-              <a:t>class=</a:t>
-            </a:r>
-            <a:r>
-              <a:rPr lang="en-US" sz="1200" dirty="0">
-                <a:solidFill>
-                  <a:srgbClr val="E6DB74"/>
-                </a:solidFill>
-                <a:ea typeface="Times New Roman" panose="02020603050405020304" pitchFamily="18" charset="0"/>
-                <a:cs typeface="Times New Roman" panose="02020603050405020304" pitchFamily="18" charset="0"/>
-              </a:rPr>
-              <a:t>"header item"</a:t>
-            </a:r>
-            <a:r>
-              <a:rPr lang="en-US" sz="1200" dirty="0">
-                <a:solidFill>
-                  <a:srgbClr val="F92672"/>
-                </a:solidFill>
-                <a:ea typeface="Times New Roman" panose="02020603050405020304" pitchFamily="18" charset="0"/>
-                <a:cs typeface="Times New Roman" panose="02020603050405020304" pitchFamily="18" charset="0"/>
-              </a:rPr>
-              <a:t>&gt;</a:t>
-            </a:r>
-            <a:r>
-              <a:rPr lang="en-US" sz="1200" dirty="0">
-                <a:solidFill>
-                  <a:srgbClr val="F8F8F2"/>
-                </a:solidFill>
-                <a:ea typeface="Times New Roman" panose="02020603050405020304" pitchFamily="18" charset="0"/>
-                <a:cs typeface="Times New Roman" panose="02020603050405020304" pitchFamily="18" charset="0"/>
-              </a:rPr>
-              <a:t>Title</a:t>
-            </a:r>
-            <a:r>
-              <a:rPr lang="en-US" sz="1200" dirty="0">
-                <a:solidFill>
-                  <a:srgbClr val="F92672"/>
-                </a:solidFill>
-                <a:ea typeface="Times New Roman" panose="02020603050405020304" pitchFamily="18" charset="0"/>
-                <a:cs typeface="Times New Roman" panose="02020603050405020304" pitchFamily="18" charset="0"/>
-              </a:rPr>
-              <a:t>&lt;/h3&gt;</a:t>
-            </a:r>
-            <a:endParaRPr lang="en-US" sz="1200" dirty="0">
-              <a:ea typeface="Calibri" panose="020F0502020204030204" pitchFamily="34" charset="0"/>
-              <a:cs typeface="Times New Roman" panose="02020603050405020304" pitchFamily="18" charset="0"/>
-            </a:endParaRPr>
-          </a:p>
-          <a:p>
-            <a:pPr>
-              <a:tabLst>
-                <a:tab pos="581660" algn="l"/>
-                <a:tab pos="1163320" algn="l"/>
-                <a:tab pos="1744980" algn="l"/>
-                <a:tab pos="2326640" algn="l"/>
-                <a:tab pos="2908300" algn="l"/>
-                <a:tab pos="3489960" algn="l"/>
-                <a:tab pos="4071620" algn="l"/>
-                <a:tab pos="4653280" algn="l"/>
-                <a:tab pos="5234940" algn="l"/>
-                <a:tab pos="5816600" algn="l"/>
-                <a:tab pos="6398260" algn="l"/>
-                <a:tab pos="6979920" algn="l"/>
-                <a:tab pos="7561580" algn="l"/>
-                <a:tab pos="8143240" algn="l"/>
-                <a:tab pos="8724900" algn="l"/>
-                <a:tab pos="9306560" algn="l"/>
-              </a:tabLst>
-            </a:pPr>
-            <a:r>
-              <a:rPr lang="en-US" sz="1200" dirty="0">
-                <a:solidFill>
-                  <a:srgbClr val="F8F8F2"/>
-                </a:solidFill>
-                <a:ea typeface="Times New Roman" panose="02020603050405020304" pitchFamily="18" charset="0"/>
-                <a:cs typeface="Times New Roman" panose="02020603050405020304" pitchFamily="18" charset="0"/>
-              </a:rPr>
-              <a:t>    </a:t>
-            </a:r>
-            <a:r>
-              <a:rPr lang="en-US" sz="1200" dirty="0">
-                <a:solidFill>
-                  <a:srgbClr val="F92672"/>
-                </a:solidFill>
-                <a:ea typeface="Times New Roman" panose="02020603050405020304" pitchFamily="18" charset="0"/>
-                <a:cs typeface="Times New Roman" panose="02020603050405020304" pitchFamily="18" charset="0"/>
-              </a:rPr>
-              <a:t>&lt;a</a:t>
-            </a:r>
-            <a:r>
-              <a:rPr lang="en-US" sz="1200" dirty="0">
-                <a:solidFill>
-                  <a:srgbClr val="F8F8F2"/>
-                </a:solidFill>
-                <a:ea typeface="Times New Roman" panose="02020603050405020304" pitchFamily="18" charset="0"/>
-                <a:cs typeface="Times New Roman" panose="02020603050405020304" pitchFamily="18" charset="0"/>
-              </a:rPr>
-              <a:t> </a:t>
-            </a:r>
-            <a:r>
-              <a:rPr lang="en-US" sz="1200" dirty="0">
-                <a:solidFill>
-                  <a:srgbClr val="A6E22E"/>
-                </a:solidFill>
-                <a:ea typeface="Times New Roman" panose="02020603050405020304" pitchFamily="18" charset="0"/>
-                <a:cs typeface="Times New Roman" panose="02020603050405020304" pitchFamily="18" charset="0"/>
-              </a:rPr>
-              <a:t>class=</a:t>
-            </a:r>
-            <a:r>
-              <a:rPr lang="en-US" sz="1200" dirty="0">
-                <a:solidFill>
-                  <a:srgbClr val="E6DB74"/>
-                </a:solidFill>
-                <a:ea typeface="Times New Roman" panose="02020603050405020304" pitchFamily="18" charset="0"/>
-                <a:cs typeface="Times New Roman" panose="02020603050405020304" pitchFamily="18" charset="0"/>
-              </a:rPr>
-              <a:t>"active item"</a:t>
-            </a:r>
-            <a:r>
-              <a:rPr lang="en-US" sz="1200" dirty="0">
-                <a:solidFill>
-                  <a:srgbClr val="F92672"/>
-                </a:solidFill>
-                <a:ea typeface="Times New Roman" panose="02020603050405020304" pitchFamily="18" charset="0"/>
-                <a:cs typeface="Times New Roman" panose="02020603050405020304" pitchFamily="18" charset="0"/>
-              </a:rPr>
-              <a:t>&gt;</a:t>
-            </a:r>
-            <a:r>
-              <a:rPr lang="en-US" sz="1200" dirty="0">
-                <a:solidFill>
-                  <a:srgbClr val="F8F8F2"/>
-                </a:solidFill>
-                <a:ea typeface="Times New Roman" panose="02020603050405020304" pitchFamily="18" charset="0"/>
-                <a:cs typeface="Times New Roman" panose="02020603050405020304" pitchFamily="18" charset="0"/>
-              </a:rPr>
-              <a:t>Home</a:t>
-            </a:r>
-            <a:r>
-              <a:rPr lang="en-US" sz="1200" dirty="0">
-                <a:solidFill>
-                  <a:srgbClr val="F92672"/>
-                </a:solidFill>
-                <a:ea typeface="Times New Roman" panose="02020603050405020304" pitchFamily="18" charset="0"/>
-                <a:cs typeface="Times New Roman" panose="02020603050405020304" pitchFamily="18" charset="0"/>
-              </a:rPr>
-              <a:t>&lt;/a&gt;</a:t>
-            </a:r>
-            <a:endParaRPr lang="en-US" sz="1200" dirty="0">
-              <a:ea typeface="Calibri" panose="020F0502020204030204" pitchFamily="34" charset="0"/>
-              <a:cs typeface="Times New Roman" panose="02020603050405020304" pitchFamily="18" charset="0"/>
-            </a:endParaRPr>
-          </a:p>
-          <a:p>
-            <a:pPr>
-              <a:tabLst>
-                <a:tab pos="581660" algn="l"/>
-                <a:tab pos="1163320" algn="l"/>
-                <a:tab pos="1744980" algn="l"/>
-                <a:tab pos="2326640" algn="l"/>
-                <a:tab pos="2908300" algn="l"/>
-                <a:tab pos="3489960" algn="l"/>
-                <a:tab pos="4071620" algn="l"/>
-                <a:tab pos="4653280" algn="l"/>
-                <a:tab pos="5234940" algn="l"/>
-                <a:tab pos="5816600" algn="l"/>
-                <a:tab pos="6398260" algn="l"/>
-                <a:tab pos="6979920" algn="l"/>
-                <a:tab pos="7561580" algn="l"/>
-                <a:tab pos="8143240" algn="l"/>
-                <a:tab pos="8724900" algn="l"/>
-                <a:tab pos="9306560" algn="l"/>
-              </a:tabLst>
-            </a:pPr>
-            <a:r>
-              <a:rPr lang="en-US" sz="1200" dirty="0">
-                <a:solidFill>
-                  <a:srgbClr val="F8F8F2"/>
-                </a:solidFill>
-                <a:ea typeface="Times New Roman" panose="02020603050405020304" pitchFamily="18" charset="0"/>
-                <a:cs typeface="Times New Roman" panose="02020603050405020304" pitchFamily="18" charset="0"/>
-              </a:rPr>
-              <a:t>    </a:t>
-            </a:r>
-            <a:r>
-              <a:rPr lang="en-US" sz="1200" dirty="0">
-                <a:solidFill>
-                  <a:srgbClr val="F92672"/>
-                </a:solidFill>
-                <a:ea typeface="Times New Roman" panose="02020603050405020304" pitchFamily="18" charset="0"/>
-                <a:cs typeface="Times New Roman" panose="02020603050405020304" pitchFamily="18" charset="0"/>
-              </a:rPr>
-              <a:t>&lt;a</a:t>
-            </a:r>
-            <a:r>
-              <a:rPr lang="en-US" sz="1200" dirty="0">
-                <a:solidFill>
-                  <a:srgbClr val="F8F8F2"/>
-                </a:solidFill>
-                <a:ea typeface="Times New Roman" panose="02020603050405020304" pitchFamily="18" charset="0"/>
-                <a:cs typeface="Times New Roman" panose="02020603050405020304" pitchFamily="18" charset="0"/>
-              </a:rPr>
-              <a:t> </a:t>
-            </a:r>
-            <a:r>
-              <a:rPr lang="en-US" sz="1200" dirty="0">
-                <a:solidFill>
-                  <a:srgbClr val="A6E22E"/>
-                </a:solidFill>
-                <a:ea typeface="Times New Roman" panose="02020603050405020304" pitchFamily="18" charset="0"/>
-                <a:cs typeface="Times New Roman" panose="02020603050405020304" pitchFamily="18" charset="0"/>
-              </a:rPr>
-              <a:t>class=</a:t>
-            </a:r>
-            <a:r>
-              <a:rPr lang="en-US" sz="1200" dirty="0">
-                <a:solidFill>
-                  <a:srgbClr val="E6DB74"/>
-                </a:solidFill>
-                <a:ea typeface="Times New Roman" panose="02020603050405020304" pitchFamily="18" charset="0"/>
-                <a:cs typeface="Times New Roman" panose="02020603050405020304" pitchFamily="18" charset="0"/>
-              </a:rPr>
-              <a:t>"item"</a:t>
-            </a:r>
-            <a:r>
-              <a:rPr lang="en-US" sz="1200" dirty="0">
-                <a:solidFill>
-                  <a:srgbClr val="F92672"/>
-                </a:solidFill>
-                <a:ea typeface="Times New Roman" panose="02020603050405020304" pitchFamily="18" charset="0"/>
-                <a:cs typeface="Times New Roman" panose="02020603050405020304" pitchFamily="18" charset="0"/>
-              </a:rPr>
-              <a:t>&gt;</a:t>
-            </a:r>
-            <a:r>
-              <a:rPr lang="en-US" sz="1200" dirty="0">
-                <a:solidFill>
-                  <a:srgbClr val="F8F8F2"/>
-                </a:solidFill>
-                <a:ea typeface="Times New Roman" panose="02020603050405020304" pitchFamily="18" charset="0"/>
-                <a:cs typeface="Times New Roman" panose="02020603050405020304" pitchFamily="18" charset="0"/>
-              </a:rPr>
-              <a:t>Link</a:t>
-            </a:r>
-            <a:r>
-              <a:rPr lang="en-US" sz="1200" dirty="0">
-                <a:solidFill>
-                  <a:srgbClr val="F92672"/>
-                </a:solidFill>
-                <a:ea typeface="Times New Roman" panose="02020603050405020304" pitchFamily="18" charset="0"/>
-                <a:cs typeface="Times New Roman" panose="02020603050405020304" pitchFamily="18" charset="0"/>
-              </a:rPr>
-              <a:t>&lt;/a&gt;</a:t>
-            </a:r>
-            <a:endParaRPr lang="en-US" sz="1200" dirty="0">
-              <a:ea typeface="Calibri" panose="020F0502020204030204" pitchFamily="34" charset="0"/>
-              <a:cs typeface="Times New Roman" panose="02020603050405020304" pitchFamily="18" charset="0"/>
-            </a:endParaRPr>
-          </a:p>
-          <a:p>
-            <a:pPr>
-              <a:tabLst>
-                <a:tab pos="581660" algn="l"/>
-                <a:tab pos="1163320" algn="l"/>
-                <a:tab pos="1744980" algn="l"/>
-                <a:tab pos="2326640" algn="l"/>
-                <a:tab pos="2908300" algn="l"/>
-                <a:tab pos="3489960" algn="l"/>
-                <a:tab pos="4071620" algn="l"/>
-                <a:tab pos="4653280" algn="l"/>
-                <a:tab pos="5234940" algn="l"/>
-                <a:tab pos="5816600" algn="l"/>
-                <a:tab pos="6398260" algn="l"/>
-                <a:tab pos="6979920" algn="l"/>
-                <a:tab pos="7561580" algn="l"/>
-                <a:tab pos="8143240" algn="l"/>
-                <a:tab pos="8724900" algn="l"/>
-                <a:tab pos="9306560" algn="l"/>
-              </a:tabLst>
-            </a:pPr>
-            <a:r>
-              <a:rPr lang="en-US" sz="1200" dirty="0">
-                <a:solidFill>
-                  <a:srgbClr val="F8F8F2"/>
-                </a:solidFill>
-                <a:ea typeface="Times New Roman" panose="02020603050405020304" pitchFamily="18" charset="0"/>
-                <a:cs typeface="Times New Roman" panose="02020603050405020304" pitchFamily="18" charset="0"/>
-              </a:rPr>
-              <a:t>    </a:t>
-            </a:r>
-            <a:r>
-              <a:rPr lang="en-US" sz="1200" dirty="0">
-                <a:solidFill>
-                  <a:srgbClr val="F92672"/>
-                </a:solidFill>
-                <a:ea typeface="Times New Roman" panose="02020603050405020304" pitchFamily="18" charset="0"/>
-                <a:cs typeface="Times New Roman" panose="02020603050405020304" pitchFamily="18" charset="0"/>
-              </a:rPr>
-              <a:t>&lt;a</a:t>
-            </a:r>
-            <a:r>
-              <a:rPr lang="en-US" sz="1200" dirty="0">
-                <a:solidFill>
-                  <a:srgbClr val="F8F8F2"/>
-                </a:solidFill>
-                <a:ea typeface="Times New Roman" panose="02020603050405020304" pitchFamily="18" charset="0"/>
-                <a:cs typeface="Times New Roman" panose="02020603050405020304" pitchFamily="18" charset="0"/>
-              </a:rPr>
-              <a:t> </a:t>
-            </a:r>
-            <a:r>
-              <a:rPr lang="en-US" sz="1200" dirty="0">
-                <a:solidFill>
-                  <a:srgbClr val="A6E22E"/>
-                </a:solidFill>
-                <a:ea typeface="Times New Roman" panose="02020603050405020304" pitchFamily="18" charset="0"/>
-                <a:cs typeface="Times New Roman" panose="02020603050405020304" pitchFamily="18" charset="0"/>
-              </a:rPr>
-              <a:t>class=</a:t>
-            </a:r>
-            <a:r>
-              <a:rPr lang="en-US" sz="1200" dirty="0">
-                <a:solidFill>
-                  <a:srgbClr val="E6DB74"/>
-                </a:solidFill>
-                <a:ea typeface="Times New Roman" panose="02020603050405020304" pitchFamily="18" charset="0"/>
-                <a:cs typeface="Times New Roman" panose="02020603050405020304" pitchFamily="18" charset="0"/>
-              </a:rPr>
-              <a:t>"item"</a:t>
-            </a:r>
-            <a:r>
-              <a:rPr lang="en-US" sz="1200" dirty="0">
-                <a:solidFill>
-                  <a:srgbClr val="F92672"/>
-                </a:solidFill>
-                <a:ea typeface="Times New Roman" panose="02020603050405020304" pitchFamily="18" charset="0"/>
-                <a:cs typeface="Times New Roman" panose="02020603050405020304" pitchFamily="18" charset="0"/>
-              </a:rPr>
-              <a:t>&gt;</a:t>
-            </a:r>
-            <a:r>
-              <a:rPr lang="en-US" sz="1200" dirty="0">
-                <a:solidFill>
-                  <a:srgbClr val="F8F8F2"/>
-                </a:solidFill>
-                <a:ea typeface="Times New Roman" panose="02020603050405020304" pitchFamily="18" charset="0"/>
-                <a:cs typeface="Times New Roman" panose="02020603050405020304" pitchFamily="18" charset="0"/>
-              </a:rPr>
-              <a:t>Link</a:t>
-            </a:r>
-            <a:r>
-              <a:rPr lang="en-US" sz="1200" dirty="0">
-                <a:solidFill>
-                  <a:srgbClr val="F92672"/>
-                </a:solidFill>
-                <a:ea typeface="Times New Roman" panose="02020603050405020304" pitchFamily="18" charset="0"/>
-                <a:cs typeface="Times New Roman" panose="02020603050405020304" pitchFamily="18" charset="0"/>
-              </a:rPr>
-              <a:t>&lt;/a&gt;</a:t>
-            </a:r>
-            <a:endParaRPr lang="en-US" sz="1200" dirty="0">
-              <a:ea typeface="Calibri" panose="020F0502020204030204" pitchFamily="34" charset="0"/>
-              <a:cs typeface="Times New Roman" panose="02020603050405020304" pitchFamily="18" charset="0"/>
-            </a:endParaRPr>
-          </a:p>
-          <a:p>
-            <a:pPr>
-              <a:tabLst>
-                <a:tab pos="581660" algn="l"/>
-                <a:tab pos="1163320" algn="l"/>
-                <a:tab pos="1744980" algn="l"/>
-                <a:tab pos="2326640" algn="l"/>
-                <a:tab pos="2908300" algn="l"/>
-                <a:tab pos="3489960" algn="l"/>
-                <a:tab pos="4071620" algn="l"/>
-                <a:tab pos="4653280" algn="l"/>
-                <a:tab pos="5234940" algn="l"/>
-                <a:tab pos="5816600" algn="l"/>
-                <a:tab pos="6398260" algn="l"/>
-                <a:tab pos="6979920" algn="l"/>
-                <a:tab pos="7561580" algn="l"/>
-                <a:tab pos="8143240" algn="l"/>
-                <a:tab pos="8724900" algn="l"/>
-                <a:tab pos="9306560" algn="l"/>
-              </a:tabLst>
-            </a:pPr>
-            <a:r>
-              <a:rPr lang="en-US" sz="1200" dirty="0">
-                <a:solidFill>
-                  <a:srgbClr val="F8F8F2"/>
-                </a:solidFill>
-                <a:ea typeface="Times New Roman" panose="02020603050405020304" pitchFamily="18" charset="0"/>
-                <a:cs typeface="Times New Roman" panose="02020603050405020304" pitchFamily="18" charset="0"/>
-              </a:rPr>
-              <a:t>    </a:t>
-            </a:r>
-            <a:r>
-              <a:rPr lang="en-US" sz="1200" dirty="0">
-                <a:solidFill>
-                  <a:srgbClr val="F92672"/>
-                </a:solidFill>
-                <a:ea typeface="Times New Roman" panose="02020603050405020304" pitchFamily="18" charset="0"/>
-                <a:cs typeface="Times New Roman" panose="02020603050405020304" pitchFamily="18" charset="0"/>
-              </a:rPr>
-              <a:t>&lt;span</a:t>
-            </a:r>
-            <a:r>
-              <a:rPr lang="en-US" sz="1200" dirty="0">
-                <a:solidFill>
-                  <a:srgbClr val="F8F8F2"/>
-                </a:solidFill>
-                <a:ea typeface="Times New Roman" panose="02020603050405020304" pitchFamily="18" charset="0"/>
-                <a:cs typeface="Times New Roman" panose="02020603050405020304" pitchFamily="18" charset="0"/>
-              </a:rPr>
-              <a:t> </a:t>
-            </a:r>
-            <a:r>
-              <a:rPr lang="en-US" sz="1200" dirty="0">
-                <a:solidFill>
-                  <a:srgbClr val="A6E22E"/>
-                </a:solidFill>
-                <a:ea typeface="Times New Roman" panose="02020603050405020304" pitchFamily="18" charset="0"/>
-                <a:cs typeface="Times New Roman" panose="02020603050405020304" pitchFamily="18" charset="0"/>
-              </a:rPr>
-              <a:t>class=</a:t>
-            </a:r>
-            <a:r>
-              <a:rPr lang="en-US" sz="1200" dirty="0">
-                <a:solidFill>
-                  <a:srgbClr val="E6DB74"/>
-                </a:solidFill>
-                <a:ea typeface="Times New Roman" panose="02020603050405020304" pitchFamily="18" charset="0"/>
-                <a:cs typeface="Times New Roman" panose="02020603050405020304" pitchFamily="18" charset="0"/>
-              </a:rPr>
-              <a:t>"right floated text item"</a:t>
-            </a:r>
-            <a:r>
-              <a:rPr lang="en-US" sz="1200" dirty="0">
-                <a:solidFill>
-                  <a:srgbClr val="F92672"/>
-                </a:solidFill>
-                <a:ea typeface="Times New Roman" panose="02020603050405020304" pitchFamily="18" charset="0"/>
-                <a:cs typeface="Times New Roman" panose="02020603050405020304" pitchFamily="18" charset="0"/>
-              </a:rPr>
-              <a:t>&gt;</a:t>
-            </a:r>
-            <a:r>
-              <a:rPr lang="en-US" sz="1200" dirty="0">
-                <a:solidFill>
-                  <a:srgbClr val="F8F8F2"/>
-                </a:solidFill>
-                <a:ea typeface="Times New Roman" panose="02020603050405020304" pitchFamily="18" charset="0"/>
-                <a:cs typeface="Times New Roman" panose="02020603050405020304" pitchFamily="18" charset="0"/>
-              </a:rPr>
-              <a:t>Signed in as </a:t>
-            </a:r>
-            <a:r>
-              <a:rPr lang="en-US" sz="1200" dirty="0">
-                <a:solidFill>
-                  <a:srgbClr val="F92672"/>
-                </a:solidFill>
-                <a:ea typeface="Times New Roman" panose="02020603050405020304" pitchFamily="18" charset="0"/>
-                <a:cs typeface="Times New Roman" panose="02020603050405020304" pitchFamily="18" charset="0"/>
-              </a:rPr>
-              <a:t>&lt;a</a:t>
-            </a:r>
-            <a:r>
-              <a:rPr lang="en-US" sz="1200" dirty="0">
-                <a:solidFill>
-                  <a:srgbClr val="F8F8F2"/>
-                </a:solidFill>
-                <a:ea typeface="Times New Roman" panose="02020603050405020304" pitchFamily="18" charset="0"/>
-                <a:cs typeface="Times New Roman" panose="02020603050405020304" pitchFamily="18" charset="0"/>
-              </a:rPr>
-              <a:t> </a:t>
-            </a:r>
-            <a:r>
-              <a:rPr lang="en-US" sz="1200" dirty="0" err="1">
-                <a:solidFill>
-                  <a:srgbClr val="A6E22E"/>
-                </a:solidFill>
-                <a:ea typeface="Times New Roman" panose="02020603050405020304" pitchFamily="18" charset="0"/>
-                <a:cs typeface="Times New Roman" panose="02020603050405020304" pitchFamily="18" charset="0"/>
-              </a:rPr>
-              <a:t>href</a:t>
-            </a:r>
-            <a:r>
-              <a:rPr lang="en-US" sz="1200" dirty="0">
-                <a:solidFill>
-                  <a:srgbClr val="A6E22E"/>
-                </a:solidFill>
-                <a:ea typeface="Times New Roman" panose="02020603050405020304" pitchFamily="18" charset="0"/>
-                <a:cs typeface="Times New Roman" panose="02020603050405020304" pitchFamily="18" charset="0"/>
-              </a:rPr>
-              <a:t>=</a:t>
-            </a:r>
-            <a:r>
-              <a:rPr lang="en-US" sz="1200" dirty="0">
-                <a:solidFill>
-                  <a:srgbClr val="E6DB74"/>
-                </a:solidFill>
-                <a:ea typeface="Times New Roman" panose="02020603050405020304" pitchFamily="18" charset="0"/>
-                <a:cs typeface="Times New Roman" panose="02020603050405020304" pitchFamily="18" charset="0"/>
-              </a:rPr>
-              <a:t>"#"</a:t>
-            </a:r>
-            <a:r>
-              <a:rPr lang="en-US" sz="1200" dirty="0">
-                <a:solidFill>
-                  <a:srgbClr val="F92672"/>
-                </a:solidFill>
-                <a:ea typeface="Times New Roman" panose="02020603050405020304" pitchFamily="18" charset="0"/>
-                <a:cs typeface="Times New Roman" panose="02020603050405020304" pitchFamily="18" charset="0"/>
-              </a:rPr>
-              <a:t>&gt;</a:t>
-            </a:r>
-            <a:r>
-              <a:rPr lang="en-US" sz="1200" dirty="0">
-                <a:solidFill>
-                  <a:srgbClr val="F8F8F2"/>
-                </a:solidFill>
-                <a:ea typeface="Times New Roman" panose="02020603050405020304" pitchFamily="18" charset="0"/>
-                <a:cs typeface="Times New Roman" panose="02020603050405020304" pitchFamily="18" charset="0"/>
-              </a:rPr>
-              <a:t>user</a:t>
-            </a:r>
-            <a:r>
-              <a:rPr lang="en-US" sz="1200" dirty="0">
-                <a:solidFill>
-                  <a:srgbClr val="F92672"/>
-                </a:solidFill>
-                <a:ea typeface="Times New Roman" panose="02020603050405020304" pitchFamily="18" charset="0"/>
-                <a:cs typeface="Times New Roman" panose="02020603050405020304" pitchFamily="18" charset="0"/>
-              </a:rPr>
-              <a:t>&lt;/a&gt;</a:t>
-            </a:r>
-            <a:endParaRPr lang="en-US" sz="1200" dirty="0">
-              <a:ea typeface="Calibri" panose="020F0502020204030204" pitchFamily="34" charset="0"/>
-              <a:cs typeface="Times New Roman" panose="02020603050405020304" pitchFamily="18" charset="0"/>
-            </a:endParaRPr>
-          </a:p>
-          <a:p>
-            <a:pPr>
-              <a:tabLst>
-                <a:tab pos="581660" algn="l"/>
-                <a:tab pos="1163320" algn="l"/>
-                <a:tab pos="1744980" algn="l"/>
-                <a:tab pos="2326640" algn="l"/>
-                <a:tab pos="2908300" algn="l"/>
-                <a:tab pos="3489960" algn="l"/>
-                <a:tab pos="4071620" algn="l"/>
-                <a:tab pos="4653280" algn="l"/>
-                <a:tab pos="5234940" algn="l"/>
-                <a:tab pos="5816600" algn="l"/>
-                <a:tab pos="6398260" algn="l"/>
-                <a:tab pos="6979920" algn="l"/>
-                <a:tab pos="7561580" algn="l"/>
-                <a:tab pos="8143240" algn="l"/>
-                <a:tab pos="8724900" algn="l"/>
-                <a:tab pos="9306560" algn="l"/>
-              </a:tabLst>
-            </a:pPr>
-            <a:r>
-              <a:rPr lang="en-US" sz="1200" dirty="0">
-                <a:solidFill>
-                  <a:srgbClr val="F8F8F2"/>
-                </a:solidFill>
-                <a:ea typeface="Times New Roman" panose="02020603050405020304" pitchFamily="18" charset="0"/>
-                <a:cs typeface="Times New Roman" panose="02020603050405020304" pitchFamily="18" charset="0"/>
-              </a:rPr>
-              <a:t>    </a:t>
-            </a:r>
-            <a:r>
-              <a:rPr lang="en-US" sz="1200" dirty="0">
-                <a:solidFill>
-                  <a:srgbClr val="F92672"/>
-                </a:solidFill>
-                <a:ea typeface="Times New Roman" panose="02020603050405020304" pitchFamily="18" charset="0"/>
-                <a:cs typeface="Times New Roman" panose="02020603050405020304" pitchFamily="18" charset="0"/>
-              </a:rPr>
-              <a:t>&lt;/span&gt;</a:t>
-            </a:r>
-            <a:endParaRPr lang="en-US" sz="1200" dirty="0">
-              <a:ea typeface="Calibri" panose="020F0502020204030204" pitchFamily="34" charset="0"/>
-              <a:cs typeface="Times New Roman" panose="02020603050405020304" pitchFamily="18" charset="0"/>
-            </a:endParaRPr>
-          </a:p>
-          <a:p>
-            <a:pPr>
-              <a:tabLst>
-                <a:tab pos="581660" algn="l"/>
-                <a:tab pos="1163320" algn="l"/>
-                <a:tab pos="1744980" algn="l"/>
-                <a:tab pos="2326640" algn="l"/>
-                <a:tab pos="2908300" algn="l"/>
-                <a:tab pos="3489960" algn="l"/>
-                <a:tab pos="4071620" algn="l"/>
-                <a:tab pos="4653280" algn="l"/>
-                <a:tab pos="5234940" algn="l"/>
-                <a:tab pos="5816600" algn="l"/>
-                <a:tab pos="6398260" algn="l"/>
-                <a:tab pos="6979920" algn="l"/>
-                <a:tab pos="7561580" algn="l"/>
-                <a:tab pos="8143240" algn="l"/>
-                <a:tab pos="8724900" algn="l"/>
-                <a:tab pos="9306560" algn="l"/>
-              </a:tabLst>
-            </a:pPr>
-            <a:r>
-              <a:rPr lang="en-US" sz="1200" dirty="0">
-                <a:solidFill>
-                  <a:srgbClr val="F92672"/>
-                </a:solidFill>
-                <a:ea typeface="Times New Roman" panose="02020603050405020304" pitchFamily="18" charset="0"/>
-                <a:cs typeface="Times New Roman" panose="02020603050405020304" pitchFamily="18" charset="0"/>
-              </a:rPr>
-              <a:t>&lt;/</a:t>
-            </a:r>
-            <a:r>
-              <a:rPr lang="en-US" sz="1200" dirty="0" err="1">
-                <a:solidFill>
-                  <a:srgbClr val="F92672"/>
-                </a:solidFill>
-                <a:ea typeface="Times New Roman" panose="02020603050405020304" pitchFamily="18" charset="0"/>
-                <a:cs typeface="Times New Roman" panose="02020603050405020304" pitchFamily="18" charset="0"/>
-              </a:rPr>
-              <a:t>nav</a:t>
-            </a:r>
-            <a:r>
-              <a:rPr lang="en-US" sz="1200" dirty="0">
-                <a:solidFill>
-                  <a:srgbClr val="F92672"/>
-                </a:solidFill>
-                <a:ea typeface="Times New Roman" panose="02020603050405020304" pitchFamily="18" charset="0"/>
-                <a:cs typeface="Times New Roman" panose="02020603050405020304" pitchFamily="18" charset="0"/>
-              </a:rPr>
-              <a:t>&gt;</a:t>
-            </a:r>
-            <a:endParaRPr lang="en-US" sz="1200" dirty="0">
-              <a:ea typeface="Calibri" panose="020F0502020204030204" pitchFamily="34" charset="0"/>
-              <a:cs typeface="Times New Roman" panose="02020603050405020304" pitchFamily="18" charset="0"/>
-            </a:endParaRPr>
-          </a:p>
-          <a:p>
-            <a:endParaRPr lang="en-US" sz="1200" dirty="0" smtClean="0"/>
-          </a:p>
-          <a:p>
-            <a:endParaRPr lang="en-US" sz="1200" dirty="0" smtClean="0"/>
-          </a:p>
-          <a:p>
-            <a:pPr>
-              <a:tabLst>
-                <a:tab pos="581660" algn="l"/>
-                <a:tab pos="1163320" algn="l"/>
-                <a:tab pos="1744980" algn="l"/>
-                <a:tab pos="2326640" algn="l"/>
-                <a:tab pos="2908300" algn="l"/>
-                <a:tab pos="3489960" algn="l"/>
-                <a:tab pos="4071620" algn="l"/>
-                <a:tab pos="4653280" algn="l"/>
-                <a:tab pos="5234940" algn="l"/>
-                <a:tab pos="5816600" algn="l"/>
-                <a:tab pos="6398260" algn="l"/>
-                <a:tab pos="6979920" algn="l"/>
-                <a:tab pos="7561580" algn="l"/>
-                <a:tab pos="8143240" algn="l"/>
-                <a:tab pos="8724900" algn="l"/>
-                <a:tab pos="9306560" algn="l"/>
-              </a:tabLst>
-            </a:pPr>
-            <a:r>
-              <a:rPr lang="en-US" sz="1200" dirty="0">
-                <a:solidFill>
-                  <a:srgbClr val="F92672"/>
-                </a:solidFill>
-                <a:ea typeface="Times New Roman" panose="02020603050405020304" pitchFamily="18" charset="0"/>
-                <a:cs typeface="Courier New" panose="02070309020205020404" pitchFamily="49" charset="0"/>
-              </a:rPr>
-              <a:t>&lt;button</a:t>
-            </a:r>
-            <a:r>
-              <a:rPr lang="en-US" sz="1200" dirty="0">
-                <a:solidFill>
-                  <a:srgbClr val="F8F8F2"/>
-                </a:solidFill>
-                <a:ea typeface="Times New Roman" panose="02020603050405020304" pitchFamily="18" charset="0"/>
-                <a:cs typeface="Courier New" panose="02070309020205020404" pitchFamily="49" charset="0"/>
-              </a:rPr>
-              <a:t> </a:t>
-            </a:r>
-            <a:r>
-              <a:rPr lang="en-US" sz="1200" dirty="0">
-                <a:solidFill>
-                  <a:srgbClr val="A6E22E"/>
-                </a:solidFill>
-                <a:ea typeface="Times New Roman" panose="02020603050405020304" pitchFamily="18" charset="0"/>
-                <a:cs typeface="Courier New" panose="02070309020205020404" pitchFamily="49" charset="0"/>
-              </a:rPr>
-              <a:t>class=</a:t>
-            </a:r>
-            <a:r>
-              <a:rPr lang="en-US" sz="1200" dirty="0">
-                <a:solidFill>
-                  <a:srgbClr val="E6DB74"/>
-                </a:solidFill>
-                <a:ea typeface="Times New Roman" panose="02020603050405020304" pitchFamily="18" charset="0"/>
-                <a:cs typeface="Courier New" panose="02070309020205020404" pitchFamily="49" charset="0"/>
-              </a:rPr>
-              <a:t>"large </a:t>
-            </a:r>
-            <a:r>
-              <a:rPr lang="en-US" sz="1200" dirty="0" err="1">
-                <a:solidFill>
-                  <a:srgbClr val="E6DB74"/>
-                </a:solidFill>
-                <a:ea typeface="Times New Roman" panose="02020603050405020304" pitchFamily="18" charset="0"/>
-                <a:cs typeface="Courier New" panose="02070309020205020404" pitchFamily="49" charset="0"/>
-              </a:rPr>
-              <a:t>ui</a:t>
-            </a:r>
-            <a:r>
-              <a:rPr lang="en-US" sz="1200" dirty="0">
-                <a:solidFill>
-                  <a:srgbClr val="E6DB74"/>
-                </a:solidFill>
-                <a:ea typeface="Times New Roman" panose="02020603050405020304" pitchFamily="18" charset="0"/>
-                <a:cs typeface="Courier New" panose="02070309020205020404" pitchFamily="49" charset="0"/>
-              </a:rPr>
-              <a:t> button"</a:t>
-            </a:r>
-            <a:r>
-              <a:rPr lang="en-US" sz="1200" dirty="0">
-                <a:solidFill>
-                  <a:srgbClr val="F92672"/>
-                </a:solidFill>
-                <a:ea typeface="Times New Roman" panose="02020603050405020304" pitchFamily="18" charset="0"/>
-                <a:cs typeface="Courier New" panose="02070309020205020404" pitchFamily="49" charset="0"/>
-              </a:rPr>
-              <a:t>&gt;</a:t>
-            </a:r>
-            <a:endParaRPr lang="en-US" sz="1200" dirty="0">
-              <a:ea typeface="Calibri" panose="020F0502020204030204" pitchFamily="34" charset="0"/>
-              <a:cs typeface="Times New Roman" panose="02020603050405020304" pitchFamily="18" charset="0"/>
-            </a:endParaRPr>
-          </a:p>
-          <a:p>
-            <a:pPr>
-              <a:tabLst>
-                <a:tab pos="581660" algn="l"/>
-                <a:tab pos="1163320" algn="l"/>
-                <a:tab pos="1744980" algn="l"/>
-                <a:tab pos="2326640" algn="l"/>
-                <a:tab pos="2908300" algn="l"/>
-                <a:tab pos="3489960" algn="l"/>
-                <a:tab pos="4071620" algn="l"/>
-                <a:tab pos="4653280" algn="l"/>
-                <a:tab pos="5234940" algn="l"/>
-                <a:tab pos="5816600" algn="l"/>
-                <a:tab pos="6398260" algn="l"/>
-                <a:tab pos="6979920" algn="l"/>
-                <a:tab pos="7561580" algn="l"/>
-                <a:tab pos="8143240" algn="l"/>
-                <a:tab pos="8724900" algn="l"/>
-                <a:tab pos="9306560" algn="l"/>
-              </a:tabLst>
-            </a:pPr>
-            <a:r>
-              <a:rPr lang="en-US" sz="1200" dirty="0">
-                <a:solidFill>
-                  <a:srgbClr val="F8F8F2"/>
-                </a:solidFill>
-                <a:ea typeface="Times New Roman" panose="02020603050405020304" pitchFamily="18" charset="0"/>
-                <a:cs typeface="Courier New" panose="02070309020205020404" pitchFamily="49" charset="0"/>
-              </a:rPr>
-              <a:t>    </a:t>
-            </a:r>
-            <a:r>
-              <a:rPr lang="en-US" sz="1200" dirty="0">
-                <a:solidFill>
-                  <a:srgbClr val="F92672"/>
-                </a:solidFill>
-                <a:ea typeface="Times New Roman" panose="02020603050405020304" pitchFamily="18" charset="0"/>
-                <a:cs typeface="Courier New" panose="02070309020205020404" pitchFamily="49" charset="0"/>
-              </a:rPr>
-              <a:t>&lt;</a:t>
-            </a:r>
-            <a:r>
-              <a:rPr lang="en-US" sz="1200" dirty="0" err="1">
-                <a:solidFill>
-                  <a:srgbClr val="F92672"/>
-                </a:solidFill>
-                <a:ea typeface="Times New Roman" panose="02020603050405020304" pitchFamily="18" charset="0"/>
-                <a:cs typeface="Courier New" panose="02070309020205020404" pitchFamily="49" charset="0"/>
-              </a:rPr>
-              <a:t>i</a:t>
-            </a:r>
-            <a:r>
-              <a:rPr lang="en-US" sz="1200" dirty="0">
-                <a:solidFill>
-                  <a:srgbClr val="F8F8F2"/>
-                </a:solidFill>
-                <a:ea typeface="Times New Roman" panose="02020603050405020304" pitchFamily="18" charset="0"/>
-                <a:cs typeface="Courier New" panose="02070309020205020404" pitchFamily="49" charset="0"/>
-              </a:rPr>
-              <a:t> </a:t>
-            </a:r>
-            <a:r>
-              <a:rPr lang="en-US" sz="1200" dirty="0">
-                <a:solidFill>
-                  <a:srgbClr val="A6E22E"/>
-                </a:solidFill>
-                <a:ea typeface="Times New Roman" panose="02020603050405020304" pitchFamily="18" charset="0"/>
-                <a:cs typeface="Courier New" panose="02070309020205020404" pitchFamily="49" charset="0"/>
-              </a:rPr>
-              <a:t>class=</a:t>
-            </a:r>
-            <a:r>
-              <a:rPr lang="en-US" sz="1200" dirty="0">
-                <a:solidFill>
-                  <a:srgbClr val="E6DB74"/>
-                </a:solidFill>
-                <a:ea typeface="Times New Roman" panose="02020603050405020304" pitchFamily="18" charset="0"/>
-                <a:cs typeface="Courier New" panose="02070309020205020404" pitchFamily="49" charset="0"/>
-              </a:rPr>
-              <a:t>"heart icon"</a:t>
-            </a:r>
-            <a:r>
-              <a:rPr lang="en-US" sz="1200" dirty="0">
-                <a:solidFill>
-                  <a:srgbClr val="F92672"/>
-                </a:solidFill>
-                <a:ea typeface="Times New Roman" panose="02020603050405020304" pitchFamily="18" charset="0"/>
-                <a:cs typeface="Courier New" panose="02070309020205020404" pitchFamily="49" charset="0"/>
-              </a:rPr>
-              <a:t>&gt;&lt;/</a:t>
-            </a:r>
-            <a:r>
-              <a:rPr lang="en-US" sz="1200" dirty="0" err="1">
-                <a:solidFill>
-                  <a:srgbClr val="F92672"/>
-                </a:solidFill>
-                <a:ea typeface="Times New Roman" panose="02020603050405020304" pitchFamily="18" charset="0"/>
-                <a:cs typeface="Courier New" panose="02070309020205020404" pitchFamily="49" charset="0"/>
-              </a:rPr>
-              <a:t>i</a:t>
-            </a:r>
-            <a:r>
-              <a:rPr lang="en-US" sz="1200" dirty="0">
-                <a:solidFill>
-                  <a:srgbClr val="F92672"/>
-                </a:solidFill>
-                <a:ea typeface="Times New Roman" panose="02020603050405020304" pitchFamily="18" charset="0"/>
-                <a:cs typeface="Courier New" panose="02070309020205020404" pitchFamily="49" charset="0"/>
-              </a:rPr>
-              <a:t>&gt;</a:t>
-            </a:r>
-            <a:r>
-              <a:rPr lang="en-US" sz="1200" dirty="0">
-                <a:solidFill>
-                  <a:srgbClr val="F8F8F2"/>
-                </a:solidFill>
-                <a:ea typeface="Times New Roman" panose="02020603050405020304" pitchFamily="18" charset="0"/>
-                <a:cs typeface="Courier New" panose="02070309020205020404" pitchFamily="49" charset="0"/>
-              </a:rPr>
-              <a:t>Like it</a:t>
-            </a:r>
-            <a:endParaRPr lang="en-US" sz="1200" dirty="0">
-              <a:ea typeface="Calibri" panose="020F0502020204030204" pitchFamily="34" charset="0"/>
-              <a:cs typeface="Times New Roman" panose="02020603050405020304" pitchFamily="18" charset="0"/>
-            </a:endParaRPr>
-          </a:p>
-          <a:p>
-            <a:r>
-              <a:rPr lang="en-US" sz="1200" dirty="0">
-                <a:solidFill>
-                  <a:srgbClr val="F92672"/>
-                </a:solidFill>
-                <a:ea typeface="Times New Roman" panose="02020603050405020304" pitchFamily="18" charset="0"/>
-                <a:cs typeface="Courier New" panose="02070309020205020404" pitchFamily="49" charset="0"/>
-              </a:rPr>
-              <a:t>&lt;/button&gt;</a:t>
-            </a:r>
-            <a:endParaRPr lang="en-US" sz="1200" dirty="0"/>
-          </a:p>
-          <a:p>
-            <a:endParaRPr lang="en-US" sz="1200" dirty="0" smtClean="0"/>
-          </a:p>
-          <a:p>
-            <a:endParaRPr lang="en-US" sz="1200" dirty="0" smtClean="0"/>
-          </a:p>
-          <a:p>
-            <a:endParaRPr lang="en-US" sz="1200" dirty="0"/>
-          </a:p>
-          <a:p>
-            <a:endParaRPr lang="en-US" sz="1200" dirty="0" smtClean="0"/>
+              <a:t>Individual components</a:t>
+            </a:r>
           </a:p>
           <a:p>
             <a:r>
               <a:rPr lang="en-US" dirty="0" smtClean="0"/>
-              <a:t>	Bootstrap</a:t>
-            </a:r>
-          </a:p>
-          <a:p>
-            <a:endParaRPr lang="en-US" dirty="0" smtClean="0"/>
-          </a:p>
-          <a:p>
-            <a:pPr>
-              <a:tabLst>
-                <a:tab pos="581660" algn="l"/>
-                <a:tab pos="1163320" algn="l"/>
-                <a:tab pos="1744980" algn="l"/>
-                <a:tab pos="2326640" algn="l"/>
-                <a:tab pos="2908300" algn="l"/>
-                <a:tab pos="3489960" algn="l"/>
-                <a:tab pos="4071620" algn="l"/>
-                <a:tab pos="4653280" algn="l"/>
-                <a:tab pos="5234940" algn="l"/>
-                <a:tab pos="5816600" algn="l"/>
-                <a:tab pos="6398260" algn="l"/>
-                <a:tab pos="6979920" algn="l"/>
-                <a:tab pos="7561580" algn="l"/>
-                <a:tab pos="8143240" algn="l"/>
-                <a:tab pos="8724900" algn="l"/>
-                <a:tab pos="9306560" algn="l"/>
-              </a:tabLst>
-            </a:pPr>
-            <a:r>
-              <a:rPr lang="en-US" sz="1200" dirty="0">
-                <a:solidFill>
-                  <a:srgbClr val="F92672"/>
-                </a:solidFill>
-                <a:ea typeface="Times New Roman" panose="02020603050405020304" pitchFamily="18" charset="0"/>
-                <a:cs typeface="Times New Roman" panose="02020603050405020304" pitchFamily="18" charset="0"/>
-              </a:rPr>
-              <a:t>&lt;div</a:t>
-            </a:r>
-            <a:r>
-              <a:rPr lang="en-US" sz="1200" dirty="0">
-                <a:solidFill>
-                  <a:srgbClr val="F8F8F2"/>
-                </a:solidFill>
-                <a:ea typeface="Times New Roman" panose="02020603050405020304" pitchFamily="18" charset="0"/>
-                <a:cs typeface="Times New Roman" panose="02020603050405020304" pitchFamily="18" charset="0"/>
-              </a:rPr>
-              <a:t> </a:t>
-            </a:r>
-            <a:r>
-              <a:rPr lang="en-US" sz="1200" dirty="0">
-                <a:solidFill>
-                  <a:srgbClr val="A6E22E"/>
-                </a:solidFill>
-                <a:ea typeface="Times New Roman" panose="02020603050405020304" pitchFamily="18" charset="0"/>
-                <a:cs typeface="Times New Roman" panose="02020603050405020304" pitchFamily="18" charset="0"/>
-              </a:rPr>
-              <a:t>class=</a:t>
-            </a:r>
-            <a:r>
-              <a:rPr lang="en-US" sz="1200" dirty="0">
-                <a:solidFill>
-                  <a:srgbClr val="E6DB74"/>
-                </a:solidFill>
-                <a:ea typeface="Times New Roman" panose="02020603050405020304" pitchFamily="18" charset="0"/>
-                <a:cs typeface="Times New Roman" panose="02020603050405020304" pitchFamily="18" charset="0"/>
-              </a:rPr>
-              <a:t>"row"</a:t>
-            </a:r>
-            <a:r>
-              <a:rPr lang="en-US" sz="1200" dirty="0">
-                <a:solidFill>
-                  <a:srgbClr val="F92672"/>
-                </a:solidFill>
-                <a:ea typeface="Times New Roman" panose="02020603050405020304" pitchFamily="18" charset="0"/>
-                <a:cs typeface="Times New Roman" panose="02020603050405020304" pitchFamily="18" charset="0"/>
-              </a:rPr>
-              <a:t>&gt;</a:t>
-            </a:r>
-            <a:endParaRPr lang="en-US" sz="1200" dirty="0">
-              <a:ea typeface="Calibri" panose="020F0502020204030204" pitchFamily="34" charset="0"/>
-              <a:cs typeface="Times New Roman" panose="02020603050405020304" pitchFamily="18" charset="0"/>
-            </a:endParaRPr>
-          </a:p>
-          <a:p>
-            <a:pPr>
-              <a:tabLst>
-                <a:tab pos="581660" algn="l"/>
-                <a:tab pos="1163320" algn="l"/>
-                <a:tab pos="1744980" algn="l"/>
-                <a:tab pos="2326640" algn="l"/>
-                <a:tab pos="2908300" algn="l"/>
-                <a:tab pos="3489960" algn="l"/>
-                <a:tab pos="4071620" algn="l"/>
-                <a:tab pos="4653280" algn="l"/>
-                <a:tab pos="5234940" algn="l"/>
-                <a:tab pos="5816600" algn="l"/>
-                <a:tab pos="6398260" algn="l"/>
-                <a:tab pos="6979920" algn="l"/>
-                <a:tab pos="7561580" algn="l"/>
-                <a:tab pos="8143240" algn="l"/>
-                <a:tab pos="8724900" algn="l"/>
-                <a:tab pos="9306560" algn="l"/>
-              </a:tabLst>
-            </a:pPr>
-            <a:r>
-              <a:rPr lang="en-US" sz="1200" dirty="0">
-                <a:solidFill>
-                  <a:srgbClr val="F8F8F2"/>
-                </a:solidFill>
-                <a:ea typeface="Times New Roman" panose="02020603050405020304" pitchFamily="18" charset="0"/>
-                <a:cs typeface="Times New Roman" panose="02020603050405020304" pitchFamily="18" charset="0"/>
-              </a:rPr>
-              <a:t>    </a:t>
-            </a:r>
-            <a:r>
-              <a:rPr lang="en-US" sz="1200" dirty="0">
-                <a:solidFill>
-                  <a:srgbClr val="F92672"/>
-                </a:solidFill>
-                <a:ea typeface="Times New Roman" panose="02020603050405020304" pitchFamily="18" charset="0"/>
-                <a:cs typeface="Times New Roman" panose="02020603050405020304" pitchFamily="18" charset="0"/>
-              </a:rPr>
-              <a:t>&lt;div</a:t>
-            </a:r>
-            <a:r>
-              <a:rPr lang="en-US" sz="1200" dirty="0">
-                <a:solidFill>
-                  <a:srgbClr val="F8F8F2"/>
-                </a:solidFill>
-                <a:ea typeface="Times New Roman" panose="02020603050405020304" pitchFamily="18" charset="0"/>
-                <a:cs typeface="Times New Roman" panose="02020603050405020304" pitchFamily="18" charset="0"/>
-              </a:rPr>
-              <a:t> </a:t>
-            </a:r>
-            <a:r>
-              <a:rPr lang="en-US" sz="1200" dirty="0">
-                <a:solidFill>
-                  <a:srgbClr val="A6E22E"/>
-                </a:solidFill>
-                <a:ea typeface="Times New Roman" panose="02020603050405020304" pitchFamily="18" charset="0"/>
-                <a:cs typeface="Times New Roman" panose="02020603050405020304" pitchFamily="18" charset="0"/>
-              </a:rPr>
-              <a:t>class=</a:t>
-            </a:r>
-            <a:r>
-              <a:rPr lang="en-US" sz="1200" dirty="0">
-                <a:solidFill>
-                  <a:srgbClr val="E6DB74"/>
-                </a:solidFill>
-                <a:ea typeface="Times New Roman" panose="02020603050405020304" pitchFamily="18" charset="0"/>
-                <a:cs typeface="Times New Roman" panose="02020603050405020304" pitchFamily="18" charset="0"/>
-              </a:rPr>
-              <a:t>"col-lg-4"</a:t>
-            </a:r>
-            <a:r>
-              <a:rPr lang="en-US" sz="1200" dirty="0">
-                <a:solidFill>
-                  <a:srgbClr val="F92672"/>
-                </a:solidFill>
-                <a:ea typeface="Times New Roman" panose="02020603050405020304" pitchFamily="18" charset="0"/>
-                <a:cs typeface="Times New Roman" panose="02020603050405020304" pitchFamily="18" charset="0"/>
-              </a:rPr>
-              <a:t>&gt;</a:t>
-            </a:r>
-            <a:r>
-              <a:rPr lang="en-US" sz="1200" dirty="0">
-                <a:solidFill>
-                  <a:srgbClr val="F8F8F2"/>
-                </a:solidFill>
-                <a:ea typeface="Times New Roman" panose="02020603050405020304" pitchFamily="18" charset="0"/>
-                <a:cs typeface="Times New Roman" panose="02020603050405020304" pitchFamily="18" charset="0"/>
-              </a:rPr>
-              <a:t>1</a:t>
-            </a:r>
-            <a:r>
-              <a:rPr lang="en-US" sz="1200" dirty="0">
-                <a:solidFill>
-                  <a:srgbClr val="F92672"/>
-                </a:solidFill>
-                <a:ea typeface="Times New Roman" panose="02020603050405020304" pitchFamily="18" charset="0"/>
-                <a:cs typeface="Times New Roman" panose="02020603050405020304" pitchFamily="18" charset="0"/>
-              </a:rPr>
-              <a:t>&lt;/div&gt;</a:t>
-            </a:r>
-            <a:endParaRPr lang="en-US" sz="1200" dirty="0">
-              <a:ea typeface="Calibri" panose="020F0502020204030204" pitchFamily="34" charset="0"/>
-              <a:cs typeface="Times New Roman" panose="02020603050405020304" pitchFamily="18" charset="0"/>
-            </a:endParaRPr>
-          </a:p>
-          <a:p>
-            <a:pPr>
-              <a:tabLst>
-                <a:tab pos="581660" algn="l"/>
-                <a:tab pos="1163320" algn="l"/>
-                <a:tab pos="1744980" algn="l"/>
-                <a:tab pos="2326640" algn="l"/>
-                <a:tab pos="2908300" algn="l"/>
-                <a:tab pos="3489960" algn="l"/>
-                <a:tab pos="4071620" algn="l"/>
-                <a:tab pos="4653280" algn="l"/>
-                <a:tab pos="5234940" algn="l"/>
-                <a:tab pos="5816600" algn="l"/>
-                <a:tab pos="6398260" algn="l"/>
-                <a:tab pos="6979920" algn="l"/>
-                <a:tab pos="7561580" algn="l"/>
-                <a:tab pos="8143240" algn="l"/>
-                <a:tab pos="8724900" algn="l"/>
-                <a:tab pos="9306560" algn="l"/>
-              </a:tabLst>
-            </a:pPr>
-            <a:r>
-              <a:rPr lang="en-US" sz="1200" dirty="0">
-                <a:solidFill>
-                  <a:srgbClr val="F8F8F2"/>
-                </a:solidFill>
-                <a:ea typeface="Times New Roman" panose="02020603050405020304" pitchFamily="18" charset="0"/>
-                <a:cs typeface="Times New Roman" panose="02020603050405020304" pitchFamily="18" charset="0"/>
-              </a:rPr>
-              <a:t>    </a:t>
-            </a:r>
-            <a:r>
-              <a:rPr lang="en-US" sz="1200" dirty="0">
-                <a:solidFill>
-                  <a:srgbClr val="F92672"/>
-                </a:solidFill>
-                <a:ea typeface="Times New Roman" panose="02020603050405020304" pitchFamily="18" charset="0"/>
-                <a:cs typeface="Times New Roman" panose="02020603050405020304" pitchFamily="18" charset="0"/>
-              </a:rPr>
-              <a:t>&lt;div</a:t>
-            </a:r>
-            <a:r>
-              <a:rPr lang="en-US" sz="1200" dirty="0">
-                <a:solidFill>
-                  <a:srgbClr val="F8F8F2"/>
-                </a:solidFill>
-                <a:ea typeface="Times New Roman" panose="02020603050405020304" pitchFamily="18" charset="0"/>
-                <a:cs typeface="Times New Roman" panose="02020603050405020304" pitchFamily="18" charset="0"/>
-              </a:rPr>
-              <a:t> </a:t>
-            </a:r>
-            <a:r>
-              <a:rPr lang="en-US" sz="1200" dirty="0">
-                <a:solidFill>
-                  <a:srgbClr val="A6E22E"/>
-                </a:solidFill>
-                <a:ea typeface="Times New Roman" panose="02020603050405020304" pitchFamily="18" charset="0"/>
-                <a:cs typeface="Times New Roman" panose="02020603050405020304" pitchFamily="18" charset="0"/>
-              </a:rPr>
-              <a:t>class=</a:t>
-            </a:r>
-            <a:r>
-              <a:rPr lang="en-US" sz="1200" dirty="0">
-                <a:solidFill>
-                  <a:srgbClr val="E6DB74"/>
-                </a:solidFill>
-                <a:ea typeface="Times New Roman" panose="02020603050405020304" pitchFamily="18" charset="0"/>
-                <a:cs typeface="Times New Roman" panose="02020603050405020304" pitchFamily="18" charset="0"/>
-              </a:rPr>
-              <a:t>"col-lg-4"</a:t>
-            </a:r>
-            <a:r>
-              <a:rPr lang="en-US" sz="1200" dirty="0">
-                <a:solidFill>
-                  <a:srgbClr val="F92672"/>
-                </a:solidFill>
-                <a:ea typeface="Times New Roman" panose="02020603050405020304" pitchFamily="18" charset="0"/>
-                <a:cs typeface="Times New Roman" panose="02020603050405020304" pitchFamily="18" charset="0"/>
-              </a:rPr>
-              <a:t>&gt;</a:t>
-            </a:r>
-            <a:r>
-              <a:rPr lang="en-US" sz="1200" dirty="0">
-                <a:solidFill>
-                  <a:srgbClr val="F8F8F2"/>
-                </a:solidFill>
-                <a:ea typeface="Times New Roman" panose="02020603050405020304" pitchFamily="18" charset="0"/>
-                <a:cs typeface="Times New Roman" panose="02020603050405020304" pitchFamily="18" charset="0"/>
-              </a:rPr>
-              <a:t>2</a:t>
-            </a:r>
-            <a:r>
-              <a:rPr lang="en-US" sz="1200" dirty="0">
-                <a:solidFill>
-                  <a:srgbClr val="F92672"/>
-                </a:solidFill>
-                <a:ea typeface="Times New Roman" panose="02020603050405020304" pitchFamily="18" charset="0"/>
-                <a:cs typeface="Times New Roman" panose="02020603050405020304" pitchFamily="18" charset="0"/>
-              </a:rPr>
-              <a:t>&lt;/div&gt;</a:t>
-            </a:r>
-            <a:endParaRPr lang="en-US" sz="1200" dirty="0">
-              <a:ea typeface="Calibri" panose="020F0502020204030204" pitchFamily="34" charset="0"/>
-              <a:cs typeface="Times New Roman" panose="02020603050405020304" pitchFamily="18" charset="0"/>
-            </a:endParaRPr>
-          </a:p>
-          <a:p>
-            <a:pPr>
-              <a:tabLst>
-                <a:tab pos="581660" algn="l"/>
-                <a:tab pos="1163320" algn="l"/>
-                <a:tab pos="1744980" algn="l"/>
-                <a:tab pos="2326640" algn="l"/>
-                <a:tab pos="2908300" algn="l"/>
-                <a:tab pos="3489960" algn="l"/>
-                <a:tab pos="4071620" algn="l"/>
-                <a:tab pos="4653280" algn="l"/>
-                <a:tab pos="5234940" algn="l"/>
-                <a:tab pos="5816600" algn="l"/>
-                <a:tab pos="6398260" algn="l"/>
-                <a:tab pos="6979920" algn="l"/>
-                <a:tab pos="7561580" algn="l"/>
-                <a:tab pos="8143240" algn="l"/>
-                <a:tab pos="8724900" algn="l"/>
-                <a:tab pos="9306560" algn="l"/>
-              </a:tabLst>
-            </a:pPr>
-            <a:r>
-              <a:rPr lang="en-US" sz="1200" dirty="0">
-                <a:solidFill>
-                  <a:srgbClr val="F8F8F2"/>
-                </a:solidFill>
-                <a:ea typeface="Times New Roman" panose="02020603050405020304" pitchFamily="18" charset="0"/>
-                <a:cs typeface="Times New Roman" panose="02020603050405020304" pitchFamily="18" charset="0"/>
-              </a:rPr>
-              <a:t>    </a:t>
-            </a:r>
-            <a:r>
-              <a:rPr lang="en-US" sz="1200" dirty="0">
-                <a:solidFill>
-                  <a:srgbClr val="F92672"/>
-                </a:solidFill>
-                <a:ea typeface="Times New Roman" panose="02020603050405020304" pitchFamily="18" charset="0"/>
-                <a:cs typeface="Times New Roman" panose="02020603050405020304" pitchFamily="18" charset="0"/>
-              </a:rPr>
-              <a:t>&lt;div</a:t>
-            </a:r>
-            <a:r>
-              <a:rPr lang="en-US" sz="1200" dirty="0">
-                <a:solidFill>
-                  <a:srgbClr val="F8F8F2"/>
-                </a:solidFill>
-                <a:ea typeface="Times New Roman" panose="02020603050405020304" pitchFamily="18" charset="0"/>
-                <a:cs typeface="Times New Roman" panose="02020603050405020304" pitchFamily="18" charset="0"/>
-              </a:rPr>
-              <a:t> </a:t>
-            </a:r>
-            <a:r>
-              <a:rPr lang="en-US" sz="1200" dirty="0">
-                <a:solidFill>
-                  <a:srgbClr val="A6E22E"/>
-                </a:solidFill>
-                <a:ea typeface="Times New Roman" panose="02020603050405020304" pitchFamily="18" charset="0"/>
-                <a:cs typeface="Times New Roman" panose="02020603050405020304" pitchFamily="18" charset="0"/>
-              </a:rPr>
-              <a:t>class=</a:t>
-            </a:r>
-            <a:r>
-              <a:rPr lang="en-US" sz="1200" dirty="0">
-                <a:solidFill>
-                  <a:srgbClr val="E6DB74"/>
-                </a:solidFill>
-                <a:ea typeface="Times New Roman" panose="02020603050405020304" pitchFamily="18" charset="0"/>
-                <a:cs typeface="Times New Roman" panose="02020603050405020304" pitchFamily="18" charset="0"/>
-              </a:rPr>
-              <a:t>"col-lg-4"</a:t>
-            </a:r>
-            <a:r>
-              <a:rPr lang="en-US" sz="1200" dirty="0">
-                <a:solidFill>
-                  <a:srgbClr val="F92672"/>
-                </a:solidFill>
-                <a:ea typeface="Times New Roman" panose="02020603050405020304" pitchFamily="18" charset="0"/>
-                <a:cs typeface="Times New Roman" panose="02020603050405020304" pitchFamily="18" charset="0"/>
-              </a:rPr>
-              <a:t>&gt;</a:t>
-            </a:r>
-            <a:r>
-              <a:rPr lang="en-US" sz="1200" dirty="0">
-                <a:solidFill>
-                  <a:srgbClr val="F8F8F2"/>
-                </a:solidFill>
-                <a:ea typeface="Times New Roman" panose="02020603050405020304" pitchFamily="18" charset="0"/>
-                <a:cs typeface="Times New Roman" panose="02020603050405020304" pitchFamily="18" charset="0"/>
-              </a:rPr>
-              <a:t>3</a:t>
-            </a:r>
-            <a:r>
-              <a:rPr lang="en-US" sz="1200" dirty="0">
-                <a:solidFill>
-                  <a:srgbClr val="F92672"/>
-                </a:solidFill>
-                <a:ea typeface="Times New Roman" panose="02020603050405020304" pitchFamily="18" charset="0"/>
-                <a:cs typeface="Times New Roman" panose="02020603050405020304" pitchFamily="18" charset="0"/>
-              </a:rPr>
-              <a:t>&lt;/div&gt;</a:t>
-            </a:r>
-            <a:endParaRPr lang="en-US" sz="1200" dirty="0">
-              <a:ea typeface="Calibri" panose="020F0502020204030204" pitchFamily="34" charset="0"/>
-              <a:cs typeface="Times New Roman" panose="02020603050405020304" pitchFamily="18" charset="0"/>
-            </a:endParaRPr>
-          </a:p>
-          <a:p>
-            <a:pPr>
-              <a:tabLst>
-                <a:tab pos="581660" algn="l"/>
-                <a:tab pos="1163320" algn="l"/>
-                <a:tab pos="1744980" algn="l"/>
-                <a:tab pos="2326640" algn="l"/>
-                <a:tab pos="2908300" algn="l"/>
-                <a:tab pos="3489960" algn="l"/>
-                <a:tab pos="4071620" algn="l"/>
-                <a:tab pos="4653280" algn="l"/>
-                <a:tab pos="5234940" algn="l"/>
-                <a:tab pos="5816600" algn="l"/>
-                <a:tab pos="6398260" algn="l"/>
-                <a:tab pos="6979920" algn="l"/>
-                <a:tab pos="7561580" algn="l"/>
-                <a:tab pos="8143240" algn="l"/>
-                <a:tab pos="8724900" algn="l"/>
-                <a:tab pos="9306560" algn="l"/>
-              </a:tabLst>
-            </a:pPr>
-            <a:r>
-              <a:rPr lang="en-US" sz="1200" dirty="0">
-                <a:solidFill>
-                  <a:srgbClr val="F92672"/>
-                </a:solidFill>
-                <a:ea typeface="Times New Roman" panose="02020603050405020304" pitchFamily="18" charset="0"/>
-                <a:cs typeface="Times New Roman" panose="02020603050405020304" pitchFamily="18" charset="0"/>
-              </a:rPr>
-              <a:t>&lt;/div&gt;</a:t>
-            </a:r>
-            <a:endParaRPr lang="en-US" sz="1200" dirty="0">
-              <a:ea typeface="Calibri" panose="020F0502020204030204" pitchFamily="34" charset="0"/>
-              <a:cs typeface="Times New Roman" panose="02020603050405020304" pitchFamily="18" charset="0"/>
-            </a:endParaRPr>
-          </a:p>
-          <a:p>
-            <a:endParaRPr lang="en-US" sz="1200" dirty="0" smtClean="0"/>
-          </a:p>
-          <a:p>
-            <a:pPr>
-              <a:tabLst>
-                <a:tab pos="581660" algn="l"/>
-                <a:tab pos="1163320" algn="l"/>
-                <a:tab pos="1744980" algn="l"/>
-                <a:tab pos="2326640" algn="l"/>
-                <a:tab pos="2908300" algn="l"/>
-                <a:tab pos="3489960" algn="l"/>
-                <a:tab pos="4071620" algn="l"/>
-                <a:tab pos="4653280" algn="l"/>
-                <a:tab pos="5234940" algn="l"/>
-                <a:tab pos="5816600" algn="l"/>
-                <a:tab pos="6398260" algn="l"/>
-                <a:tab pos="6979920" algn="l"/>
-                <a:tab pos="7561580" algn="l"/>
-                <a:tab pos="8143240" algn="l"/>
-                <a:tab pos="8724900" algn="l"/>
-                <a:tab pos="9306560" algn="l"/>
-              </a:tabLst>
-            </a:pPr>
-            <a:r>
-              <a:rPr lang="en-US" sz="1200" dirty="0">
-                <a:solidFill>
-                  <a:srgbClr val="F92672"/>
-                </a:solidFill>
-                <a:ea typeface="Times New Roman" panose="02020603050405020304" pitchFamily="18" charset="0"/>
-                <a:cs typeface="Times New Roman" panose="02020603050405020304" pitchFamily="18" charset="0"/>
-              </a:rPr>
-              <a:t>&lt;div</a:t>
-            </a:r>
-            <a:r>
-              <a:rPr lang="en-US" sz="1200" dirty="0">
-                <a:solidFill>
-                  <a:srgbClr val="F8F8F2"/>
-                </a:solidFill>
-                <a:ea typeface="Times New Roman" panose="02020603050405020304" pitchFamily="18" charset="0"/>
-                <a:cs typeface="Times New Roman" panose="02020603050405020304" pitchFamily="18" charset="0"/>
-              </a:rPr>
-              <a:t> </a:t>
-            </a:r>
-            <a:r>
-              <a:rPr lang="en-US" sz="1200" dirty="0">
-                <a:solidFill>
-                  <a:srgbClr val="A6E22E"/>
-                </a:solidFill>
-                <a:ea typeface="Times New Roman" panose="02020603050405020304" pitchFamily="18" charset="0"/>
-                <a:cs typeface="Times New Roman" panose="02020603050405020304" pitchFamily="18" charset="0"/>
-              </a:rPr>
-              <a:t>class=</a:t>
-            </a:r>
-            <a:r>
-              <a:rPr lang="en-US" sz="1200" dirty="0">
-                <a:solidFill>
-                  <a:srgbClr val="E6DB74"/>
-                </a:solidFill>
-                <a:ea typeface="Times New Roman" panose="02020603050405020304" pitchFamily="18" charset="0"/>
-                <a:cs typeface="Times New Roman" panose="02020603050405020304" pitchFamily="18" charset="0"/>
-              </a:rPr>
-              <a:t>"</a:t>
-            </a:r>
-            <a:r>
-              <a:rPr lang="en-US" sz="1200" dirty="0" err="1">
-                <a:solidFill>
-                  <a:srgbClr val="E6DB74"/>
-                </a:solidFill>
-                <a:ea typeface="Times New Roman" panose="02020603050405020304" pitchFamily="18" charset="0"/>
-                <a:cs typeface="Times New Roman" panose="02020603050405020304" pitchFamily="18" charset="0"/>
-              </a:rPr>
-              <a:t>navbar</a:t>
-            </a:r>
-            <a:r>
-              <a:rPr lang="en-US" sz="1200" dirty="0">
-                <a:solidFill>
-                  <a:srgbClr val="E6DB74"/>
-                </a:solidFill>
-                <a:ea typeface="Times New Roman" panose="02020603050405020304" pitchFamily="18" charset="0"/>
-                <a:cs typeface="Times New Roman" panose="02020603050405020304" pitchFamily="18" charset="0"/>
-              </a:rPr>
-              <a:t>"</a:t>
-            </a:r>
-            <a:r>
-              <a:rPr lang="en-US" sz="1200" dirty="0">
-                <a:solidFill>
-                  <a:srgbClr val="F92672"/>
-                </a:solidFill>
-                <a:ea typeface="Times New Roman" panose="02020603050405020304" pitchFamily="18" charset="0"/>
-                <a:cs typeface="Times New Roman" panose="02020603050405020304" pitchFamily="18" charset="0"/>
-              </a:rPr>
-              <a:t>&gt;</a:t>
-            </a:r>
-            <a:endParaRPr lang="en-US" sz="1200" dirty="0">
-              <a:ea typeface="Calibri" panose="020F0502020204030204" pitchFamily="34" charset="0"/>
-              <a:cs typeface="Times New Roman" panose="02020603050405020304" pitchFamily="18" charset="0"/>
-            </a:endParaRPr>
-          </a:p>
-          <a:p>
-            <a:pPr>
-              <a:tabLst>
-                <a:tab pos="581660" algn="l"/>
-                <a:tab pos="1163320" algn="l"/>
-                <a:tab pos="1744980" algn="l"/>
-                <a:tab pos="2326640" algn="l"/>
-                <a:tab pos="2908300" algn="l"/>
-                <a:tab pos="3489960" algn="l"/>
-                <a:tab pos="4071620" algn="l"/>
-                <a:tab pos="4653280" algn="l"/>
-                <a:tab pos="5234940" algn="l"/>
-                <a:tab pos="5816600" algn="l"/>
-                <a:tab pos="6398260" algn="l"/>
-                <a:tab pos="6979920" algn="l"/>
-                <a:tab pos="7561580" algn="l"/>
-                <a:tab pos="8143240" algn="l"/>
-                <a:tab pos="8724900" algn="l"/>
-                <a:tab pos="9306560" algn="l"/>
-              </a:tabLst>
-            </a:pPr>
-            <a:r>
-              <a:rPr lang="en-US" sz="1200" dirty="0">
-                <a:solidFill>
-                  <a:srgbClr val="F8F8F2"/>
-                </a:solidFill>
-                <a:ea typeface="Times New Roman" panose="02020603050405020304" pitchFamily="18" charset="0"/>
-                <a:cs typeface="Times New Roman" panose="02020603050405020304" pitchFamily="18" charset="0"/>
-              </a:rPr>
-              <a:t>    </a:t>
-            </a:r>
-            <a:r>
-              <a:rPr lang="en-US" sz="1200" dirty="0">
-                <a:solidFill>
-                  <a:srgbClr val="F92672"/>
-                </a:solidFill>
-                <a:ea typeface="Times New Roman" panose="02020603050405020304" pitchFamily="18" charset="0"/>
-                <a:cs typeface="Times New Roman" panose="02020603050405020304" pitchFamily="18" charset="0"/>
-              </a:rPr>
-              <a:t>&lt;a</a:t>
-            </a:r>
-            <a:r>
-              <a:rPr lang="en-US" sz="1200" dirty="0">
-                <a:solidFill>
-                  <a:srgbClr val="F8F8F2"/>
-                </a:solidFill>
-                <a:ea typeface="Times New Roman" panose="02020603050405020304" pitchFamily="18" charset="0"/>
-                <a:cs typeface="Times New Roman" panose="02020603050405020304" pitchFamily="18" charset="0"/>
-              </a:rPr>
-              <a:t> </a:t>
-            </a:r>
-            <a:r>
-              <a:rPr lang="en-US" sz="1200" dirty="0">
-                <a:solidFill>
-                  <a:srgbClr val="A6E22E"/>
-                </a:solidFill>
-                <a:ea typeface="Times New Roman" panose="02020603050405020304" pitchFamily="18" charset="0"/>
-                <a:cs typeface="Times New Roman" panose="02020603050405020304" pitchFamily="18" charset="0"/>
-              </a:rPr>
-              <a:t>class=</a:t>
-            </a:r>
-            <a:r>
-              <a:rPr lang="en-US" sz="1200" dirty="0">
-                <a:solidFill>
-                  <a:srgbClr val="E6DB74"/>
-                </a:solidFill>
-                <a:ea typeface="Times New Roman" panose="02020603050405020304" pitchFamily="18" charset="0"/>
-                <a:cs typeface="Times New Roman" panose="02020603050405020304" pitchFamily="18" charset="0"/>
-              </a:rPr>
-              <a:t>"</a:t>
-            </a:r>
-            <a:r>
-              <a:rPr lang="en-US" sz="1200" dirty="0" err="1">
-                <a:solidFill>
-                  <a:srgbClr val="E6DB74"/>
-                </a:solidFill>
-                <a:ea typeface="Times New Roman" panose="02020603050405020304" pitchFamily="18" charset="0"/>
-                <a:cs typeface="Times New Roman" panose="02020603050405020304" pitchFamily="18" charset="0"/>
-              </a:rPr>
-              <a:t>navbar</a:t>
-            </a:r>
-            <a:r>
-              <a:rPr lang="en-US" sz="1200" dirty="0">
-                <a:solidFill>
-                  <a:srgbClr val="E6DB74"/>
-                </a:solidFill>
-                <a:ea typeface="Times New Roman" panose="02020603050405020304" pitchFamily="18" charset="0"/>
-                <a:cs typeface="Times New Roman" panose="02020603050405020304" pitchFamily="18" charset="0"/>
-              </a:rPr>
-              <a:t>-brand"</a:t>
-            </a:r>
-            <a:r>
-              <a:rPr lang="en-US" sz="1200" dirty="0">
-                <a:solidFill>
-                  <a:srgbClr val="F8F8F2"/>
-                </a:solidFill>
-                <a:ea typeface="Times New Roman" panose="02020603050405020304" pitchFamily="18" charset="0"/>
-                <a:cs typeface="Times New Roman" panose="02020603050405020304" pitchFamily="18" charset="0"/>
-              </a:rPr>
-              <a:t> </a:t>
-            </a:r>
-            <a:r>
-              <a:rPr lang="en-US" sz="1200" dirty="0" err="1">
-                <a:solidFill>
-                  <a:srgbClr val="A6E22E"/>
-                </a:solidFill>
-                <a:ea typeface="Times New Roman" panose="02020603050405020304" pitchFamily="18" charset="0"/>
-                <a:cs typeface="Times New Roman" panose="02020603050405020304" pitchFamily="18" charset="0"/>
-              </a:rPr>
-              <a:t>href</a:t>
-            </a:r>
-            <a:r>
-              <a:rPr lang="en-US" sz="1200" dirty="0">
-                <a:solidFill>
-                  <a:srgbClr val="A6E22E"/>
-                </a:solidFill>
-                <a:ea typeface="Times New Roman" panose="02020603050405020304" pitchFamily="18" charset="0"/>
-                <a:cs typeface="Times New Roman" panose="02020603050405020304" pitchFamily="18" charset="0"/>
-              </a:rPr>
-              <a:t>=</a:t>
-            </a:r>
-            <a:r>
-              <a:rPr lang="en-US" sz="1200" dirty="0">
-                <a:solidFill>
-                  <a:srgbClr val="E6DB74"/>
-                </a:solidFill>
-                <a:ea typeface="Times New Roman" panose="02020603050405020304" pitchFamily="18" charset="0"/>
-                <a:cs typeface="Times New Roman" panose="02020603050405020304" pitchFamily="18" charset="0"/>
-              </a:rPr>
-              <a:t>"#"</a:t>
-            </a:r>
-            <a:r>
-              <a:rPr lang="en-US" sz="1200" dirty="0">
-                <a:solidFill>
-                  <a:srgbClr val="F92672"/>
-                </a:solidFill>
-                <a:ea typeface="Times New Roman" panose="02020603050405020304" pitchFamily="18" charset="0"/>
-                <a:cs typeface="Times New Roman" panose="02020603050405020304" pitchFamily="18" charset="0"/>
-              </a:rPr>
-              <a:t>&gt;</a:t>
-            </a:r>
-            <a:r>
-              <a:rPr lang="en-US" sz="1200" dirty="0">
-                <a:solidFill>
-                  <a:srgbClr val="F8F8F2"/>
-                </a:solidFill>
-                <a:ea typeface="Times New Roman" panose="02020603050405020304" pitchFamily="18" charset="0"/>
-                <a:cs typeface="Times New Roman" panose="02020603050405020304" pitchFamily="18" charset="0"/>
-              </a:rPr>
-              <a:t>Title</a:t>
-            </a:r>
-            <a:r>
-              <a:rPr lang="en-US" sz="1200" dirty="0">
-                <a:solidFill>
-                  <a:srgbClr val="F92672"/>
-                </a:solidFill>
-                <a:ea typeface="Times New Roman" panose="02020603050405020304" pitchFamily="18" charset="0"/>
-                <a:cs typeface="Times New Roman" panose="02020603050405020304" pitchFamily="18" charset="0"/>
-              </a:rPr>
-              <a:t>&lt;/a&gt;</a:t>
-            </a:r>
-            <a:endParaRPr lang="en-US" sz="1200" dirty="0">
-              <a:ea typeface="Calibri" panose="020F0502020204030204" pitchFamily="34" charset="0"/>
-              <a:cs typeface="Times New Roman" panose="02020603050405020304" pitchFamily="18" charset="0"/>
-            </a:endParaRPr>
-          </a:p>
-          <a:p>
-            <a:pPr>
-              <a:tabLst>
-                <a:tab pos="581660" algn="l"/>
-                <a:tab pos="1163320" algn="l"/>
-                <a:tab pos="1744980" algn="l"/>
-                <a:tab pos="2326640" algn="l"/>
-                <a:tab pos="2908300" algn="l"/>
-                <a:tab pos="3489960" algn="l"/>
-                <a:tab pos="4071620" algn="l"/>
-                <a:tab pos="4653280" algn="l"/>
-                <a:tab pos="5234940" algn="l"/>
-                <a:tab pos="5816600" algn="l"/>
-                <a:tab pos="6398260" algn="l"/>
-                <a:tab pos="6979920" algn="l"/>
-                <a:tab pos="7561580" algn="l"/>
-                <a:tab pos="8143240" algn="l"/>
-                <a:tab pos="8724900" algn="l"/>
-                <a:tab pos="9306560" algn="l"/>
-              </a:tabLst>
-            </a:pPr>
-            <a:r>
-              <a:rPr lang="en-US" sz="1200" dirty="0">
-                <a:solidFill>
-                  <a:srgbClr val="F8F8F2"/>
-                </a:solidFill>
-                <a:ea typeface="Times New Roman" panose="02020603050405020304" pitchFamily="18" charset="0"/>
-                <a:cs typeface="Times New Roman" panose="02020603050405020304" pitchFamily="18" charset="0"/>
-              </a:rPr>
-              <a:t>    </a:t>
-            </a:r>
-            <a:r>
-              <a:rPr lang="en-US" sz="1200" dirty="0">
-                <a:solidFill>
-                  <a:srgbClr val="F92672"/>
-                </a:solidFill>
-                <a:ea typeface="Times New Roman" panose="02020603050405020304" pitchFamily="18" charset="0"/>
-                <a:cs typeface="Times New Roman" panose="02020603050405020304" pitchFamily="18" charset="0"/>
-              </a:rPr>
-              <a:t>&lt;</a:t>
-            </a:r>
-            <a:r>
-              <a:rPr lang="en-US" sz="1200" dirty="0" err="1">
-                <a:solidFill>
-                  <a:srgbClr val="F92672"/>
-                </a:solidFill>
-                <a:ea typeface="Times New Roman" panose="02020603050405020304" pitchFamily="18" charset="0"/>
-                <a:cs typeface="Times New Roman" panose="02020603050405020304" pitchFamily="18" charset="0"/>
-              </a:rPr>
-              <a:t>ul</a:t>
-            </a:r>
-            <a:r>
-              <a:rPr lang="en-US" sz="1200" dirty="0">
-                <a:solidFill>
-                  <a:srgbClr val="F8F8F2"/>
-                </a:solidFill>
-                <a:ea typeface="Times New Roman" panose="02020603050405020304" pitchFamily="18" charset="0"/>
-                <a:cs typeface="Times New Roman" panose="02020603050405020304" pitchFamily="18" charset="0"/>
-              </a:rPr>
-              <a:t> </a:t>
-            </a:r>
-            <a:r>
-              <a:rPr lang="en-US" sz="1200" dirty="0">
-                <a:solidFill>
-                  <a:srgbClr val="A6E22E"/>
-                </a:solidFill>
-                <a:ea typeface="Times New Roman" panose="02020603050405020304" pitchFamily="18" charset="0"/>
-                <a:cs typeface="Times New Roman" panose="02020603050405020304" pitchFamily="18" charset="0"/>
-              </a:rPr>
-              <a:t>class=</a:t>
-            </a:r>
-            <a:r>
-              <a:rPr lang="en-US" sz="1200" dirty="0">
-                <a:solidFill>
-                  <a:srgbClr val="E6DB74"/>
-                </a:solidFill>
-                <a:ea typeface="Times New Roman" panose="02020603050405020304" pitchFamily="18" charset="0"/>
-                <a:cs typeface="Times New Roman" panose="02020603050405020304" pitchFamily="18" charset="0"/>
-              </a:rPr>
-              <a:t>"</a:t>
-            </a:r>
-            <a:r>
-              <a:rPr lang="en-US" sz="1200" dirty="0" err="1">
-                <a:solidFill>
-                  <a:srgbClr val="E6DB74"/>
-                </a:solidFill>
-                <a:ea typeface="Times New Roman" panose="02020603050405020304" pitchFamily="18" charset="0"/>
-                <a:cs typeface="Times New Roman" panose="02020603050405020304" pitchFamily="18" charset="0"/>
-              </a:rPr>
-              <a:t>nav</a:t>
-            </a:r>
-            <a:r>
-              <a:rPr lang="en-US" sz="1200" dirty="0">
-                <a:solidFill>
-                  <a:srgbClr val="E6DB74"/>
-                </a:solidFill>
-                <a:ea typeface="Times New Roman" panose="02020603050405020304" pitchFamily="18" charset="0"/>
-                <a:cs typeface="Times New Roman" panose="02020603050405020304" pitchFamily="18" charset="0"/>
-              </a:rPr>
-              <a:t> </a:t>
-            </a:r>
-            <a:r>
-              <a:rPr lang="en-US" sz="1200" dirty="0" err="1">
-                <a:solidFill>
-                  <a:srgbClr val="E6DB74"/>
-                </a:solidFill>
-                <a:ea typeface="Times New Roman" panose="02020603050405020304" pitchFamily="18" charset="0"/>
-                <a:cs typeface="Times New Roman" panose="02020603050405020304" pitchFamily="18" charset="0"/>
-              </a:rPr>
-              <a:t>navbar-nav</a:t>
-            </a:r>
-            <a:r>
-              <a:rPr lang="en-US" sz="1200" dirty="0">
-                <a:solidFill>
-                  <a:srgbClr val="E6DB74"/>
-                </a:solidFill>
-                <a:ea typeface="Times New Roman" panose="02020603050405020304" pitchFamily="18" charset="0"/>
-                <a:cs typeface="Times New Roman" panose="02020603050405020304" pitchFamily="18" charset="0"/>
-              </a:rPr>
-              <a:t>"</a:t>
-            </a:r>
-            <a:r>
-              <a:rPr lang="en-US" sz="1200" dirty="0">
-                <a:solidFill>
-                  <a:srgbClr val="F92672"/>
-                </a:solidFill>
-                <a:ea typeface="Times New Roman" panose="02020603050405020304" pitchFamily="18" charset="0"/>
-                <a:cs typeface="Times New Roman" panose="02020603050405020304" pitchFamily="18" charset="0"/>
-              </a:rPr>
-              <a:t>&gt;</a:t>
-            </a:r>
-            <a:endParaRPr lang="en-US" sz="1200" dirty="0">
-              <a:ea typeface="Calibri" panose="020F0502020204030204" pitchFamily="34" charset="0"/>
-              <a:cs typeface="Times New Roman" panose="02020603050405020304" pitchFamily="18" charset="0"/>
-            </a:endParaRPr>
-          </a:p>
-          <a:p>
-            <a:pPr>
-              <a:tabLst>
-                <a:tab pos="581660" algn="l"/>
-                <a:tab pos="1163320" algn="l"/>
-                <a:tab pos="1744980" algn="l"/>
-                <a:tab pos="2326640" algn="l"/>
-                <a:tab pos="2908300" algn="l"/>
-                <a:tab pos="3489960" algn="l"/>
-                <a:tab pos="4071620" algn="l"/>
-                <a:tab pos="4653280" algn="l"/>
-                <a:tab pos="5234940" algn="l"/>
-                <a:tab pos="5816600" algn="l"/>
-                <a:tab pos="6398260" algn="l"/>
-                <a:tab pos="6979920" algn="l"/>
-                <a:tab pos="7561580" algn="l"/>
-                <a:tab pos="8143240" algn="l"/>
-                <a:tab pos="8724900" algn="l"/>
-                <a:tab pos="9306560" algn="l"/>
-              </a:tabLst>
-            </a:pPr>
-            <a:r>
-              <a:rPr lang="en-US" sz="1200" dirty="0">
-                <a:solidFill>
-                  <a:srgbClr val="F8F8F2"/>
-                </a:solidFill>
-                <a:ea typeface="Times New Roman" panose="02020603050405020304" pitchFamily="18" charset="0"/>
-                <a:cs typeface="Times New Roman" panose="02020603050405020304" pitchFamily="18" charset="0"/>
-              </a:rPr>
-              <a:t>        </a:t>
-            </a:r>
-            <a:r>
-              <a:rPr lang="en-US" sz="1200" dirty="0">
-                <a:solidFill>
-                  <a:srgbClr val="F92672"/>
-                </a:solidFill>
-                <a:ea typeface="Times New Roman" panose="02020603050405020304" pitchFamily="18" charset="0"/>
-                <a:cs typeface="Times New Roman" panose="02020603050405020304" pitchFamily="18" charset="0"/>
-              </a:rPr>
-              <a:t>&lt;li</a:t>
-            </a:r>
-            <a:r>
-              <a:rPr lang="en-US" sz="1200" dirty="0">
-                <a:solidFill>
-                  <a:srgbClr val="F8F8F2"/>
-                </a:solidFill>
-                <a:ea typeface="Times New Roman" panose="02020603050405020304" pitchFamily="18" charset="0"/>
-                <a:cs typeface="Times New Roman" panose="02020603050405020304" pitchFamily="18" charset="0"/>
-              </a:rPr>
-              <a:t> </a:t>
-            </a:r>
-            <a:r>
-              <a:rPr lang="en-US" sz="1200" dirty="0">
-                <a:solidFill>
-                  <a:srgbClr val="A6E22E"/>
-                </a:solidFill>
-                <a:ea typeface="Times New Roman" panose="02020603050405020304" pitchFamily="18" charset="0"/>
-                <a:cs typeface="Times New Roman" panose="02020603050405020304" pitchFamily="18" charset="0"/>
-              </a:rPr>
-              <a:t>class=</a:t>
-            </a:r>
-            <a:r>
-              <a:rPr lang="en-US" sz="1200" dirty="0">
-                <a:solidFill>
-                  <a:srgbClr val="E6DB74"/>
-                </a:solidFill>
-                <a:ea typeface="Times New Roman" panose="02020603050405020304" pitchFamily="18" charset="0"/>
-                <a:cs typeface="Times New Roman" panose="02020603050405020304" pitchFamily="18" charset="0"/>
-              </a:rPr>
-              <a:t>"active"</a:t>
-            </a:r>
-            <a:r>
-              <a:rPr lang="en-US" sz="1200" dirty="0">
-                <a:solidFill>
-                  <a:srgbClr val="F92672"/>
-                </a:solidFill>
-                <a:ea typeface="Times New Roman" panose="02020603050405020304" pitchFamily="18" charset="0"/>
-                <a:cs typeface="Times New Roman" panose="02020603050405020304" pitchFamily="18" charset="0"/>
-              </a:rPr>
-              <a:t>&gt;&lt;a</a:t>
-            </a:r>
-            <a:r>
-              <a:rPr lang="en-US" sz="1200" dirty="0">
-                <a:solidFill>
-                  <a:srgbClr val="F8F8F2"/>
-                </a:solidFill>
-                <a:ea typeface="Times New Roman" panose="02020603050405020304" pitchFamily="18" charset="0"/>
-                <a:cs typeface="Times New Roman" panose="02020603050405020304" pitchFamily="18" charset="0"/>
-              </a:rPr>
-              <a:t> </a:t>
-            </a:r>
-            <a:r>
-              <a:rPr lang="en-US" sz="1200" dirty="0" err="1">
-                <a:solidFill>
-                  <a:srgbClr val="A6E22E"/>
-                </a:solidFill>
-                <a:ea typeface="Times New Roman" panose="02020603050405020304" pitchFamily="18" charset="0"/>
-                <a:cs typeface="Times New Roman" panose="02020603050405020304" pitchFamily="18" charset="0"/>
-              </a:rPr>
-              <a:t>href</a:t>
-            </a:r>
-            <a:r>
-              <a:rPr lang="en-US" sz="1200" dirty="0">
-                <a:solidFill>
-                  <a:srgbClr val="A6E22E"/>
-                </a:solidFill>
-                <a:ea typeface="Times New Roman" panose="02020603050405020304" pitchFamily="18" charset="0"/>
-                <a:cs typeface="Times New Roman" panose="02020603050405020304" pitchFamily="18" charset="0"/>
-              </a:rPr>
-              <a:t>=</a:t>
-            </a:r>
-            <a:r>
-              <a:rPr lang="en-US" sz="1200" dirty="0">
-                <a:solidFill>
-                  <a:srgbClr val="E6DB74"/>
-                </a:solidFill>
-                <a:ea typeface="Times New Roman" panose="02020603050405020304" pitchFamily="18" charset="0"/>
-                <a:cs typeface="Times New Roman" panose="02020603050405020304" pitchFamily="18" charset="0"/>
-              </a:rPr>
-              <a:t>"#"</a:t>
-            </a:r>
-            <a:r>
-              <a:rPr lang="en-US" sz="1200" dirty="0">
-                <a:solidFill>
-                  <a:srgbClr val="F92672"/>
-                </a:solidFill>
-                <a:ea typeface="Times New Roman" panose="02020603050405020304" pitchFamily="18" charset="0"/>
-                <a:cs typeface="Times New Roman" panose="02020603050405020304" pitchFamily="18" charset="0"/>
-              </a:rPr>
-              <a:t>&gt;</a:t>
-            </a:r>
-            <a:r>
-              <a:rPr lang="en-US" sz="1200" dirty="0">
-                <a:solidFill>
-                  <a:srgbClr val="F8F8F2"/>
-                </a:solidFill>
-                <a:ea typeface="Times New Roman" panose="02020603050405020304" pitchFamily="18" charset="0"/>
-                <a:cs typeface="Times New Roman" panose="02020603050405020304" pitchFamily="18" charset="0"/>
-              </a:rPr>
-              <a:t>Home</a:t>
-            </a:r>
-            <a:r>
-              <a:rPr lang="en-US" sz="1200" dirty="0">
-                <a:solidFill>
-                  <a:srgbClr val="F92672"/>
-                </a:solidFill>
-                <a:ea typeface="Times New Roman" panose="02020603050405020304" pitchFamily="18" charset="0"/>
-                <a:cs typeface="Times New Roman" panose="02020603050405020304" pitchFamily="18" charset="0"/>
-              </a:rPr>
-              <a:t>&lt;/a&gt;&lt;/li&gt;</a:t>
-            </a:r>
-            <a:endParaRPr lang="en-US" sz="1200" dirty="0">
-              <a:ea typeface="Calibri" panose="020F0502020204030204" pitchFamily="34" charset="0"/>
-              <a:cs typeface="Times New Roman" panose="02020603050405020304" pitchFamily="18" charset="0"/>
-            </a:endParaRPr>
-          </a:p>
-          <a:p>
-            <a:pPr>
-              <a:tabLst>
-                <a:tab pos="581660" algn="l"/>
-                <a:tab pos="1163320" algn="l"/>
-                <a:tab pos="1744980" algn="l"/>
-                <a:tab pos="2326640" algn="l"/>
-                <a:tab pos="2908300" algn="l"/>
-                <a:tab pos="3489960" algn="l"/>
-                <a:tab pos="4071620" algn="l"/>
-                <a:tab pos="4653280" algn="l"/>
-                <a:tab pos="5234940" algn="l"/>
-                <a:tab pos="5816600" algn="l"/>
-                <a:tab pos="6398260" algn="l"/>
-                <a:tab pos="6979920" algn="l"/>
-                <a:tab pos="7561580" algn="l"/>
-                <a:tab pos="8143240" algn="l"/>
-                <a:tab pos="8724900" algn="l"/>
-                <a:tab pos="9306560" algn="l"/>
-              </a:tabLst>
-            </a:pPr>
-            <a:r>
-              <a:rPr lang="en-US" sz="1200" dirty="0">
-                <a:solidFill>
-                  <a:srgbClr val="F8F8F2"/>
-                </a:solidFill>
-                <a:ea typeface="Times New Roman" panose="02020603050405020304" pitchFamily="18" charset="0"/>
-                <a:cs typeface="Times New Roman" panose="02020603050405020304" pitchFamily="18" charset="0"/>
-              </a:rPr>
-              <a:t>        </a:t>
-            </a:r>
-            <a:r>
-              <a:rPr lang="en-US" sz="1200" dirty="0">
-                <a:solidFill>
-                  <a:srgbClr val="F92672"/>
-                </a:solidFill>
-                <a:ea typeface="Times New Roman" panose="02020603050405020304" pitchFamily="18" charset="0"/>
-                <a:cs typeface="Times New Roman" panose="02020603050405020304" pitchFamily="18" charset="0"/>
-              </a:rPr>
-              <a:t>&lt;li&gt;&lt;a</a:t>
-            </a:r>
-            <a:r>
-              <a:rPr lang="en-US" sz="1200" dirty="0">
-                <a:solidFill>
-                  <a:srgbClr val="F8F8F2"/>
-                </a:solidFill>
-                <a:ea typeface="Times New Roman" panose="02020603050405020304" pitchFamily="18" charset="0"/>
-                <a:cs typeface="Times New Roman" panose="02020603050405020304" pitchFamily="18" charset="0"/>
-              </a:rPr>
-              <a:t> </a:t>
-            </a:r>
-            <a:r>
-              <a:rPr lang="en-US" sz="1200" dirty="0" err="1">
-                <a:solidFill>
-                  <a:srgbClr val="A6E22E"/>
-                </a:solidFill>
-                <a:ea typeface="Times New Roman" panose="02020603050405020304" pitchFamily="18" charset="0"/>
-                <a:cs typeface="Times New Roman" panose="02020603050405020304" pitchFamily="18" charset="0"/>
-              </a:rPr>
-              <a:t>href</a:t>
-            </a:r>
-            <a:r>
-              <a:rPr lang="en-US" sz="1200" dirty="0">
-                <a:solidFill>
-                  <a:srgbClr val="A6E22E"/>
-                </a:solidFill>
-                <a:ea typeface="Times New Roman" panose="02020603050405020304" pitchFamily="18" charset="0"/>
-                <a:cs typeface="Times New Roman" panose="02020603050405020304" pitchFamily="18" charset="0"/>
-              </a:rPr>
-              <a:t>=</a:t>
-            </a:r>
-            <a:r>
-              <a:rPr lang="en-US" sz="1200" dirty="0">
-                <a:solidFill>
-                  <a:srgbClr val="E6DB74"/>
-                </a:solidFill>
-                <a:ea typeface="Times New Roman" panose="02020603050405020304" pitchFamily="18" charset="0"/>
-                <a:cs typeface="Times New Roman" panose="02020603050405020304" pitchFamily="18" charset="0"/>
-              </a:rPr>
-              <a:t>"#"</a:t>
-            </a:r>
-            <a:r>
-              <a:rPr lang="en-US" sz="1200" dirty="0">
-                <a:solidFill>
-                  <a:srgbClr val="F92672"/>
-                </a:solidFill>
-                <a:ea typeface="Times New Roman" panose="02020603050405020304" pitchFamily="18" charset="0"/>
-                <a:cs typeface="Times New Roman" panose="02020603050405020304" pitchFamily="18" charset="0"/>
-              </a:rPr>
-              <a:t>&gt;</a:t>
-            </a:r>
-            <a:r>
-              <a:rPr lang="en-US" sz="1200" dirty="0">
-                <a:solidFill>
-                  <a:srgbClr val="F8F8F2"/>
-                </a:solidFill>
-                <a:ea typeface="Times New Roman" panose="02020603050405020304" pitchFamily="18" charset="0"/>
-                <a:cs typeface="Times New Roman" panose="02020603050405020304" pitchFamily="18" charset="0"/>
-              </a:rPr>
-              <a:t>Link</a:t>
-            </a:r>
-            <a:r>
-              <a:rPr lang="en-US" sz="1200" dirty="0">
-                <a:solidFill>
-                  <a:srgbClr val="F92672"/>
-                </a:solidFill>
-                <a:ea typeface="Times New Roman" panose="02020603050405020304" pitchFamily="18" charset="0"/>
-                <a:cs typeface="Times New Roman" panose="02020603050405020304" pitchFamily="18" charset="0"/>
-              </a:rPr>
-              <a:t>&lt;/a&gt;&lt;/li&gt;</a:t>
-            </a:r>
-            <a:endParaRPr lang="en-US" sz="1200" dirty="0">
-              <a:ea typeface="Calibri" panose="020F0502020204030204" pitchFamily="34" charset="0"/>
-              <a:cs typeface="Times New Roman" panose="02020603050405020304" pitchFamily="18" charset="0"/>
-            </a:endParaRPr>
-          </a:p>
-          <a:p>
-            <a:pPr>
-              <a:tabLst>
-                <a:tab pos="581660" algn="l"/>
-                <a:tab pos="1163320" algn="l"/>
-                <a:tab pos="1744980" algn="l"/>
-                <a:tab pos="2326640" algn="l"/>
-                <a:tab pos="2908300" algn="l"/>
-                <a:tab pos="3489960" algn="l"/>
-                <a:tab pos="4071620" algn="l"/>
-                <a:tab pos="4653280" algn="l"/>
-                <a:tab pos="5234940" algn="l"/>
-                <a:tab pos="5816600" algn="l"/>
-                <a:tab pos="6398260" algn="l"/>
-                <a:tab pos="6979920" algn="l"/>
-                <a:tab pos="7561580" algn="l"/>
-                <a:tab pos="8143240" algn="l"/>
-                <a:tab pos="8724900" algn="l"/>
-                <a:tab pos="9306560" algn="l"/>
-              </a:tabLst>
-            </a:pPr>
-            <a:r>
-              <a:rPr lang="en-US" sz="1200" dirty="0">
-                <a:solidFill>
-                  <a:srgbClr val="F8F8F2"/>
-                </a:solidFill>
-                <a:ea typeface="Times New Roman" panose="02020603050405020304" pitchFamily="18" charset="0"/>
-                <a:cs typeface="Times New Roman" panose="02020603050405020304" pitchFamily="18" charset="0"/>
-              </a:rPr>
-              <a:t>        </a:t>
-            </a:r>
-            <a:r>
-              <a:rPr lang="en-US" sz="1200" dirty="0">
-                <a:solidFill>
-                  <a:srgbClr val="F92672"/>
-                </a:solidFill>
-                <a:ea typeface="Times New Roman" panose="02020603050405020304" pitchFamily="18" charset="0"/>
-                <a:cs typeface="Times New Roman" panose="02020603050405020304" pitchFamily="18" charset="0"/>
-              </a:rPr>
-              <a:t>&lt;li&gt;&lt;a</a:t>
-            </a:r>
-            <a:r>
-              <a:rPr lang="en-US" sz="1200" dirty="0">
-                <a:solidFill>
-                  <a:srgbClr val="F8F8F2"/>
-                </a:solidFill>
-                <a:ea typeface="Times New Roman" panose="02020603050405020304" pitchFamily="18" charset="0"/>
-                <a:cs typeface="Times New Roman" panose="02020603050405020304" pitchFamily="18" charset="0"/>
-              </a:rPr>
-              <a:t> </a:t>
-            </a:r>
-            <a:r>
-              <a:rPr lang="en-US" sz="1200" dirty="0" err="1">
-                <a:solidFill>
-                  <a:srgbClr val="A6E22E"/>
-                </a:solidFill>
-                <a:ea typeface="Times New Roman" panose="02020603050405020304" pitchFamily="18" charset="0"/>
-                <a:cs typeface="Times New Roman" panose="02020603050405020304" pitchFamily="18" charset="0"/>
-              </a:rPr>
-              <a:t>href</a:t>
-            </a:r>
-            <a:r>
-              <a:rPr lang="en-US" sz="1200" dirty="0">
-                <a:solidFill>
-                  <a:srgbClr val="A6E22E"/>
-                </a:solidFill>
-                <a:ea typeface="Times New Roman" panose="02020603050405020304" pitchFamily="18" charset="0"/>
-                <a:cs typeface="Times New Roman" panose="02020603050405020304" pitchFamily="18" charset="0"/>
-              </a:rPr>
-              <a:t>=</a:t>
-            </a:r>
-            <a:r>
-              <a:rPr lang="en-US" sz="1200" dirty="0">
-                <a:solidFill>
-                  <a:srgbClr val="E6DB74"/>
-                </a:solidFill>
-                <a:ea typeface="Times New Roman" panose="02020603050405020304" pitchFamily="18" charset="0"/>
-                <a:cs typeface="Times New Roman" panose="02020603050405020304" pitchFamily="18" charset="0"/>
-              </a:rPr>
-              <a:t>"#"</a:t>
-            </a:r>
-            <a:r>
-              <a:rPr lang="en-US" sz="1200" dirty="0">
-                <a:solidFill>
-                  <a:srgbClr val="F92672"/>
-                </a:solidFill>
-                <a:ea typeface="Times New Roman" panose="02020603050405020304" pitchFamily="18" charset="0"/>
-                <a:cs typeface="Times New Roman" panose="02020603050405020304" pitchFamily="18" charset="0"/>
-              </a:rPr>
-              <a:t>&gt;</a:t>
-            </a:r>
-            <a:r>
-              <a:rPr lang="en-US" sz="1200" dirty="0">
-                <a:solidFill>
-                  <a:srgbClr val="F8F8F2"/>
-                </a:solidFill>
-                <a:ea typeface="Times New Roman" panose="02020603050405020304" pitchFamily="18" charset="0"/>
-                <a:cs typeface="Times New Roman" panose="02020603050405020304" pitchFamily="18" charset="0"/>
-              </a:rPr>
-              <a:t>Link</a:t>
-            </a:r>
-            <a:r>
-              <a:rPr lang="en-US" sz="1200" dirty="0">
-                <a:solidFill>
-                  <a:srgbClr val="F92672"/>
-                </a:solidFill>
-                <a:ea typeface="Times New Roman" panose="02020603050405020304" pitchFamily="18" charset="0"/>
-                <a:cs typeface="Times New Roman" panose="02020603050405020304" pitchFamily="18" charset="0"/>
-              </a:rPr>
-              <a:t>&lt;/a&gt;&lt;/li&gt;</a:t>
-            </a:r>
-            <a:endParaRPr lang="en-US" sz="1200" dirty="0">
-              <a:ea typeface="Calibri" panose="020F0502020204030204" pitchFamily="34" charset="0"/>
-              <a:cs typeface="Times New Roman" panose="02020603050405020304" pitchFamily="18" charset="0"/>
-            </a:endParaRPr>
-          </a:p>
-          <a:p>
-            <a:pPr>
-              <a:tabLst>
-                <a:tab pos="581660" algn="l"/>
-                <a:tab pos="1163320" algn="l"/>
-                <a:tab pos="1744980" algn="l"/>
-                <a:tab pos="2326640" algn="l"/>
-                <a:tab pos="2908300" algn="l"/>
-                <a:tab pos="3489960" algn="l"/>
-                <a:tab pos="4071620" algn="l"/>
-                <a:tab pos="4653280" algn="l"/>
-                <a:tab pos="5234940" algn="l"/>
-                <a:tab pos="5816600" algn="l"/>
-                <a:tab pos="6398260" algn="l"/>
-                <a:tab pos="6979920" algn="l"/>
-                <a:tab pos="7561580" algn="l"/>
-                <a:tab pos="8143240" algn="l"/>
-                <a:tab pos="8724900" algn="l"/>
-                <a:tab pos="9306560" algn="l"/>
-              </a:tabLst>
-            </a:pPr>
-            <a:r>
-              <a:rPr lang="en-US" sz="1200" dirty="0">
-                <a:solidFill>
-                  <a:srgbClr val="F8F8F2"/>
-                </a:solidFill>
-                <a:ea typeface="Times New Roman" panose="02020603050405020304" pitchFamily="18" charset="0"/>
-                <a:cs typeface="Times New Roman" panose="02020603050405020304" pitchFamily="18" charset="0"/>
-              </a:rPr>
-              <a:t>        </a:t>
-            </a:r>
-            <a:r>
-              <a:rPr lang="en-US" sz="1200" dirty="0">
-                <a:solidFill>
-                  <a:srgbClr val="F92672"/>
-                </a:solidFill>
-                <a:ea typeface="Times New Roman" panose="02020603050405020304" pitchFamily="18" charset="0"/>
-                <a:cs typeface="Times New Roman" panose="02020603050405020304" pitchFamily="18" charset="0"/>
-              </a:rPr>
-              <a:t>&lt;p</a:t>
-            </a:r>
-            <a:r>
-              <a:rPr lang="en-US" sz="1200" dirty="0">
-                <a:solidFill>
-                  <a:srgbClr val="F8F8F2"/>
-                </a:solidFill>
-                <a:ea typeface="Times New Roman" panose="02020603050405020304" pitchFamily="18" charset="0"/>
-                <a:cs typeface="Times New Roman" panose="02020603050405020304" pitchFamily="18" charset="0"/>
-              </a:rPr>
-              <a:t> </a:t>
-            </a:r>
-            <a:r>
-              <a:rPr lang="en-US" sz="1200" dirty="0">
-                <a:solidFill>
-                  <a:srgbClr val="A6E22E"/>
-                </a:solidFill>
-                <a:ea typeface="Times New Roman" panose="02020603050405020304" pitchFamily="18" charset="0"/>
-                <a:cs typeface="Times New Roman" panose="02020603050405020304" pitchFamily="18" charset="0"/>
-              </a:rPr>
-              <a:t>class=</a:t>
-            </a:r>
-            <a:r>
-              <a:rPr lang="en-US" sz="1200" dirty="0">
-                <a:solidFill>
-                  <a:srgbClr val="E6DB74"/>
-                </a:solidFill>
-                <a:ea typeface="Times New Roman" panose="02020603050405020304" pitchFamily="18" charset="0"/>
-                <a:cs typeface="Times New Roman" panose="02020603050405020304" pitchFamily="18" charset="0"/>
-              </a:rPr>
-              <a:t>"</a:t>
-            </a:r>
-            <a:r>
-              <a:rPr lang="en-US" sz="1200" dirty="0" err="1">
-                <a:solidFill>
-                  <a:srgbClr val="E6DB74"/>
-                </a:solidFill>
-                <a:ea typeface="Times New Roman" panose="02020603050405020304" pitchFamily="18" charset="0"/>
-                <a:cs typeface="Times New Roman" panose="02020603050405020304" pitchFamily="18" charset="0"/>
-              </a:rPr>
-              <a:t>navbar</a:t>
-            </a:r>
-            <a:r>
-              <a:rPr lang="en-US" sz="1200" dirty="0">
-                <a:solidFill>
-                  <a:srgbClr val="E6DB74"/>
-                </a:solidFill>
-                <a:ea typeface="Times New Roman" panose="02020603050405020304" pitchFamily="18" charset="0"/>
-                <a:cs typeface="Times New Roman" panose="02020603050405020304" pitchFamily="18" charset="0"/>
-              </a:rPr>
-              <a:t>-text pull-right"</a:t>
-            </a:r>
-            <a:r>
-              <a:rPr lang="en-US" sz="1200" dirty="0">
-                <a:solidFill>
-                  <a:srgbClr val="F92672"/>
-                </a:solidFill>
-                <a:ea typeface="Times New Roman" panose="02020603050405020304" pitchFamily="18" charset="0"/>
-                <a:cs typeface="Times New Roman" panose="02020603050405020304" pitchFamily="18" charset="0"/>
-              </a:rPr>
-              <a:t>&gt;</a:t>
-            </a:r>
-            <a:r>
-              <a:rPr lang="en-US" sz="1200" dirty="0">
-                <a:solidFill>
-                  <a:srgbClr val="F8F8F2"/>
-                </a:solidFill>
-                <a:ea typeface="Times New Roman" panose="02020603050405020304" pitchFamily="18" charset="0"/>
-                <a:cs typeface="Times New Roman" panose="02020603050405020304" pitchFamily="18" charset="0"/>
-              </a:rPr>
-              <a:t>Signed in as </a:t>
-            </a:r>
-            <a:r>
-              <a:rPr lang="en-US" sz="1200" dirty="0">
-                <a:solidFill>
-                  <a:srgbClr val="F92672"/>
-                </a:solidFill>
-                <a:ea typeface="Times New Roman" panose="02020603050405020304" pitchFamily="18" charset="0"/>
-                <a:cs typeface="Times New Roman" panose="02020603050405020304" pitchFamily="18" charset="0"/>
-              </a:rPr>
-              <a:t>&lt;a</a:t>
-            </a:r>
-            <a:r>
-              <a:rPr lang="en-US" sz="1200" dirty="0">
-                <a:solidFill>
-                  <a:srgbClr val="F8F8F2"/>
-                </a:solidFill>
-                <a:ea typeface="Times New Roman" panose="02020603050405020304" pitchFamily="18" charset="0"/>
-                <a:cs typeface="Times New Roman" panose="02020603050405020304" pitchFamily="18" charset="0"/>
-              </a:rPr>
-              <a:t> </a:t>
-            </a:r>
-            <a:r>
-              <a:rPr lang="en-US" sz="1200" dirty="0" err="1">
-                <a:solidFill>
-                  <a:srgbClr val="A6E22E"/>
-                </a:solidFill>
-                <a:ea typeface="Times New Roman" panose="02020603050405020304" pitchFamily="18" charset="0"/>
-                <a:cs typeface="Times New Roman" panose="02020603050405020304" pitchFamily="18" charset="0"/>
-              </a:rPr>
-              <a:t>href</a:t>
-            </a:r>
-            <a:r>
-              <a:rPr lang="en-US" sz="1200" dirty="0">
-                <a:solidFill>
-                  <a:srgbClr val="A6E22E"/>
-                </a:solidFill>
-                <a:ea typeface="Times New Roman" panose="02020603050405020304" pitchFamily="18" charset="0"/>
-                <a:cs typeface="Times New Roman" panose="02020603050405020304" pitchFamily="18" charset="0"/>
-              </a:rPr>
-              <a:t>=</a:t>
-            </a:r>
-            <a:r>
-              <a:rPr lang="en-US" sz="1200" dirty="0">
-                <a:solidFill>
-                  <a:srgbClr val="E6DB74"/>
-                </a:solidFill>
-                <a:ea typeface="Times New Roman" panose="02020603050405020304" pitchFamily="18" charset="0"/>
-                <a:cs typeface="Times New Roman" panose="02020603050405020304" pitchFamily="18" charset="0"/>
-              </a:rPr>
-              <a:t>"#“ </a:t>
-            </a:r>
-            <a:r>
-              <a:rPr lang="en-US" sz="1200" dirty="0">
-                <a:solidFill>
-                  <a:srgbClr val="A6E22E"/>
-                </a:solidFill>
-                <a:ea typeface="Times New Roman" panose="02020603050405020304" pitchFamily="18" charset="0"/>
-                <a:cs typeface="Times New Roman" panose="02020603050405020304" pitchFamily="18" charset="0"/>
-              </a:rPr>
-              <a:t>class=</a:t>
-            </a:r>
-            <a:r>
-              <a:rPr lang="en-US" sz="1200" dirty="0">
-                <a:solidFill>
-                  <a:srgbClr val="E6DB74"/>
-                </a:solidFill>
-                <a:ea typeface="Times New Roman" panose="02020603050405020304" pitchFamily="18" charset="0"/>
-                <a:cs typeface="Times New Roman" panose="02020603050405020304" pitchFamily="18" charset="0"/>
-              </a:rPr>
-              <a:t>"</a:t>
-            </a:r>
-            <a:r>
-              <a:rPr lang="en-US" sz="1200" dirty="0" err="1">
-                <a:solidFill>
-                  <a:srgbClr val="E6DB74"/>
-                </a:solidFill>
-                <a:ea typeface="Times New Roman" panose="02020603050405020304" pitchFamily="18" charset="0"/>
-                <a:cs typeface="Times New Roman" panose="02020603050405020304" pitchFamily="18" charset="0"/>
-              </a:rPr>
-              <a:t>navbar</a:t>
-            </a:r>
-            <a:r>
-              <a:rPr lang="en-US" sz="1200" dirty="0">
-                <a:solidFill>
-                  <a:srgbClr val="E6DB74"/>
-                </a:solidFill>
-                <a:ea typeface="Times New Roman" panose="02020603050405020304" pitchFamily="18" charset="0"/>
-                <a:cs typeface="Times New Roman" panose="02020603050405020304" pitchFamily="18" charset="0"/>
-              </a:rPr>
-              <a:t>-link"</a:t>
-            </a:r>
-            <a:r>
-              <a:rPr lang="en-US" sz="1200" dirty="0">
-                <a:solidFill>
-                  <a:srgbClr val="F92672"/>
-                </a:solidFill>
-                <a:ea typeface="Times New Roman" panose="02020603050405020304" pitchFamily="18" charset="0"/>
-                <a:cs typeface="Times New Roman" panose="02020603050405020304" pitchFamily="18" charset="0"/>
-              </a:rPr>
-              <a:t>&gt;</a:t>
-            </a:r>
-            <a:r>
-              <a:rPr lang="en-US" sz="1200" dirty="0">
-                <a:solidFill>
-                  <a:srgbClr val="F8F8F2"/>
-                </a:solidFill>
-                <a:ea typeface="Times New Roman" panose="02020603050405020304" pitchFamily="18" charset="0"/>
-                <a:cs typeface="Times New Roman" panose="02020603050405020304" pitchFamily="18" charset="0"/>
-              </a:rPr>
-              <a:t>User</a:t>
-            </a:r>
-            <a:r>
-              <a:rPr lang="en-US" sz="1200" dirty="0">
-                <a:solidFill>
-                  <a:srgbClr val="F92672"/>
-                </a:solidFill>
-                <a:ea typeface="Times New Roman" panose="02020603050405020304" pitchFamily="18" charset="0"/>
-                <a:cs typeface="Times New Roman" panose="02020603050405020304" pitchFamily="18" charset="0"/>
-              </a:rPr>
-              <a:t>&lt;/a&gt;&lt;/p&gt;</a:t>
-            </a:r>
-            <a:endParaRPr lang="en-US" sz="1200" dirty="0">
-              <a:ea typeface="Calibri" panose="020F0502020204030204" pitchFamily="34" charset="0"/>
-              <a:cs typeface="Times New Roman" panose="02020603050405020304" pitchFamily="18" charset="0"/>
-            </a:endParaRPr>
-          </a:p>
-          <a:p>
-            <a:pPr>
-              <a:tabLst>
-                <a:tab pos="581660" algn="l"/>
-                <a:tab pos="1163320" algn="l"/>
-                <a:tab pos="1744980" algn="l"/>
-                <a:tab pos="2326640" algn="l"/>
-                <a:tab pos="2908300" algn="l"/>
-                <a:tab pos="3489960" algn="l"/>
-                <a:tab pos="4071620" algn="l"/>
-                <a:tab pos="4653280" algn="l"/>
-                <a:tab pos="5234940" algn="l"/>
-                <a:tab pos="5816600" algn="l"/>
-                <a:tab pos="6398260" algn="l"/>
-                <a:tab pos="6979920" algn="l"/>
-                <a:tab pos="7561580" algn="l"/>
-                <a:tab pos="8143240" algn="l"/>
-                <a:tab pos="8724900" algn="l"/>
-                <a:tab pos="9306560" algn="l"/>
-              </a:tabLst>
-            </a:pPr>
-            <a:r>
-              <a:rPr lang="en-US" sz="1200" dirty="0">
-                <a:solidFill>
-                  <a:srgbClr val="F8F8F2"/>
-                </a:solidFill>
-                <a:ea typeface="Times New Roman" panose="02020603050405020304" pitchFamily="18" charset="0"/>
-                <a:cs typeface="Times New Roman" panose="02020603050405020304" pitchFamily="18" charset="0"/>
-              </a:rPr>
-              <a:t>    </a:t>
-            </a:r>
-            <a:r>
-              <a:rPr lang="en-US" sz="1200" dirty="0">
-                <a:solidFill>
-                  <a:srgbClr val="F92672"/>
-                </a:solidFill>
-                <a:ea typeface="Times New Roman" panose="02020603050405020304" pitchFamily="18" charset="0"/>
-                <a:cs typeface="Times New Roman" panose="02020603050405020304" pitchFamily="18" charset="0"/>
-              </a:rPr>
-              <a:t>&lt;/</a:t>
-            </a:r>
-            <a:r>
-              <a:rPr lang="en-US" sz="1200" dirty="0" err="1">
-                <a:solidFill>
-                  <a:srgbClr val="F92672"/>
-                </a:solidFill>
-                <a:ea typeface="Times New Roman" panose="02020603050405020304" pitchFamily="18" charset="0"/>
-                <a:cs typeface="Times New Roman" panose="02020603050405020304" pitchFamily="18" charset="0"/>
-              </a:rPr>
-              <a:t>ul</a:t>
-            </a:r>
-            <a:r>
-              <a:rPr lang="en-US" sz="1200" dirty="0">
-                <a:solidFill>
-                  <a:srgbClr val="F92672"/>
-                </a:solidFill>
-                <a:ea typeface="Times New Roman" panose="02020603050405020304" pitchFamily="18" charset="0"/>
-                <a:cs typeface="Times New Roman" panose="02020603050405020304" pitchFamily="18" charset="0"/>
-              </a:rPr>
-              <a:t>&gt;</a:t>
-            </a:r>
-            <a:endParaRPr lang="en-US" sz="1200" dirty="0">
-              <a:ea typeface="Calibri" panose="020F0502020204030204" pitchFamily="34" charset="0"/>
-              <a:cs typeface="Times New Roman" panose="02020603050405020304" pitchFamily="18" charset="0"/>
-            </a:endParaRPr>
-          </a:p>
-          <a:p>
-            <a:pPr>
-              <a:tabLst>
-                <a:tab pos="581660" algn="l"/>
-                <a:tab pos="1163320" algn="l"/>
-                <a:tab pos="1744980" algn="l"/>
-                <a:tab pos="2326640" algn="l"/>
-                <a:tab pos="2908300" algn="l"/>
-                <a:tab pos="3489960" algn="l"/>
-                <a:tab pos="4071620" algn="l"/>
-                <a:tab pos="4653280" algn="l"/>
-                <a:tab pos="5234940" algn="l"/>
-                <a:tab pos="5816600" algn="l"/>
-                <a:tab pos="6398260" algn="l"/>
-                <a:tab pos="6979920" algn="l"/>
-                <a:tab pos="7561580" algn="l"/>
-                <a:tab pos="8143240" algn="l"/>
-                <a:tab pos="8724900" algn="l"/>
-                <a:tab pos="9306560" algn="l"/>
-              </a:tabLst>
-            </a:pPr>
-            <a:r>
-              <a:rPr lang="en-US" sz="1200" dirty="0">
-                <a:solidFill>
-                  <a:srgbClr val="F92672"/>
-                </a:solidFill>
-                <a:ea typeface="Times New Roman" panose="02020603050405020304" pitchFamily="18" charset="0"/>
-                <a:cs typeface="Times New Roman" panose="02020603050405020304" pitchFamily="18" charset="0"/>
-              </a:rPr>
-              <a:t>&lt;/div&gt;</a:t>
-            </a:r>
-            <a:endParaRPr lang="en-US" sz="1200" dirty="0">
-              <a:ea typeface="Calibri" panose="020F0502020204030204" pitchFamily="34" charset="0"/>
-              <a:cs typeface="Times New Roman" panose="02020603050405020304" pitchFamily="18" charset="0"/>
-            </a:endParaRPr>
-          </a:p>
-          <a:p>
-            <a:endParaRPr lang="en-US" sz="1200" dirty="0" smtClean="0"/>
-          </a:p>
-          <a:p>
-            <a:pPr>
-              <a:tabLst>
-                <a:tab pos="581660" algn="l"/>
-                <a:tab pos="1163320" algn="l"/>
-                <a:tab pos="1744980" algn="l"/>
-                <a:tab pos="2326640" algn="l"/>
-                <a:tab pos="2908300" algn="l"/>
-                <a:tab pos="3489960" algn="l"/>
-                <a:tab pos="4071620" algn="l"/>
-                <a:tab pos="4653280" algn="l"/>
-                <a:tab pos="5234940" algn="l"/>
-                <a:tab pos="5816600" algn="l"/>
-                <a:tab pos="6398260" algn="l"/>
-                <a:tab pos="6979920" algn="l"/>
-                <a:tab pos="7561580" algn="l"/>
-                <a:tab pos="8143240" algn="l"/>
-                <a:tab pos="8724900" algn="l"/>
-                <a:tab pos="9306560" algn="l"/>
-              </a:tabLst>
-            </a:pPr>
-            <a:r>
-              <a:rPr lang="en-US" sz="1200" dirty="0">
-                <a:solidFill>
-                  <a:srgbClr val="F92672"/>
-                </a:solidFill>
-                <a:ea typeface="Times New Roman" panose="02020603050405020304" pitchFamily="18" charset="0"/>
-                <a:cs typeface="Times New Roman" panose="02020603050405020304" pitchFamily="18" charset="0"/>
-              </a:rPr>
-              <a:t>&lt;button</a:t>
-            </a:r>
-            <a:r>
-              <a:rPr lang="en-US" sz="1200" dirty="0">
-                <a:solidFill>
-                  <a:srgbClr val="F8F8F2"/>
-                </a:solidFill>
-                <a:ea typeface="Times New Roman" panose="02020603050405020304" pitchFamily="18" charset="0"/>
-                <a:cs typeface="Times New Roman" panose="02020603050405020304" pitchFamily="18" charset="0"/>
-              </a:rPr>
-              <a:t> </a:t>
-            </a:r>
-            <a:r>
-              <a:rPr lang="en-US" sz="1200" dirty="0">
-                <a:solidFill>
-                  <a:srgbClr val="A6E22E"/>
-                </a:solidFill>
-                <a:ea typeface="Times New Roman" panose="02020603050405020304" pitchFamily="18" charset="0"/>
-                <a:cs typeface="Times New Roman" panose="02020603050405020304" pitchFamily="18" charset="0"/>
-              </a:rPr>
-              <a:t>type=</a:t>
-            </a:r>
-            <a:r>
-              <a:rPr lang="en-US" sz="1200" dirty="0">
-                <a:solidFill>
-                  <a:srgbClr val="E6DB74"/>
-                </a:solidFill>
-                <a:ea typeface="Times New Roman" panose="02020603050405020304" pitchFamily="18" charset="0"/>
-                <a:cs typeface="Times New Roman" panose="02020603050405020304" pitchFamily="18" charset="0"/>
-              </a:rPr>
-              <a:t>"button"</a:t>
-            </a:r>
-            <a:r>
-              <a:rPr lang="en-US" sz="1200" dirty="0">
-                <a:solidFill>
-                  <a:srgbClr val="F8F8F2"/>
-                </a:solidFill>
-                <a:ea typeface="Times New Roman" panose="02020603050405020304" pitchFamily="18" charset="0"/>
-                <a:cs typeface="Times New Roman" panose="02020603050405020304" pitchFamily="18" charset="0"/>
-              </a:rPr>
-              <a:t> </a:t>
-            </a:r>
-            <a:r>
-              <a:rPr lang="en-US" sz="1200" dirty="0">
-                <a:solidFill>
-                  <a:srgbClr val="A6E22E"/>
-                </a:solidFill>
-                <a:ea typeface="Times New Roman" panose="02020603050405020304" pitchFamily="18" charset="0"/>
-                <a:cs typeface="Times New Roman" panose="02020603050405020304" pitchFamily="18" charset="0"/>
-              </a:rPr>
-              <a:t>class=</a:t>
-            </a:r>
-            <a:r>
-              <a:rPr lang="en-US" sz="1200" dirty="0">
-                <a:solidFill>
-                  <a:srgbClr val="E6DB74"/>
-                </a:solidFill>
-                <a:ea typeface="Times New Roman" panose="02020603050405020304" pitchFamily="18" charset="0"/>
-                <a:cs typeface="Times New Roman" panose="02020603050405020304" pitchFamily="18" charset="0"/>
-              </a:rPr>
-              <a:t>"</a:t>
-            </a:r>
-            <a:r>
-              <a:rPr lang="en-US" sz="1200" dirty="0" err="1">
-                <a:solidFill>
-                  <a:srgbClr val="E6DB74"/>
-                </a:solidFill>
-                <a:ea typeface="Times New Roman" panose="02020603050405020304" pitchFamily="18" charset="0"/>
-                <a:cs typeface="Times New Roman" panose="02020603050405020304" pitchFamily="18" charset="0"/>
-              </a:rPr>
-              <a:t>btn</a:t>
-            </a:r>
-            <a:r>
-              <a:rPr lang="en-US" sz="1200" dirty="0">
-                <a:solidFill>
-                  <a:srgbClr val="E6DB74"/>
-                </a:solidFill>
-                <a:ea typeface="Times New Roman" panose="02020603050405020304" pitchFamily="18" charset="0"/>
-                <a:cs typeface="Times New Roman" panose="02020603050405020304" pitchFamily="18" charset="0"/>
-              </a:rPr>
-              <a:t> </a:t>
-            </a:r>
-            <a:r>
-              <a:rPr lang="en-US" sz="1200" dirty="0" err="1">
-                <a:solidFill>
-                  <a:srgbClr val="E6DB74"/>
-                </a:solidFill>
-                <a:ea typeface="Times New Roman" panose="02020603050405020304" pitchFamily="18" charset="0"/>
-                <a:cs typeface="Times New Roman" panose="02020603050405020304" pitchFamily="18" charset="0"/>
-              </a:rPr>
-              <a:t>btn</a:t>
-            </a:r>
-            <a:r>
-              <a:rPr lang="en-US" sz="1200" dirty="0">
-                <a:solidFill>
-                  <a:srgbClr val="E6DB74"/>
-                </a:solidFill>
-                <a:ea typeface="Times New Roman" panose="02020603050405020304" pitchFamily="18" charset="0"/>
-                <a:cs typeface="Times New Roman" panose="02020603050405020304" pitchFamily="18" charset="0"/>
-              </a:rPr>
-              <a:t>-primary </a:t>
-            </a:r>
-            <a:r>
-              <a:rPr lang="en-US" sz="1200" dirty="0" err="1">
-                <a:solidFill>
-                  <a:srgbClr val="E6DB74"/>
-                </a:solidFill>
-                <a:ea typeface="Times New Roman" panose="02020603050405020304" pitchFamily="18" charset="0"/>
-                <a:cs typeface="Times New Roman" panose="02020603050405020304" pitchFamily="18" charset="0"/>
-              </a:rPr>
-              <a:t>btn-lg</a:t>
-            </a:r>
-            <a:r>
-              <a:rPr lang="en-US" sz="1200" dirty="0">
-                <a:solidFill>
-                  <a:srgbClr val="E6DB74"/>
-                </a:solidFill>
-                <a:ea typeface="Times New Roman" panose="02020603050405020304" pitchFamily="18" charset="0"/>
-                <a:cs typeface="Times New Roman" panose="02020603050405020304" pitchFamily="18" charset="0"/>
-              </a:rPr>
-              <a:t>"</a:t>
-            </a:r>
-            <a:r>
-              <a:rPr lang="en-US" sz="1200" dirty="0">
-                <a:solidFill>
-                  <a:srgbClr val="F92672"/>
-                </a:solidFill>
-                <a:ea typeface="Times New Roman" panose="02020603050405020304" pitchFamily="18" charset="0"/>
-                <a:cs typeface="Times New Roman" panose="02020603050405020304" pitchFamily="18" charset="0"/>
-              </a:rPr>
-              <a:t>&gt;</a:t>
-            </a:r>
-            <a:endParaRPr lang="en-US" sz="1200" dirty="0">
-              <a:ea typeface="Calibri" panose="020F0502020204030204" pitchFamily="34" charset="0"/>
-              <a:cs typeface="Times New Roman" panose="02020603050405020304" pitchFamily="18" charset="0"/>
-            </a:endParaRPr>
-          </a:p>
-          <a:p>
-            <a:pPr>
-              <a:tabLst>
-                <a:tab pos="581660" algn="l"/>
-                <a:tab pos="1163320" algn="l"/>
-                <a:tab pos="1744980" algn="l"/>
-                <a:tab pos="2326640" algn="l"/>
-                <a:tab pos="2908300" algn="l"/>
-                <a:tab pos="3489960" algn="l"/>
-                <a:tab pos="4071620" algn="l"/>
-                <a:tab pos="4653280" algn="l"/>
-                <a:tab pos="5234940" algn="l"/>
-                <a:tab pos="5816600" algn="l"/>
-                <a:tab pos="6398260" algn="l"/>
-                <a:tab pos="6979920" algn="l"/>
-                <a:tab pos="7561580" algn="l"/>
-                <a:tab pos="8143240" algn="l"/>
-                <a:tab pos="8724900" algn="l"/>
-                <a:tab pos="9306560" algn="l"/>
-              </a:tabLst>
-            </a:pPr>
-            <a:r>
-              <a:rPr lang="en-US" sz="1200" dirty="0">
-                <a:solidFill>
-                  <a:srgbClr val="F8F8F2"/>
-                </a:solidFill>
-                <a:ea typeface="Times New Roman" panose="02020603050405020304" pitchFamily="18" charset="0"/>
-                <a:cs typeface="Times New Roman" panose="02020603050405020304" pitchFamily="18" charset="0"/>
-              </a:rPr>
-              <a:t>    </a:t>
-            </a:r>
-            <a:r>
-              <a:rPr lang="en-US" sz="1200" dirty="0">
-                <a:solidFill>
-                  <a:srgbClr val="F92672"/>
-                </a:solidFill>
-                <a:ea typeface="Times New Roman" panose="02020603050405020304" pitchFamily="18" charset="0"/>
-                <a:cs typeface="Times New Roman" panose="02020603050405020304" pitchFamily="18" charset="0"/>
-              </a:rPr>
-              <a:t>&lt;span</a:t>
-            </a:r>
-            <a:r>
-              <a:rPr lang="en-US" sz="1200" dirty="0">
-                <a:solidFill>
-                  <a:srgbClr val="F8F8F2"/>
-                </a:solidFill>
-                <a:ea typeface="Times New Roman" panose="02020603050405020304" pitchFamily="18" charset="0"/>
-                <a:cs typeface="Times New Roman" panose="02020603050405020304" pitchFamily="18" charset="0"/>
-              </a:rPr>
-              <a:t> </a:t>
-            </a:r>
-            <a:r>
-              <a:rPr lang="en-US" sz="1200" dirty="0">
-                <a:solidFill>
-                  <a:srgbClr val="A6E22E"/>
-                </a:solidFill>
-                <a:ea typeface="Times New Roman" panose="02020603050405020304" pitchFamily="18" charset="0"/>
-                <a:cs typeface="Times New Roman" panose="02020603050405020304" pitchFamily="18" charset="0"/>
-              </a:rPr>
-              <a:t>class=</a:t>
-            </a:r>
-            <a:r>
-              <a:rPr lang="en-US" sz="1200" dirty="0">
-                <a:solidFill>
-                  <a:srgbClr val="E6DB74"/>
-                </a:solidFill>
-                <a:ea typeface="Times New Roman" panose="02020603050405020304" pitchFamily="18" charset="0"/>
-                <a:cs typeface="Times New Roman" panose="02020603050405020304" pitchFamily="18" charset="0"/>
-              </a:rPr>
-              <a:t>"</a:t>
-            </a:r>
-            <a:r>
-              <a:rPr lang="en-US" sz="1200" dirty="0" err="1">
-                <a:solidFill>
-                  <a:srgbClr val="E6DB74"/>
-                </a:solidFill>
-                <a:ea typeface="Times New Roman" panose="02020603050405020304" pitchFamily="18" charset="0"/>
-                <a:cs typeface="Times New Roman" panose="02020603050405020304" pitchFamily="18" charset="0"/>
-              </a:rPr>
-              <a:t>glyphicon</a:t>
-            </a:r>
-            <a:r>
-              <a:rPr lang="en-US" sz="1200" dirty="0">
-                <a:solidFill>
-                  <a:srgbClr val="E6DB74"/>
-                </a:solidFill>
-                <a:ea typeface="Times New Roman" panose="02020603050405020304" pitchFamily="18" charset="0"/>
-                <a:cs typeface="Times New Roman" panose="02020603050405020304" pitchFamily="18" charset="0"/>
-              </a:rPr>
-              <a:t> </a:t>
-            </a:r>
-            <a:r>
-              <a:rPr lang="en-US" sz="1200" dirty="0" err="1">
-                <a:solidFill>
-                  <a:srgbClr val="E6DB74"/>
-                </a:solidFill>
-                <a:ea typeface="Times New Roman" panose="02020603050405020304" pitchFamily="18" charset="0"/>
-                <a:cs typeface="Times New Roman" panose="02020603050405020304" pitchFamily="18" charset="0"/>
-              </a:rPr>
-              <a:t>glyphicon</a:t>
-            </a:r>
-            <a:r>
-              <a:rPr lang="en-US" sz="1200" dirty="0">
-                <a:solidFill>
-                  <a:srgbClr val="E6DB74"/>
-                </a:solidFill>
-                <a:ea typeface="Times New Roman" panose="02020603050405020304" pitchFamily="18" charset="0"/>
-                <a:cs typeface="Times New Roman" panose="02020603050405020304" pitchFamily="18" charset="0"/>
-              </a:rPr>
-              <a:t>-heart"</a:t>
-            </a:r>
-            <a:r>
-              <a:rPr lang="en-US" sz="1200" dirty="0">
-                <a:solidFill>
-                  <a:srgbClr val="F92672"/>
-                </a:solidFill>
-                <a:ea typeface="Times New Roman" panose="02020603050405020304" pitchFamily="18" charset="0"/>
-                <a:cs typeface="Times New Roman" panose="02020603050405020304" pitchFamily="18" charset="0"/>
-              </a:rPr>
-              <a:t>&gt;&lt;/span&gt;</a:t>
-            </a:r>
-            <a:endParaRPr lang="en-US" sz="1200" dirty="0">
-              <a:ea typeface="Calibri" panose="020F0502020204030204" pitchFamily="34" charset="0"/>
-              <a:cs typeface="Times New Roman" panose="02020603050405020304" pitchFamily="18" charset="0"/>
-            </a:endParaRPr>
-          </a:p>
-          <a:p>
-            <a:pPr>
-              <a:tabLst>
-                <a:tab pos="581660" algn="l"/>
-                <a:tab pos="1163320" algn="l"/>
-                <a:tab pos="1744980" algn="l"/>
-                <a:tab pos="2326640" algn="l"/>
-                <a:tab pos="2908300" algn="l"/>
-                <a:tab pos="3489960" algn="l"/>
-                <a:tab pos="4071620" algn="l"/>
-                <a:tab pos="4653280" algn="l"/>
-                <a:tab pos="5234940" algn="l"/>
-                <a:tab pos="5816600" algn="l"/>
-                <a:tab pos="6398260" algn="l"/>
-                <a:tab pos="6979920" algn="l"/>
-                <a:tab pos="7561580" algn="l"/>
-                <a:tab pos="8143240" algn="l"/>
-                <a:tab pos="8724900" algn="l"/>
-                <a:tab pos="9306560" algn="l"/>
-              </a:tabLst>
-            </a:pPr>
-            <a:r>
-              <a:rPr lang="en-US" sz="1200" dirty="0">
-                <a:solidFill>
-                  <a:srgbClr val="F8F8F2"/>
-                </a:solidFill>
-                <a:ea typeface="Times New Roman" panose="02020603050405020304" pitchFamily="18" charset="0"/>
-                <a:cs typeface="Times New Roman" panose="02020603050405020304" pitchFamily="18" charset="0"/>
-              </a:rPr>
-              <a:t>    Like</a:t>
-            </a:r>
-            <a:endParaRPr lang="en-US" sz="1200" dirty="0">
-              <a:ea typeface="Calibri" panose="020F0502020204030204" pitchFamily="34" charset="0"/>
-              <a:cs typeface="Times New Roman" panose="02020603050405020304" pitchFamily="18" charset="0"/>
-            </a:endParaRPr>
-          </a:p>
-          <a:p>
-            <a:pPr>
-              <a:tabLst>
-                <a:tab pos="581660" algn="l"/>
-                <a:tab pos="1163320" algn="l"/>
-                <a:tab pos="1744980" algn="l"/>
-                <a:tab pos="2326640" algn="l"/>
-                <a:tab pos="2908300" algn="l"/>
-                <a:tab pos="3489960" algn="l"/>
-                <a:tab pos="4071620" algn="l"/>
-                <a:tab pos="4653280" algn="l"/>
-                <a:tab pos="5234940" algn="l"/>
-                <a:tab pos="5816600" algn="l"/>
-                <a:tab pos="6398260" algn="l"/>
-                <a:tab pos="6979920" algn="l"/>
-                <a:tab pos="7561580" algn="l"/>
-                <a:tab pos="8143240" algn="l"/>
-                <a:tab pos="8724900" algn="l"/>
-                <a:tab pos="9306560" algn="l"/>
-              </a:tabLst>
-            </a:pPr>
-            <a:r>
-              <a:rPr lang="en-US" sz="1200" dirty="0">
-                <a:solidFill>
-                  <a:srgbClr val="F92672"/>
-                </a:solidFill>
-                <a:ea typeface="Times New Roman" panose="02020603050405020304" pitchFamily="18" charset="0"/>
-                <a:cs typeface="Times New Roman" panose="02020603050405020304" pitchFamily="18" charset="0"/>
-              </a:rPr>
-              <a:t>&lt;/button</a:t>
-            </a:r>
-            <a:r>
-              <a:rPr lang="en-US" sz="1200" dirty="0" smtClean="0">
-                <a:solidFill>
-                  <a:srgbClr val="F92672"/>
-                </a:solidFill>
-                <a:ea typeface="Times New Roman" panose="02020603050405020304" pitchFamily="18" charset="0"/>
-                <a:cs typeface="Times New Roman" panose="02020603050405020304" pitchFamily="18" charset="0"/>
-              </a:rPr>
-              <a:t>&gt;</a:t>
-            </a:r>
-          </a:p>
-          <a:p>
-            <a:pPr>
-              <a:tabLst>
-                <a:tab pos="581660" algn="l"/>
-                <a:tab pos="1163320" algn="l"/>
-                <a:tab pos="1744980" algn="l"/>
-                <a:tab pos="2326640" algn="l"/>
-                <a:tab pos="2908300" algn="l"/>
-                <a:tab pos="3489960" algn="l"/>
-                <a:tab pos="4071620" algn="l"/>
-                <a:tab pos="4653280" algn="l"/>
-                <a:tab pos="5234940" algn="l"/>
-                <a:tab pos="5816600" algn="l"/>
-                <a:tab pos="6398260" algn="l"/>
-                <a:tab pos="6979920" algn="l"/>
-                <a:tab pos="7561580" algn="l"/>
-                <a:tab pos="8143240" algn="l"/>
-                <a:tab pos="8724900" algn="l"/>
-                <a:tab pos="9306560" algn="l"/>
-              </a:tabLst>
-            </a:pPr>
-            <a:endParaRPr lang="en-US" sz="1200" dirty="0">
-              <a:solidFill>
-                <a:srgbClr val="F92672"/>
-              </a:solidFill>
-              <a:ea typeface="Calibri" panose="020F0502020204030204" pitchFamily="34" charset="0"/>
-              <a:cs typeface="Times New Roman" panose="02020603050405020304" pitchFamily="18" charset="0"/>
-            </a:endParaRPr>
-          </a:p>
-          <a:p>
-            <a:pPr>
-              <a:tabLst>
-                <a:tab pos="581660" algn="l"/>
-                <a:tab pos="1163320" algn="l"/>
-                <a:tab pos="1744980" algn="l"/>
-                <a:tab pos="2326640" algn="l"/>
-                <a:tab pos="2908300" algn="l"/>
-                <a:tab pos="3489960" algn="l"/>
-                <a:tab pos="4071620" algn="l"/>
-                <a:tab pos="4653280" algn="l"/>
-                <a:tab pos="5234940" algn="l"/>
-                <a:tab pos="5816600" algn="l"/>
-                <a:tab pos="6398260" algn="l"/>
-                <a:tab pos="6979920" algn="l"/>
-                <a:tab pos="7561580" algn="l"/>
-                <a:tab pos="8143240" algn="l"/>
-                <a:tab pos="8724900" algn="l"/>
-                <a:tab pos="9306560" algn="l"/>
-              </a:tabLst>
-            </a:pPr>
-            <a:endParaRPr lang="en-US" sz="1200" dirty="0">
-              <a:ea typeface="Calibri" panose="020F0502020204030204" pitchFamily="34" charset="0"/>
-              <a:cs typeface="Times New Roman" panose="02020603050405020304" pitchFamily="18" charset="0"/>
-            </a:endParaRPr>
-          </a:p>
-          <a:p>
-            <a:endParaRPr lang="en-US" sz="1200" dirty="0" smtClean="0"/>
+              <a:t>Real-time debug output</a:t>
+            </a:r>
+          </a:p>
+          <a:p>
+            <a:r>
+              <a:rPr lang="en-US" dirty="0" smtClean="0"/>
+              <a:t>Mix and match with other frameworks</a:t>
+            </a:r>
+          </a:p>
+          <a:p>
+            <a:r>
+              <a:rPr lang="en-US" dirty="0" smtClean="0"/>
+              <a:t>Tag agnostic</a:t>
+            </a:r>
+          </a:p>
+          <a:p>
+            <a:pPr lvl="1"/>
+            <a:r>
+              <a:rPr lang="en-US" dirty="0" smtClean="0"/>
+              <a:t>Use any HTML tags with UI elements</a:t>
+            </a:r>
+          </a:p>
+          <a:p>
+            <a:r>
+              <a:rPr lang="en-US" dirty="0" smtClean="0"/>
+              <a:t>Pretty</a:t>
+            </a:r>
           </a:p>
         </p:txBody>
       </p:sp>
     </p:spTree>
     <p:extLst>
       <p:ext uri="{BB962C8B-B14F-4D97-AF65-F5344CB8AC3E}">
-        <p14:creationId xmlns:p14="http://schemas.microsoft.com/office/powerpoint/2010/main" val="1779837938"/>
+        <p14:creationId xmlns:p14="http://schemas.microsoft.com/office/powerpoint/2010/main" val="3807974531"/>
       </p:ext>
     </p:extLst>
   </p:cSld>
@@ -7697,9 +5170,311 @@
   <p:timing>
     <p:tnLst>
       <p:par>
-        <p:cTn id="1" dur="indefinite" restart="never" nodeType="tmRoot"/>
+        <p:cTn id="1" dur="indefinite" restart="never" nodeType="tmRoot">
+          <p:childTnLst>
+            <p:seq concurrent="1" nextAc="seek">
+              <p:cTn id="2" dur="indefinite" nodeType="mainSeq">
+                <p:childTnLst>
+                  <p:par>
+                    <p:cTn id="3" fill="hold">
+                      <p:stCondLst>
+                        <p:cond delay="indefinite"/>
+                      </p:stCondLst>
+                      <p:childTnLst>
+                        <p:par>
+                          <p:cTn id="4" fill="hold">
+                            <p:stCondLst>
+                              <p:cond delay="0"/>
+                            </p:stCondLst>
+                            <p:childTnLst>
+                              <p:par>
+                                <p:cTn id="5" presetID="1" presetClass="entr" presetSubtype="0" fill="hold" grpId="0" nodeType="clickEffect">
+                                  <p:stCondLst>
+                                    <p:cond delay="0"/>
+                                  </p:stCondLst>
+                                  <p:childTnLst>
+                                    <p:set>
+                                      <p:cBhvr>
+                                        <p:cTn id="6" dur="1" fill="hold">
+                                          <p:stCondLst>
+                                            <p:cond delay="0"/>
+                                          </p:stCondLst>
+                                        </p:cTn>
+                                        <p:tgtEl>
+                                          <p:spTgt spid="3">
+                                            <p:txEl>
+                                              <p:pRg st="0" end="0"/>
+                                            </p:txEl>
+                                          </p:spTgt>
+                                        </p:tgtEl>
+                                        <p:attrNameLst>
+                                          <p:attrName>style.visibility</p:attrName>
+                                        </p:attrNameLst>
+                                      </p:cBhvr>
+                                      <p:to>
+                                        <p:strVal val="visible"/>
+                                      </p:to>
+                                    </p:set>
+                                  </p:childTnLst>
+                                </p:cTn>
+                              </p:par>
+                            </p:childTnLst>
+                          </p:cTn>
+                        </p:par>
+                      </p:childTnLst>
+                    </p:cTn>
+                  </p:par>
+                  <p:par>
+                    <p:cTn id="7" fill="hold">
+                      <p:stCondLst>
+                        <p:cond delay="indefinite"/>
+                      </p:stCondLst>
+                      <p:childTnLst>
+                        <p:par>
+                          <p:cTn id="8" fill="hold">
+                            <p:stCondLst>
+                              <p:cond delay="0"/>
+                            </p:stCondLst>
+                            <p:childTnLst>
+                              <p:par>
+                                <p:cTn id="9" presetID="1" presetClass="entr" presetSubtype="0" fill="hold" grpId="0" nodeType="clickEffect">
+                                  <p:stCondLst>
+                                    <p:cond delay="0"/>
+                                  </p:stCondLst>
+                                  <p:childTnLst>
+                                    <p:set>
+                                      <p:cBhvr>
+                                        <p:cTn id="10" dur="1" fill="hold">
+                                          <p:stCondLst>
+                                            <p:cond delay="0"/>
+                                          </p:stCondLst>
+                                        </p:cTn>
+                                        <p:tgtEl>
+                                          <p:spTgt spid="3">
+                                            <p:txEl>
+                                              <p:pRg st="1" end="1"/>
+                                            </p:txEl>
+                                          </p:spTgt>
+                                        </p:tgtEl>
+                                        <p:attrNameLst>
+                                          <p:attrName>style.visibility</p:attrName>
+                                        </p:attrNameLst>
+                                      </p:cBhvr>
+                                      <p:to>
+                                        <p:strVal val="visible"/>
+                                      </p:to>
+                                    </p:set>
+                                  </p:childTnLst>
+                                </p:cTn>
+                              </p:par>
+                            </p:childTnLst>
+                          </p:cTn>
+                        </p:par>
+                      </p:childTnLst>
+                    </p:cTn>
+                  </p:par>
+                  <p:par>
+                    <p:cTn id="11" fill="hold">
+                      <p:stCondLst>
+                        <p:cond delay="indefinite"/>
+                      </p:stCondLst>
+                      <p:childTnLst>
+                        <p:par>
+                          <p:cTn id="12" fill="hold">
+                            <p:stCondLst>
+                              <p:cond delay="0"/>
+                            </p:stCondLst>
+                            <p:childTnLst>
+                              <p:par>
+                                <p:cTn id="13" presetID="1" presetClass="entr" presetSubtype="0" fill="hold" grpId="0" nodeType="clickEffect">
+                                  <p:stCondLst>
+                                    <p:cond delay="0"/>
+                                  </p:stCondLst>
+                                  <p:childTnLst>
+                                    <p:set>
+                                      <p:cBhvr>
+                                        <p:cTn id="14" dur="1" fill="hold">
+                                          <p:stCondLst>
+                                            <p:cond delay="0"/>
+                                          </p:stCondLst>
+                                        </p:cTn>
+                                        <p:tgtEl>
+                                          <p:spTgt spid="3">
+                                            <p:txEl>
+                                              <p:pRg st="2" end="2"/>
+                                            </p:txEl>
+                                          </p:spTgt>
+                                        </p:tgtEl>
+                                        <p:attrNameLst>
+                                          <p:attrName>style.visibility</p:attrName>
+                                        </p:attrNameLst>
+                                      </p:cBhvr>
+                                      <p:to>
+                                        <p:strVal val="visible"/>
+                                      </p:to>
+                                    </p:set>
+                                  </p:childTnLst>
+                                </p:cTn>
+                              </p:par>
+                            </p:childTnLst>
+                          </p:cTn>
+                        </p:par>
+                      </p:childTnLst>
+                    </p:cTn>
+                  </p:par>
+                  <p:par>
+                    <p:cTn id="15" fill="hold">
+                      <p:stCondLst>
+                        <p:cond delay="indefinite"/>
+                      </p:stCondLst>
+                      <p:childTnLst>
+                        <p:par>
+                          <p:cTn id="16" fill="hold">
+                            <p:stCondLst>
+                              <p:cond delay="0"/>
+                            </p:stCondLst>
+                            <p:childTnLst>
+                              <p:par>
+                                <p:cTn id="17" presetID="1" presetClass="entr" presetSubtype="0" fill="hold" grpId="0" nodeType="clickEffect">
+                                  <p:stCondLst>
+                                    <p:cond delay="0"/>
+                                  </p:stCondLst>
+                                  <p:childTnLst>
+                                    <p:set>
+                                      <p:cBhvr>
+                                        <p:cTn id="18" dur="1" fill="hold">
+                                          <p:stCondLst>
+                                            <p:cond delay="0"/>
+                                          </p:stCondLst>
+                                        </p:cTn>
+                                        <p:tgtEl>
+                                          <p:spTgt spid="3">
+                                            <p:txEl>
+                                              <p:pRg st="3" end="3"/>
+                                            </p:txEl>
+                                          </p:spTgt>
+                                        </p:tgtEl>
+                                        <p:attrNameLst>
+                                          <p:attrName>style.visibility</p:attrName>
+                                        </p:attrNameLst>
+                                      </p:cBhvr>
+                                      <p:to>
+                                        <p:strVal val="visible"/>
+                                      </p:to>
+                                    </p:set>
+                                  </p:childTnLst>
+                                </p:cTn>
+                              </p:par>
+                              <p:par>
+                                <p:cTn id="19" presetID="1" presetClass="entr" presetSubtype="0" fill="hold" grpId="0" nodeType="withEffect">
+                                  <p:stCondLst>
+                                    <p:cond delay="0"/>
+                                  </p:stCondLst>
+                                  <p:childTnLst>
+                                    <p:set>
+                                      <p:cBhvr>
+                                        <p:cTn id="20" dur="1" fill="hold">
+                                          <p:stCondLst>
+                                            <p:cond delay="0"/>
+                                          </p:stCondLst>
+                                        </p:cTn>
+                                        <p:tgtEl>
+                                          <p:spTgt spid="3">
+                                            <p:txEl>
+                                              <p:pRg st="4" end="4"/>
+                                            </p:txEl>
+                                          </p:spTgt>
+                                        </p:tgtEl>
+                                        <p:attrNameLst>
+                                          <p:attrName>style.visibility</p:attrName>
+                                        </p:attrNameLst>
+                                      </p:cBhvr>
+                                      <p:to>
+                                        <p:strVal val="visible"/>
+                                      </p:to>
+                                    </p:set>
+                                  </p:childTnLst>
+                                </p:cTn>
+                              </p:par>
+                            </p:childTnLst>
+                          </p:cTn>
+                        </p:par>
+                      </p:childTnLst>
+                    </p:cTn>
+                  </p:par>
+                  <p:par>
+                    <p:cTn id="21" fill="hold">
+                      <p:stCondLst>
+                        <p:cond delay="indefinite"/>
+                      </p:stCondLst>
+                      <p:childTnLst>
+                        <p:par>
+                          <p:cTn id="22" fill="hold">
+                            <p:stCondLst>
+                              <p:cond delay="0"/>
+                            </p:stCondLst>
+                            <p:childTnLst>
+                              <p:par>
+                                <p:cTn id="23" presetID="1" presetClass="entr" presetSubtype="0" fill="hold" grpId="0" nodeType="clickEffect">
+                                  <p:stCondLst>
+                                    <p:cond delay="0"/>
+                                  </p:stCondLst>
+                                  <p:childTnLst>
+                                    <p:set>
+                                      <p:cBhvr>
+                                        <p:cTn id="24" dur="1" fill="hold">
+                                          <p:stCondLst>
+                                            <p:cond delay="0"/>
+                                          </p:stCondLst>
+                                        </p:cTn>
+                                        <p:tgtEl>
+                                          <p:spTgt spid="3">
+                                            <p:txEl>
+                                              <p:pRg st="5" end="5"/>
+                                            </p:txEl>
+                                          </p:spTgt>
+                                        </p:tgtEl>
+                                        <p:attrNameLst>
+                                          <p:attrName>style.visibility</p:attrName>
+                                        </p:attrNameLst>
+                                      </p:cBhvr>
+                                      <p:to>
+                                        <p:strVal val="visible"/>
+                                      </p:to>
+                                    </p:set>
+                                  </p:childTnLst>
+                                </p:cTn>
+                              </p:par>
+                            </p:childTnLst>
+                          </p:cTn>
+                        </p:par>
+                      </p:childTnLst>
+                    </p:cTn>
+                  </p:par>
+                </p:childTnLst>
+              </p:cTn>
+              <p:prevCondLst>
+                <p:cond evt="onPrev" delay="0">
+                  <p:tgtEl>
+                    <p:sldTgt/>
+                  </p:tgtEl>
+                </p:cond>
+              </p:prevCondLst>
+              <p:nextCondLst>
+                <p:cond evt="onNext" delay="0">
+                  <p:tgtEl>
+                    <p:sldTgt/>
+                  </p:tgtEl>
+                </p:cond>
+              </p:nextCondLst>
+            </p:seq>
+          </p:childTnLst>
+        </p:cTn>
       </p:par>
     </p:tnLst>
+    <p:bldLst>
+      <p:bldP spid="3" grpId="0" build="p"/>
+    </p:bldLst>
   </p:timing>
 </p:sld>
 </file>
@@ -7738,7 +5513,7 @@
           <a:p>
             <a:r>
               <a:rPr lang="en-US" dirty="0" smtClean="0"/>
-              <a:t>Pros</a:t>
+              <a:t>Cons</a:t>
             </a:r>
             <a:endParaRPr lang="en-US" dirty="0"/>
           </a:p>
@@ -7756,49 +5531,30 @@
         </p:nvSpPr>
         <p:spPr/>
         <p:txBody>
-          <a:bodyPr/>
+          <a:bodyPr anchor="ctr"/>
           <a:lstStyle/>
           <a:p>
             <a:r>
               <a:rPr lang="en-US" dirty="0" smtClean="0"/>
-              <a:t>Individual components</a:t>
+              <a:t>Work in progress</a:t>
             </a:r>
           </a:p>
           <a:p>
             <a:r>
               <a:rPr lang="en-US" dirty="0" smtClean="0"/>
-              <a:t>Real-time debug output</a:t>
+              <a:t>Prerelease – v0.18.0</a:t>
             </a:r>
           </a:p>
           <a:p>
             <a:r>
               <a:rPr lang="en-US" dirty="0" smtClean="0"/>
-              <a:t>Mix and match with other frameworks</a:t>
+              <a:t>Not as feature rich as other frameworks</a:t>
             </a:r>
           </a:p>
           <a:p>
             <a:r>
               <a:rPr lang="en-US" dirty="0" smtClean="0"/>
-              <a:t>Tag agnostic</a:t>
-            </a:r>
-          </a:p>
-          <a:p>
-            <a:pPr lvl="1"/>
-            <a:r>
-              <a:rPr lang="en-US" dirty="0" smtClean="0"/>
-              <a:t>Use any HTML tags with UI elements</a:t>
-            </a:r>
-          </a:p>
-          <a:p>
-            <a:r>
-              <a:rPr lang="en-US" dirty="0" smtClean="0"/>
-              <a:t>Pretty</a:t>
-            </a:r>
-          </a:p>
-          <a:p>
-            <a:r>
-              <a:rPr lang="en-US" dirty="0" smtClean="0"/>
-              <a:t>Has tests</a:t>
+              <a:t>The API needs work</a:t>
             </a:r>
           </a:p>
         </p:txBody>
@@ -7806,7 +5562,7 @@
     </p:spTree>
     <p:extLst>
       <p:ext uri="{BB962C8B-B14F-4D97-AF65-F5344CB8AC3E}">
-        <p14:creationId xmlns:p14="http://schemas.microsoft.com/office/powerpoint/2010/main" val="3807974531"/>
+        <p14:creationId xmlns:p14="http://schemas.microsoft.com/office/powerpoint/2010/main" val="3012688779"/>
       </p:ext>
     </p:extLst>
   </p:cSld>
@@ -7816,9 +5572,231 @@
   <p:timing>
     <p:tnLst>
       <p:par>
-        <p:cTn id="1" dur="indefinite" restart="never" nodeType="tmRoot"/>
+        <p:cTn id="1" dur="indefinite" restart="never" nodeType="tmRoot">
+          <p:childTnLst>
+            <p:seq concurrent="1" nextAc="seek">
+              <p:cTn id="2" dur="indefinite" nodeType="mainSeq">
+                <p:childTnLst>
+                  <p:par>
+                    <p:cTn id="3" fill="hold">
+                      <p:stCondLst>
+                        <p:cond delay="indefinite"/>
+                      </p:stCondLst>
+                      <p:childTnLst>
+                        <p:par>
+                          <p:cTn id="4" fill="hold">
+                            <p:stCondLst>
+                              <p:cond delay="0"/>
+                            </p:stCondLst>
+                            <p:childTnLst>
+                              <p:par>
+                                <p:cTn id="5" presetID="1" presetClass="entr" presetSubtype="0" fill="hold" grpId="0" nodeType="clickEffect">
+                                  <p:stCondLst>
+                                    <p:cond delay="0"/>
+                                  </p:stCondLst>
+                                  <p:childTnLst>
+                                    <p:set>
+                                      <p:cBhvr>
+                                        <p:cTn id="6" dur="1" fill="hold">
+                                          <p:stCondLst>
+                                            <p:cond delay="0"/>
+                                          </p:stCondLst>
+                                        </p:cTn>
+                                        <p:tgtEl>
+                                          <p:spTgt spid="3">
+                                            <p:txEl>
+                                              <p:pRg st="0" end="0"/>
+                                            </p:txEl>
+                                          </p:spTgt>
+                                        </p:tgtEl>
+                                        <p:attrNameLst>
+                                          <p:attrName>style.visibility</p:attrName>
+                                        </p:attrNameLst>
+                                      </p:cBhvr>
+                                      <p:to>
+                                        <p:strVal val="visible"/>
+                                      </p:to>
+                                    </p:set>
+                                  </p:childTnLst>
+                                </p:cTn>
+                              </p:par>
+                            </p:childTnLst>
+                          </p:cTn>
+                        </p:par>
+                      </p:childTnLst>
+                    </p:cTn>
+                  </p:par>
+                  <p:par>
+                    <p:cTn id="7" fill="hold">
+                      <p:stCondLst>
+                        <p:cond delay="indefinite"/>
+                      </p:stCondLst>
+                      <p:childTnLst>
+                        <p:par>
+                          <p:cTn id="8" fill="hold">
+                            <p:stCondLst>
+                              <p:cond delay="0"/>
+                            </p:stCondLst>
+                            <p:childTnLst>
+                              <p:par>
+                                <p:cTn id="9" presetID="1" presetClass="entr" presetSubtype="0" fill="hold" grpId="0" nodeType="clickEffect">
+                                  <p:stCondLst>
+                                    <p:cond delay="0"/>
+                                  </p:stCondLst>
+                                  <p:childTnLst>
+                                    <p:set>
+                                      <p:cBhvr>
+                                        <p:cTn id="10" dur="1" fill="hold">
+                                          <p:stCondLst>
+                                            <p:cond delay="0"/>
+                                          </p:stCondLst>
+                                        </p:cTn>
+                                        <p:tgtEl>
+                                          <p:spTgt spid="3">
+                                            <p:txEl>
+                                              <p:pRg st="1" end="1"/>
+                                            </p:txEl>
+                                          </p:spTgt>
+                                        </p:tgtEl>
+                                        <p:attrNameLst>
+                                          <p:attrName>style.visibility</p:attrName>
+                                        </p:attrNameLst>
+                                      </p:cBhvr>
+                                      <p:to>
+                                        <p:strVal val="visible"/>
+                                      </p:to>
+                                    </p:set>
+                                  </p:childTnLst>
+                                </p:cTn>
+                              </p:par>
+                            </p:childTnLst>
+                          </p:cTn>
+                        </p:par>
+                      </p:childTnLst>
+                    </p:cTn>
+                  </p:par>
+                  <p:par>
+                    <p:cTn id="11" fill="hold">
+                      <p:stCondLst>
+                        <p:cond delay="indefinite"/>
+                      </p:stCondLst>
+                      <p:childTnLst>
+                        <p:par>
+                          <p:cTn id="12" fill="hold">
+                            <p:stCondLst>
+                              <p:cond delay="0"/>
+                            </p:stCondLst>
+                            <p:childTnLst>
+                              <p:par>
+                                <p:cTn id="13" presetID="1" presetClass="entr" presetSubtype="0" fill="hold" grpId="0" nodeType="clickEffect">
+                                  <p:stCondLst>
+                                    <p:cond delay="0"/>
+                                  </p:stCondLst>
+                                  <p:childTnLst>
+                                    <p:set>
+                                      <p:cBhvr>
+                                        <p:cTn id="14" dur="1" fill="hold">
+                                          <p:stCondLst>
+                                            <p:cond delay="0"/>
+                                          </p:stCondLst>
+                                        </p:cTn>
+                                        <p:tgtEl>
+                                          <p:spTgt spid="3">
+                                            <p:txEl>
+                                              <p:pRg st="2" end="2"/>
+                                            </p:txEl>
+                                          </p:spTgt>
+                                        </p:tgtEl>
+                                        <p:attrNameLst>
+                                          <p:attrName>style.visibility</p:attrName>
+                                        </p:attrNameLst>
+                                      </p:cBhvr>
+                                      <p:to>
+                                        <p:strVal val="visible"/>
+                                      </p:to>
+                                    </p:set>
+                                  </p:childTnLst>
+                                </p:cTn>
+                              </p:par>
+                            </p:childTnLst>
+                          </p:cTn>
+                        </p:par>
+                      </p:childTnLst>
+                    </p:cTn>
+                  </p:par>
+                  <p:par>
+                    <p:cTn id="15" fill="hold">
+                      <p:stCondLst>
+                        <p:cond delay="indefinite"/>
+                      </p:stCondLst>
+                      <p:childTnLst>
+                        <p:par>
+                          <p:cTn id="16" fill="hold">
+                            <p:stCondLst>
+                              <p:cond delay="0"/>
+                            </p:stCondLst>
+                            <p:childTnLst>
+                              <p:par>
+                                <p:cTn id="17" presetID="1" presetClass="entr" presetSubtype="0" fill="hold" grpId="0" nodeType="clickEffect">
+                                  <p:stCondLst>
+                                    <p:cond delay="0"/>
+                                  </p:stCondLst>
+                                  <p:childTnLst>
+                                    <p:set>
+                                      <p:cBhvr>
+                                        <p:cTn id="18" dur="1" fill="hold">
+                                          <p:stCondLst>
+                                            <p:cond delay="0"/>
+                                          </p:stCondLst>
+                                        </p:cTn>
+                                        <p:tgtEl>
+                                          <p:spTgt spid="3">
+                                            <p:txEl>
+                                              <p:pRg st="3" end="3"/>
+                                            </p:txEl>
+                                          </p:spTgt>
+                                        </p:tgtEl>
+                                        <p:attrNameLst>
+                                          <p:attrName>style.visibility</p:attrName>
+                                        </p:attrNameLst>
+                                      </p:cBhvr>
+                                      <p:to>
+                                        <p:strVal val="visible"/>
+                                      </p:to>
+                                    </p:set>
+                                  </p:childTnLst>
+                                </p:cTn>
+                              </p:par>
+                            </p:childTnLst>
+                          </p:cTn>
+                        </p:par>
+                      </p:childTnLst>
+                    </p:cTn>
+                  </p:par>
+                </p:childTnLst>
+              </p:cTn>
+              <p:prevCondLst>
+                <p:cond evt="onPrev" delay="0">
+                  <p:tgtEl>
+                    <p:sldTgt/>
+                  </p:tgtEl>
+                </p:cond>
+              </p:prevCondLst>
+              <p:nextCondLst>
+                <p:cond evt="onNext" delay="0">
+                  <p:tgtEl>
+                    <p:sldTgt/>
+                  </p:tgtEl>
+                </p:cond>
+              </p:nextCondLst>
+            </p:seq>
+          </p:childTnLst>
+        </p:cTn>
       </p:par>
     </p:tnLst>
+    <p:bldLst>
+      <p:bldP spid="3" grpId="0" build="p"/>
+    </p:bldLst>
   </p:timing>
 </p:sld>
 </file>
@@ -7857,107 +5835,6 @@
           <a:p>
             <a:r>
               <a:rPr lang="en-US" dirty="0" smtClean="0"/>
-              <a:t>Cons</a:t>
-            </a:r>
-            <a:endParaRPr lang="en-US" dirty="0"/>
-          </a:p>
-        </p:txBody>
-      </p:sp>
-      <p:sp>
-        <p:nvSpPr>
-          <p:cNvPr id="3" name="Content Placeholder 2"/>
-          <p:cNvSpPr>
-            <a:spLocks noGrp="1"/>
-          </p:cNvSpPr>
-          <p:nvPr>
-            <p:ph idx="1"/>
-          </p:nvPr>
-        </p:nvSpPr>
-        <p:spPr/>
-        <p:txBody>
-          <a:bodyPr anchor="ctr"/>
-          <a:lstStyle/>
-          <a:p>
-            <a:r>
-              <a:rPr lang="en-US" dirty="0" smtClean="0"/>
-              <a:t>Work in progress</a:t>
-            </a:r>
-          </a:p>
-          <a:p>
-            <a:r>
-              <a:rPr lang="en-US" dirty="0" smtClean="0"/>
-              <a:t>Prerelease – v0.17.0</a:t>
-            </a:r>
-          </a:p>
-          <a:p>
-            <a:r>
-              <a:rPr lang="en-US" dirty="0" smtClean="0"/>
-              <a:t>Not as feature rich as other frameworks</a:t>
-            </a:r>
-          </a:p>
-          <a:p>
-            <a:r>
-              <a:rPr lang="en-US" dirty="0" smtClean="0"/>
-              <a:t>The API needs work</a:t>
-            </a:r>
-            <a:endParaRPr lang="en-US" dirty="0" smtClean="0"/>
-          </a:p>
-        </p:txBody>
-      </p:sp>
-    </p:spTree>
-    <p:extLst>
-      <p:ext uri="{BB962C8B-B14F-4D97-AF65-F5344CB8AC3E}">
-        <p14:creationId xmlns:p14="http://schemas.microsoft.com/office/powerpoint/2010/main" val="3012688779"/>
-      </p:ext>
-    </p:extLst>
-  </p:cSld>
-  <p:clrMapOvr>
-    <a:masterClrMapping/>
-  </p:clrMapOvr>
-  <p:timing>
-    <p:tnLst>
-      <p:par>
-        <p:cTn id="1" dur="indefinite" restart="never" nodeType="tmRoot"/>
-      </p:par>
-    </p:tnLst>
-  </p:timing>
-</p:sld>
-</file>
-
-<file path=ppt/slides/slide7.xml><?xml version="1.0" encoding="utf-8"?>
-<p:sld xmlns:a="http://schemas.openxmlformats.org/drawingml/2006/main" xmlns:r="http://schemas.openxmlformats.org/officeDocument/2006/relationships" xmlns:p="http://schemas.openxmlformats.org/presentationml/2006/main">
-  <p:cSld>
-    <p:spTree>
-      <p:nvGrpSpPr>
-        <p:cNvPr id="1" name=""/>
-        <p:cNvGrpSpPr/>
-        <p:nvPr/>
-      </p:nvGrpSpPr>
-      <p:grpSpPr>
-        <a:xfrm>
-          <a:off x="0" y="0"/>
-          <a:ext cx="0" cy="0"/>
-          <a:chOff x="0" y="0"/>
-          <a:chExt cx="0" cy="0"/>
-        </a:xfrm>
-      </p:grpSpPr>
-      <p:sp>
-        <p:nvSpPr>
-          <p:cNvPr id="2" name="Title 1"/>
-          <p:cNvSpPr>
-            <a:spLocks noGrp="1"/>
-          </p:cNvSpPr>
-          <p:nvPr>
-            <p:ph type="title"/>
-          </p:nvPr>
-        </p:nvSpPr>
-        <p:spPr/>
-        <p:txBody>
-          <a:bodyPr/>
-          <a:lstStyle/>
-          <a:p>
-            <a:r>
-              <a:rPr lang="en-US" dirty="0" smtClean="0"/>
               <a:t>Future</a:t>
             </a:r>
             <a:endParaRPr lang="en-US" dirty="0"/>
@@ -8017,14 +5894,236 @@
   <p:timing>
     <p:tnLst>
       <p:par>
-        <p:cTn id="1" dur="indefinite" restart="never" nodeType="tmRoot"/>
+        <p:cTn id="1" dur="indefinite" restart="never" nodeType="tmRoot">
+          <p:childTnLst>
+            <p:seq concurrent="1" nextAc="seek">
+              <p:cTn id="2" dur="indefinite" nodeType="mainSeq">
+                <p:childTnLst>
+                  <p:par>
+                    <p:cTn id="3" fill="hold">
+                      <p:stCondLst>
+                        <p:cond delay="indefinite"/>
+                      </p:stCondLst>
+                      <p:childTnLst>
+                        <p:par>
+                          <p:cTn id="4" fill="hold">
+                            <p:stCondLst>
+                              <p:cond delay="0"/>
+                            </p:stCondLst>
+                            <p:childTnLst>
+                              <p:par>
+                                <p:cTn id="5" presetID="1" presetClass="entr" presetSubtype="0" fill="hold" grpId="0" nodeType="clickEffect">
+                                  <p:stCondLst>
+                                    <p:cond delay="0"/>
+                                  </p:stCondLst>
+                                  <p:childTnLst>
+                                    <p:set>
+                                      <p:cBhvr>
+                                        <p:cTn id="6" dur="1" fill="hold">
+                                          <p:stCondLst>
+                                            <p:cond delay="0"/>
+                                          </p:stCondLst>
+                                        </p:cTn>
+                                        <p:tgtEl>
+                                          <p:spTgt spid="3">
+                                            <p:txEl>
+                                              <p:pRg st="0" end="0"/>
+                                            </p:txEl>
+                                          </p:spTgt>
+                                        </p:tgtEl>
+                                        <p:attrNameLst>
+                                          <p:attrName>style.visibility</p:attrName>
+                                        </p:attrNameLst>
+                                      </p:cBhvr>
+                                      <p:to>
+                                        <p:strVal val="visible"/>
+                                      </p:to>
+                                    </p:set>
+                                  </p:childTnLst>
+                                </p:cTn>
+                              </p:par>
+                            </p:childTnLst>
+                          </p:cTn>
+                        </p:par>
+                      </p:childTnLst>
+                    </p:cTn>
+                  </p:par>
+                  <p:par>
+                    <p:cTn id="7" fill="hold">
+                      <p:stCondLst>
+                        <p:cond delay="indefinite"/>
+                      </p:stCondLst>
+                      <p:childTnLst>
+                        <p:par>
+                          <p:cTn id="8" fill="hold">
+                            <p:stCondLst>
+                              <p:cond delay="0"/>
+                            </p:stCondLst>
+                            <p:childTnLst>
+                              <p:par>
+                                <p:cTn id="9" presetID="1" presetClass="entr" presetSubtype="0" fill="hold" grpId="0" nodeType="clickEffect">
+                                  <p:stCondLst>
+                                    <p:cond delay="0"/>
+                                  </p:stCondLst>
+                                  <p:childTnLst>
+                                    <p:set>
+                                      <p:cBhvr>
+                                        <p:cTn id="10" dur="1" fill="hold">
+                                          <p:stCondLst>
+                                            <p:cond delay="0"/>
+                                          </p:stCondLst>
+                                        </p:cTn>
+                                        <p:tgtEl>
+                                          <p:spTgt spid="3">
+                                            <p:txEl>
+                                              <p:pRg st="1" end="1"/>
+                                            </p:txEl>
+                                          </p:spTgt>
+                                        </p:tgtEl>
+                                        <p:attrNameLst>
+                                          <p:attrName>style.visibility</p:attrName>
+                                        </p:attrNameLst>
+                                      </p:cBhvr>
+                                      <p:to>
+                                        <p:strVal val="visible"/>
+                                      </p:to>
+                                    </p:set>
+                                  </p:childTnLst>
+                                </p:cTn>
+                              </p:par>
+                            </p:childTnLst>
+                          </p:cTn>
+                        </p:par>
+                      </p:childTnLst>
+                    </p:cTn>
+                  </p:par>
+                  <p:par>
+                    <p:cTn id="11" fill="hold">
+                      <p:stCondLst>
+                        <p:cond delay="indefinite"/>
+                      </p:stCondLst>
+                      <p:childTnLst>
+                        <p:par>
+                          <p:cTn id="12" fill="hold">
+                            <p:stCondLst>
+                              <p:cond delay="0"/>
+                            </p:stCondLst>
+                            <p:childTnLst>
+                              <p:par>
+                                <p:cTn id="13" presetID="1" presetClass="entr" presetSubtype="0" fill="hold" grpId="0" nodeType="clickEffect">
+                                  <p:stCondLst>
+                                    <p:cond delay="0"/>
+                                  </p:stCondLst>
+                                  <p:childTnLst>
+                                    <p:set>
+                                      <p:cBhvr>
+                                        <p:cTn id="14" dur="1" fill="hold">
+                                          <p:stCondLst>
+                                            <p:cond delay="0"/>
+                                          </p:stCondLst>
+                                        </p:cTn>
+                                        <p:tgtEl>
+                                          <p:spTgt spid="3">
+                                            <p:txEl>
+                                              <p:pRg st="2" end="2"/>
+                                            </p:txEl>
+                                          </p:spTgt>
+                                        </p:tgtEl>
+                                        <p:attrNameLst>
+                                          <p:attrName>style.visibility</p:attrName>
+                                        </p:attrNameLst>
+                                      </p:cBhvr>
+                                      <p:to>
+                                        <p:strVal val="visible"/>
+                                      </p:to>
+                                    </p:set>
+                                  </p:childTnLst>
+                                </p:cTn>
+                              </p:par>
+                            </p:childTnLst>
+                          </p:cTn>
+                        </p:par>
+                      </p:childTnLst>
+                    </p:cTn>
+                  </p:par>
+                  <p:par>
+                    <p:cTn id="15" fill="hold">
+                      <p:stCondLst>
+                        <p:cond delay="indefinite"/>
+                      </p:stCondLst>
+                      <p:childTnLst>
+                        <p:par>
+                          <p:cTn id="16" fill="hold">
+                            <p:stCondLst>
+                              <p:cond delay="0"/>
+                            </p:stCondLst>
+                            <p:childTnLst>
+                              <p:par>
+                                <p:cTn id="17" presetID="1" presetClass="entr" presetSubtype="0" fill="hold" grpId="0" nodeType="clickEffect">
+                                  <p:stCondLst>
+                                    <p:cond delay="0"/>
+                                  </p:stCondLst>
+                                  <p:childTnLst>
+                                    <p:set>
+                                      <p:cBhvr>
+                                        <p:cTn id="18" dur="1" fill="hold">
+                                          <p:stCondLst>
+                                            <p:cond delay="0"/>
+                                          </p:stCondLst>
+                                        </p:cTn>
+                                        <p:tgtEl>
+                                          <p:spTgt spid="3">
+                                            <p:txEl>
+                                              <p:pRg st="3" end="3"/>
+                                            </p:txEl>
+                                          </p:spTgt>
+                                        </p:tgtEl>
+                                        <p:attrNameLst>
+                                          <p:attrName>style.visibility</p:attrName>
+                                        </p:attrNameLst>
+                                      </p:cBhvr>
+                                      <p:to>
+                                        <p:strVal val="visible"/>
+                                      </p:to>
+                                    </p:set>
+                                  </p:childTnLst>
+                                </p:cTn>
+                              </p:par>
+                            </p:childTnLst>
+                          </p:cTn>
+                        </p:par>
+                      </p:childTnLst>
+                    </p:cTn>
+                  </p:par>
+                </p:childTnLst>
+              </p:cTn>
+              <p:prevCondLst>
+                <p:cond evt="onPrev" delay="0">
+                  <p:tgtEl>
+                    <p:sldTgt/>
+                  </p:tgtEl>
+                </p:cond>
+              </p:prevCondLst>
+              <p:nextCondLst>
+                <p:cond evt="onNext" delay="0">
+                  <p:tgtEl>
+                    <p:sldTgt/>
+                  </p:tgtEl>
+                </p:cond>
+              </p:nextCondLst>
+            </p:seq>
+          </p:childTnLst>
+        </p:cTn>
       </p:par>
     </p:tnLst>
+    <p:bldLst>
+      <p:bldP spid="3" grpId="0" build="p"/>
+    </p:bldLst>
   </p:timing>
 </p:sld>
 </file>
 
-<file path=ppt/slides/slide8.xml><?xml version="1.0" encoding="utf-8"?>
+<file path=ppt/slides/slide7.xml><?xml version="1.0" encoding="utf-8"?>
 <p:sld xmlns:a="http://schemas.openxmlformats.org/drawingml/2006/main" xmlns:r="http://schemas.openxmlformats.org/officeDocument/2006/relationships" xmlns:p="http://schemas.openxmlformats.org/presentationml/2006/main">
   <p:cSld>
     <p:spTree>
